--- a/content/teaching/linal19/LA-Lecture6-Convex-Sets.pptx
+++ b/content/teaching/linal19/LA-Lecture6-Convex-Sets.pptx
@@ -268,7 +268,7 @@
           <a:p>
             <a:fld id="{B1844171-D7BE-4342-A4EB-3470B7671808}" type="datetimeFigureOut">
               <a:rPr lang="ru-RU" smtClean="0"/>
-              <a:t>26.11.2019</a:t>
+              <a:t>09.01.2020</a:t>
             </a:fld>
             <a:endParaRPr lang="ru-RU"/>
           </a:p>
@@ -436,7 +436,7 @@
           <a:p>
             <a:fld id="{B1844171-D7BE-4342-A4EB-3470B7671808}" type="datetimeFigureOut">
               <a:rPr lang="ru-RU" smtClean="0"/>
-              <a:t>26.11.2019</a:t>
+              <a:t>09.01.2020</a:t>
             </a:fld>
             <a:endParaRPr lang="ru-RU"/>
           </a:p>
@@ -614,7 +614,7 @@
           <a:p>
             <a:fld id="{B1844171-D7BE-4342-A4EB-3470B7671808}" type="datetimeFigureOut">
               <a:rPr lang="ru-RU" smtClean="0"/>
-              <a:t>26.11.2019</a:t>
+              <a:t>09.01.2020</a:t>
             </a:fld>
             <a:endParaRPr lang="ru-RU"/>
           </a:p>
@@ -782,7 +782,7 @@
           <a:p>
             <a:fld id="{B1844171-D7BE-4342-A4EB-3470B7671808}" type="datetimeFigureOut">
               <a:rPr lang="ru-RU" smtClean="0"/>
-              <a:t>26.11.2019</a:t>
+              <a:t>09.01.2020</a:t>
             </a:fld>
             <a:endParaRPr lang="ru-RU"/>
           </a:p>
@@ -1027,7 +1027,7 @@
           <a:p>
             <a:fld id="{B1844171-D7BE-4342-A4EB-3470B7671808}" type="datetimeFigureOut">
               <a:rPr lang="ru-RU" smtClean="0"/>
-              <a:t>26.11.2019</a:t>
+              <a:t>09.01.2020</a:t>
             </a:fld>
             <a:endParaRPr lang="ru-RU"/>
           </a:p>
@@ -1256,7 +1256,7 @@
           <a:p>
             <a:fld id="{B1844171-D7BE-4342-A4EB-3470B7671808}" type="datetimeFigureOut">
               <a:rPr lang="ru-RU" smtClean="0"/>
-              <a:t>26.11.2019</a:t>
+              <a:t>09.01.2020</a:t>
             </a:fld>
             <a:endParaRPr lang="ru-RU"/>
           </a:p>
@@ -1620,7 +1620,7 @@
           <a:p>
             <a:fld id="{B1844171-D7BE-4342-A4EB-3470B7671808}" type="datetimeFigureOut">
               <a:rPr lang="ru-RU" smtClean="0"/>
-              <a:t>26.11.2019</a:t>
+              <a:t>09.01.2020</a:t>
             </a:fld>
             <a:endParaRPr lang="ru-RU"/>
           </a:p>
@@ -1737,7 +1737,7 @@
           <a:p>
             <a:fld id="{B1844171-D7BE-4342-A4EB-3470B7671808}" type="datetimeFigureOut">
               <a:rPr lang="ru-RU" smtClean="0"/>
-              <a:t>26.11.2019</a:t>
+              <a:t>09.01.2020</a:t>
             </a:fld>
             <a:endParaRPr lang="ru-RU"/>
           </a:p>
@@ -1832,7 +1832,7 @@
           <a:p>
             <a:fld id="{B1844171-D7BE-4342-A4EB-3470B7671808}" type="datetimeFigureOut">
               <a:rPr lang="ru-RU" smtClean="0"/>
-              <a:t>26.11.2019</a:t>
+              <a:t>09.01.2020</a:t>
             </a:fld>
             <a:endParaRPr lang="ru-RU"/>
           </a:p>
@@ -2107,7 +2107,7 @@
           <a:p>
             <a:fld id="{B1844171-D7BE-4342-A4EB-3470B7671808}" type="datetimeFigureOut">
               <a:rPr lang="ru-RU" smtClean="0"/>
-              <a:t>26.11.2019</a:t>
+              <a:t>09.01.2020</a:t>
             </a:fld>
             <a:endParaRPr lang="ru-RU"/>
           </a:p>
@@ -2359,7 +2359,7 @@
           <a:p>
             <a:fld id="{B1844171-D7BE-4342-A4EB-3470B7671808}" type="datetimeFigureOut">
               <a:rPr lang="ru-RU" smtClean="0"/>
-              <a:t>26.11.2019</a:t>
+              <a:t>09.01.2020</a:t>
             </a:fld>
             <a:endParaRPr lang="ru-RU"/>
           </a:p>
@@ -2570,7 +2570,7 @@
           <a:p>
             <a:fld id="{B1844171-D7BE-4342-A4EB-3470B7671808}" type="datetimeFigureOut">
               <a:rPr lang="ru-RU" smtClean="0"/>
-              <a:t>26.11.2019</a:t>
+              <a:t>09.01.2020</a:t>
             </a:fld>
             <a:endParaRPr lang="ru-RU"/>
           </a:p>
@@ -2998,7 +2998,7 @@
           <a:lstStyle/>
           <a:p>
             <a:r>
-              <a:rPr lang="en-US" sz="6600" dirty="0" smtClean="0">
+              <a:rPr lang="en-US" sz="6600" dirty="0">
                 <a:latin typeface="Sitka Small" panose="02000505000000020004" pitchFamily="2" charset="0"/>
               </a:rPr>
               <a:t>Linear Algebra</a:t>
@@ -3033,7 +3033,7 @@
           <a:p>
             <a:pPr algn="ctr"/>
             <a:r>
-              <a:rPr lang="en-US" sz="4000" b="0" cap="none" spc="0" dirty="0" smtClean="0">
+              <a:rPr lang="en-US" sz="4000" b="0" cap="none" spc="0" dirty="0">
                 <a:ln w="0"/>
                 <a:solidFill>
                   <a:schemeClr val="tx1"/>
@@ -3112,7 +3112,7 @@
           <a:lstStyle/>
           <a:p>
             <a:r>
-              <a:rPr lang="en-US" sz="4000" cap="none" spc="0" dirty="0" smtClean="0">
+              <a:rPr lang="en-US" sz="4000" cap="none" spc="0" dirty="0">
                 <a:ln w="0"/>
                 <a:solidFill>
                   <a:schemeClr val="tx1"/>
@@ -3124,7 +3124,7 @@
             </a:r>
           </a:p>
           <a:p>
-            <a:endParaRPr lang="en-US" sz="3200" b="1" dirty="0" smtClean="0">
+            <a:endParaRPr lang="en-US" sz="3200" b="1" dirty="0">
               <a:ln w="0"/>
               <a:effectLst>
                 <a:outerShdw blurRad="38100" dist="19050" dir="2700000" algn="tl" rotWithShape="0">
@@ -3139,7 +3139,7 @@
           </a:p>
           <a:p>
             <a:r>
-              <a:rPr lang="en-US" sz="2400" cap="none" spc="0" dirty="0" smtClean="0">
+              <a:rPr lang="en-US" sz="2400" cap="none" spc="0" dirty="0">
                 <a:ln w="0"/>
                 <a:solidFill>
                   <a:schemeClr val="tx1"/>
@@ -3152,7 +3152,7 @@
           </a:p>
           <a:p>
             <a:r>
-              <a:rPr lang="en-US" sz="2000" dirty="0" smtClean="0">
+              <a:rPr lang="en-US" sz="2000" dirty="0">
                 <a:ln w="0"/>
                 <a:latin typeface="Cambria Math" panose="02040503050406030204" pitchFamily="18" charset="0"/>
                 <a:ea typeface="Cambria Math" panose="02040503050406030204" pitchFamily="18" charset="0"/>
@@ -3162,7 +3162,7 @@
           </a:p>
           <a:p>
             <a:r>
-              <a:rPr lang="en-US" sz="2000" cap="none" spc="0" dirty="0" smtClean="0">
+              <a:rPr lang="en-US" sz="2000" cap="none" spc="0" dirty="0">
                 <a:ln w="0"/>
                 <a:solidFill>
                   <a:schemeClr val="tx1"/>
@@ -3173,7 +3173,7 @@
               <a:t>Laboratory of Advanced </a:t>
             </a:r>
             <a:r>
-              <a:rPr lang="en-US" sz="2000" cap="none" spc="0" dirty="0" err="1" smtClean="0">
+              <a:rPr lang="en-US" sz="2000" cap="none" spc="0" dirty="0" err="1">
                 <a:ln w="0"/>
                 <a:solidFill>
                   <a:schemeClr val="tx1"/>
@@ -3184,7 +3184,7 @@
               <a:t>Combinatorics</a:t>
             </a:r>
             <a:r>
-              <a:rPr lang="en-US" sz="2000" cap="none" spc="0" dirty="0" smtClean="0">
+              <a:rPr lang="en-US" sz="2000" cap="none" spc="0" dirty="0">
                 <a:ln w="0"/>
                 <a:solidFill>
                   <a:schemeClr val="tx1"/>
@@ -3215,13 +3215,6 @@
   <p:clrMapOvr>
     <a:masterClrMapping/>
   </p:clrMapOvr>
-  <p:timing>
-    <p:tnLst>
-      <p:par>
-        <p:cTn id="1" dur="indefinite" restart="never" nodeType="tmRoot"/>
-      </p:par>
-    </p:tnLst>
-  </p:timing>
 </p:sld>
 </file>
 
@@ -3266,7 +3259,7 @@
           <a:p>
             <a:pPr algn="ctr"/>
             <a:r>
-              <a:rPr lang="en-US" sz="4000" dirty="0" smtClean="0">
+              <a:rPr lang="en-US" sz="4000" dirty="0">
                 <a:solidFill>
                   <a:srgbClr val="C00000"/>
                 </a:solidFill>
@@ -3324,7 +3317,7 @@
                   </m:oMath>
                 </a14:m>
                 <a:r>
-                  <a:rPr lang="en-US" sz="3200" b="0" cap="none" spc="0" dirty="0" smtClean="0">
+                  <a:rPr lang="en-US" sz="3200" b="0" cap="none" spc="0" dirty="0">
                     <a:ln w="0"/>
                     <a:solidFill>
                       <a:schemeClr val="tx1"/>
@@ -3380,7 +3373,7 @@
                   </m:oMath>
                 </a14:m>
                 <a:r>
-                  <a:rPr lang="en-US" sz="3200" b="0" cap="none" spc="0" dirty="0" smtClean="0">
+                  <a:rPr lang="en-US" sz="3200" b="0" cap="none" spc="0" dirty="0">
                     <a:ln w="0"/>
                     <a:solidFill>
                       <a:schemeClr val="tx1"/>
@@ -3420,7 +3413,7 @@
                   </m:oMath>
                 </a14:m>
                 <a:r>
-                  <a:rPr lang="en-US" sz="3200" b="0" cap="none" spc="0" dirty="0" smtClean="0">
+                  <a:rPr lang="en-US" sz="3200" b="0" cap="none" spc="0" dirty="0">
                     <a:ln w="0"/>
                     <a:solidFill>
                       <a:schemeClr val="tx1"/>
@@ -3432,7 +3425,7 @@
                   <a:t> is a supporting </a:t>
                 </a:r>
                 <a:r>
-                  <a:rPr lang="en-US" sz="3200" b="0" cap="none" spc="0" dirty="0" err="1" smtClean="0">
+                  <a:rPr lang="en-US" sz="3200" b="0" cap="none" spc="0" dirty="0" err="1">
                     <a:ln w="0"/>
                     <a:solidFill>
                       <a:schemeClr val="tx1"/>
@@ -3444,7 +3437,7 @@
                   <a:t>hyperplane</a:t>
                 </a:r>
                 <a:r>
-                  <a:rPr lang="en-US" sz="3200" b="0" cap="none" spc="0" dirty="0" smtClean="0">
+                  <a:rPr lang="en-US" sz="3200" b="0" cap="none" spc="0" dirty="0">
                     <a:ln w="0"/>
                     <a:solidFill>
                       <a:schemeClr val="tx1"/>
@@ -3456,7 +3449,7 @@
                   <a:t> </a:t>
                 </a:r>
                 <a:r>
-                  <a:rPr lang="en-US" sz="3200" b="0" cap="none" spc="0" dirty="0" err="1" smtClean="0">
+                  <a:rPr lang="en-US" sz="3200" b="0" cap="none" spc="0" dirty="0" err="1">
                     <a:ln w="0"/>
                     <a:solidFill>
                       <a:schemeClr val="tx1"/>
@@ -3468,7 +3461,7 @@
                   <a:t>iff</a:t>
                 </a:r>
                 <a:r>
-                  <a:rPr lang="en-US" sz="3200" b="0" cap="none" spc="0" dirty="0" smtClean="0">
+                  <a:rPr lang="en-US" sz="3200" b="0" cap="none" spc="0" dirty="0">
                     <a:ln w="0"/>
                     <a:solidFill>
                       <a:schemeClr val="tx1"/>
@@ -3564,7 +3557,7 @@
                   </m:oMath>
                 </a14:m>
                 <a:r>
-                  <a:rPr lang="en-US" sz="3200" b="0" cap="none" spc="0" dirty="0" smtClean="0">
+                  <a:rPr lang="en-US" sz="3200" b="0" cap="none" spc="0" dirty="0">
                     <a:ln w="0"/>
                     <a:solidFill>
                       <a:srgbClr val="0070C0"/>
@@ -3648,14 +3641,14 @@
                   </a:lnSpc>
                 </a:pPr>
                 <a:r>
-                  <a:rPr lang="en-US" sz="3200" b="1" dirty="0" smtClean="0">
+                  <a:rPr lang="en-US" sz="3200" b="1" dirty="0">
                     <a:latin typeface="Cambria" panose="02040503050406030204" pitchFamily="18" charset="0"/>
                     <a:ea typeface="Cambria" panose="02040503050406030204" pitchFamily="18" charset="0"/>
                   </a:rPr>
                   <a:t>Proof: </a:t>
                 </a:r>
                 <a:r>
-                  <a:rPr lang="en-US" sz="3200" dirty="0" smtClean="0">
+                  <a:rPr lang="en-US" sz="3200" dirty="0">
                     <a:latin typeface="Cambria Math" panose="02040503050406030204" pitchFamily="18" charset="0"/>
                     <a:ea typeface="Cambria Math" panose="02040503050406030204" pitchFamily="18" charset="0"/>
                   </a:rPr>
@@ -3762,7 +3755,7 @@
                   </m:oMath>
                 </a14:m>
                 <a:r>
-                  <a:rPr lang="en-US" sz="3200" b="0" cap="none" spc="0" dirty="0" smtClean="0">
+                  <a:rPr lang="en-US" sz="3200" b="0" cap="none" spc="0" dirty="0">
                     <a:ln w="0"/>
                     <a:solidFill>
                       <a:schemeClr val="tx1"/>
@@ -3829,7 +3822,7 @@
                   </m:oMath>
                 </a14:m>
                 <a:r>
-                  <a:rPr lang="en-US" sz="3200" b="0" cap="none" spc="0" dirty="0" smtClean="0">
+                  <a:rPr lang="en-US" sz="3200" b="0" cap="none" spc="0" dirty="0">
                     <a:ln w="0"/>
                     <a:solidFill>
                       <a:srgbClr val="0070C0"/>
@@ -3841,7 +3834,7 @@
                   <a:t> </a:t>
                 </a:r>
                 <a:r>
-                  <a:rPr lang="en-US" sz="3200" b="0" cap="none" spc="0" dirty="0" smtClean="0">
+                  <a:rPr lang="en-US" sz="3200" b="0" cap="none" spc="0" dirty="0">
                     <a:ln w="0"/>
                     <a:solidFill>
                       <a:schemeClr val="tx1"/>
@@ -3886,23 +3879,7 @@
                     <a:latin typeface="Cambria Math" panose="02040503050406030204" pitchFamily="18" charset="0"/>
                     <a:ea typeface="Cambria Math" panose="02040503050406030204" pitchFamily="18" charset="0"/>
                   </a:rPr>
-                  <a:t> Conversely, </a:t>
-                </a:r>
-                <a:r>
-                  <a:rPr lang="en-US" sz="3200" dirty="0" smtClean="0">
-                    <a:ln w="0"/>
-                    <a:latin typeface="Cambria Math" panose="02040503050406030204" pitchFamily="18" charset="0"/>
-                    <a:ea typeface="Cambria Math" panose="02040503050406030204" pitchFamily="18" charset="0"/>
-                  </a:rPr>
-                  <a:t>if points </a:t>
-                </a:r>
-                <a:r>
-                  <a:rPr lang="en-US" sz="3200" dirty="0">
-                    <a:ln w="0"/>
-                    <a:latin typeface="Cambria Math" panose="02040503050406030204" pitchFamily="18" charset="0"/>
-                    <a:ea typeface="Cambria Math" panose="02040503050406030204" pitchFamily="18" charset="0"/>
-                  </a:rPr>
-                  <a:t>of </a:t>
+                  <a:t> Conversely, if points of </a:t>
                 </a:r>
                 <a14:m>
                   <m:oMath xmlns:m="http://schemas.openxmlformats.org/officeDocument/2006/math">
@@ -3945,7 +3922,7 @@
                   </m:oMath>
                 </a14:m>
                 <a:r>
-                  <a:rPr lang="en-US" sz="3200" b="0" cap="none" spc="0" dirty="0" smtClean="0">
+                  <a:rPr lang="en-US" sz="3200" b="0" cap="none" spc="0" dirty="0">
                     <a:ln w="0"/>
                     <a:solidFill>
                       <a:schemeClr val="tx1"/>
@@ -4038,7 +4015,7 @@
                   </m:oMath>
                 </a14:m>
                 <a:r>
-                  <a:rPr lang="en-US" sz="3200" b="0" cap="none" spc="0" dirty="0" smtClean="0">
+                  <a:rPr lang="en-US" sz="3200" b="0" cap="none" spc="0" dirty="0">
                     <a:ln w="0"/>
                     <a:solidFill>
                       <a:schemeClr val="tx1"/>
@@ -4184,7 +4161,7 @@
                   </m:oMath>
                 </a14:m>
                 <a:r>
-                  <a:rPr lang="en-US" sz="3200" b="0" cap="none" spc="0" dirty="0" smtClean="0">
+                  <a:rPr lang="en-US" sz="3200" b="0" cap="none" spc="0" dirty="0">
                     <a:ln w="0"/>
                     <a:solidFill>
                       <a:schemeClr val="tx1"/>
@@ -4322,7 +4299,7 @@
                   </m:oMath>
                 </a14:m>
                 <a:r>
-                  <a:rPr lang="en-US" sz="3200" b="0" cap="none" spc="0" dirty="0" smtClean="0">
+                  <a:rPr lang="en-US" sz="3200" b="0" cap="none" spc="0" dirty="0">
                     <a:ln w="0"/>
                     <a:solidFill>
                       <a:schemeClr val="tx1"/>
@@ -4374,7 +4351,7 @@
                   </m:oMath>
                 </a14:m>
                 <a:r>
-                  <a:rPr lang="en-US" sz="3200" b="0" cap="none" spc="0" dirty="0" smtClean="0">
+                  <a:rPr lang="en-US" sz="3200" b="0" cap="none" spc="0" dirty="0">
                     <a:ln w="0"/>
                     <a:solidFill>
                       <a:srgbClr val="0070C0"/>
@@ -4386,7 +4363,7 @@
                   <a:t> </a:t>
                 </a:r>
                 <a:r>
-                  <a:rPr lang="en-US" sz="3200" b="0" cap="none" spc="0" dirty="0" smtClean="0">
+                  <a:rPr lang="en-US" sz="3200" b="0" cap="none" spc="0" dirty="0">
                     <a:ln w="0"/>
                     <a:solidFill>
                       <a:schemeClr val="tx1"/>
@@ -4458,7 +4435,7 @@
                   </m:oMath>
                 </a14:m>
                 <a:r>
-                  <a:rPr lang="en-US" sz="3200" b="0" cap="none" spc="0" dirty="0" smtClean="0">
+                  <a:rPr lang="en-US" sz="3200" b="0" cap="none" spc="0" dirty="0">
                     <a:ln w="0"/>
                     <a:solidFill>
                       <a:schemeClr val="tx1"/>
@@ -4562,7 +4539,7 @@
                     </m:r>
                   </m:oMath>
                 </a14:m>
-                <a:endParaRPr lang="en-US" sz="3200" b="0" cap="none" spc="0" dirty="0" smtClean="0">
+                <a:endParaRPr lang="en-US" sz="3200" b="0" cap="none" spc="0" dirty="0">
                   <a:ln w="0"/>
                   <a:solidFill>
                     <a:schemeClr val="tx1"/>
@@ -5882,13 +5859,6 @@
                 </a:r>
               </a:p>
               <a:p>
-                <a:r>
-                  <a:rPr lang="en-US" sz="3200" dirty="0">
-                    <a:latin typeface="Cambria Math" panose="02040503050406030204" pitchFamily="18" charset="0"/>
-                    <a:ea typeface="Cambria Math" panose="02040503050406030204" pitchFamily="18" charset="0"/>
-                  </a:rPr>
-                  <a:t/>
-                </a:r>
                 <a:br>
                   <a:rPr lang="en-US" sz="3200" dirty="0">
                     <a:latin typeface="Cambria Math" panose="02040503050406030204" pitchFamily="18" charset="0"/>
@@ -5983,7 +5953,7 @@
                   </a:lnSpc>
                 </a:pPr>
                 <a:r>
-                  <a:rPr lang="en-US" sz="3200" b="1" dirty="0" smtClean="0">
+                  <a:rPr lang="en-US" sz="3200" b="1" dirty="0">
                     <a:latin typeface="Cambria" panose="02040503050406030204" pitchFamily="18" charset="0"/>
                     <a:ea typeface="Cambria" panose="02040503050406030204" pitchFamily="18" charset="0"/>
                   </a:rPr>
@@ -6120,13 +6090,6 @@
                 </a:endParaRPr>
               </a:p>
               <a:p>
-                <a:r>
-                  <a:rPr lang="en-US" sz="2800" dirty="0">
-                    <a:latin typeface="Verdana" panose="020B0604030504040204" pitchFamily="34" charset="0"/>
-                    <a:ea typeface="Verdana" panose="020B0604030504040204" pitchFamily="34" charset="0"/>
-                  </a:rPr>
-                  <a:t/>
-                </a:r>
                 <a:br>
                   <a:rPr lang="en-US" sz="2800" dirty="0">
                     <a:latin typeface="Verdana" panose="020B0604030504040204" pitchFamily="34" charset="0"/>
@@ -7474,15 +7437,6 @@
                   </a:rPr>
                   <a:t> Conversely, </a:t>
                 </a:r>
-                <a:endParaRPr lang="en-US" sz="3200" b="0" cap="none" spc="0" dirty="0" smtClean="0">
-                  <a:ln w="0"/>
-                  <a:solidFill>
-                    <a:schemeClr val="tx1"/>
-                  </a:solidFill>
-                  <a:effectLst/>
-                  <a:latin typeface="Cambria Math" panose="02040503050406030204" pitchFamily="18" charset="0"/>
-                  <a:ea typeface="Cambria Math" panose="02040503050406030204" pitchFamily="18" charset="0"/>
-                </a:endParaRPr>
               </a:p>
               <a:p>
                 <a:pPr>
@@ -7737,7 +7691,7 @@
                   </m:oMath>
                 </a14:m>
                 <a:r>
-                  <a:rPr lang="ru-RU" sz="3200" b="0" cap="none" spc="0" dirty="0" smtClean="0">
+                  <a:rPr lang="ru-RU" sz="3200" b="0" cap="none" spc="0" dirty="0">
                     <a:ln w="0"/>
                     <a:solidFill>
                       <a:schemeClr val="tx1"/>
@@ -7749,7 +7703,7 @@
                   <a:t>,</a:t>
                 </a:r>
                 <a:r>
-                  <a:rPr lang="en-US" sz="3200" b="0" cap="none" spc="0" dirty="0" smtClean="0">
+                  <a:rPr lang="en-US" sz="3200" b="0" cap="none" spc="0" dirty="0">
                     <a:ln w="0"/>
                     <a:solidFill>
                       <a:schemeClr val="tx1"/>
@@ -7768,7 +7722,7 @@
                   </a:lnSpc>
                 </a:pPr>
                 <a:r>
-                  <a:rPr lang="en-US" sz="3200" b="0" cap="none" spc="0" dirty="0" smtClean="0">
+                  <a:rPr lang="en-US" sz="3200" b="0" cap="none" spc="0" dirty="0">
                     <a:ln w="0"/>
                     <a:solidFill>
                       <a:schemeClr val="tx1"/>
@@ -8084,7 +8038,7 @@
             <p:cNvPr id="5" name="Группа 4">
               <a:extLst>
                 <a:ext uri="{FF2B5EF4-FFF2-40B4-BE49-F238E27FC236}">
-                  <a16:creationId xmlns="" xmlns:a16="http://schemas.microsoft.com/office/drawing/2014/main" id="{24B2D519-E58C-4C7B-80C3-E1BE771953AC}"/>
+                  <a16:creationId xmlns:a16="http://schemas.microsoft.com/office/drawing/2014/main" id="{24B2D519-E58C-4C7B-80C3-E1BE771953AC}"/>
                 </a:ext>
               </a:extLst>
             </p:cNvPr>
@@ -8104,7 +8058,7 @@
               <p:cNvPr id="8" name="Полилиния: фигура 5">
                 <a:extLst>
                   <a:ext uri="{FF2B5EF4-FFF2-40B4-BE49-F238E27FC236}">
-                    <a16:creationId xmlns="" xmlns:a16="http://schemas.microsoft.com/office/drawing/2014/main" id="{592EFAE5-88B4-47E3-8953-527FD9305FB4}"/>
+                    <a16:creationId xmlns:a16="http://schemas.microsoft.com/office/drawing/2014/main" id="{592EFAE5-88B4-47E3-8953-527FD9305FB4}"/>
                   </a:ext>
                 </a:extLst>
               </p:cNvPr>
@@ -8235,7 +8189,7 @@
               <p:cNvPr id="9" name="Прямая соединительная линия 8">
                 <a:extLst>
                   <a:ext uri="{FF2B5EF4-FFF2-40B4-BE49-F238E27FC236}">
-                    <a16:creationId xmlns="" xmlns:a16="http://schemas.microsoft.com/office/drawing/2014/main" id="{5E8611E9-DDA7-46FA-B6BC-F96F1953DE3B}"/>
+                    <a16:creationId xmlns:a16="http://schemas.microsoft.com/office/drawing/2014/main" id="{5E8611E9-DDA7-46FA-B6BC-F96F1953DE3B}"/>
                   </a:ext>
                 </a:extLst>
               </p:cNvPr>
@@ -8280,7 +8234,7 @@
                   <p:cNvPr id="10" name="Прямоугольник 9">
                     <a:extLst>
                       <a:ext uri="{FF2B5EF4-FFF2-40B4-BE49-F238E27FC236}">
-                        <a16:creationId xmlns="" xmlns:a16="http://schemas.microsoft.com/office/drawing/2014/main" id="{318573A8-C46B-43AE-83CC-D89EB5D65E2D}"/>
+                        <a16:creationId xmlns:a16="http://schemas.microsoft.com/office/drawing/2014/main" id="{318573A8-C46B-43AE-83CC-D89EB5D65E2D}"/>
                       </a:ext>
                     </a:extLst>
                   </p:cNvPr>
@@ -8422,7 +8376,7 @@
                   <p:cNvPr id="11" name="Прямоугольник 10">
                     <a:extLst>
                       <a:ext uri="{FF2B5EF4-FFF2-40B4-BE49-F238E27FC236}">
-                        <a16:creationId xmlns="" xmlns:a16="http://schemas.microsoft.com/office/drawing/2014/main" id="{9CEAC4FE-0ED8-4BA1-9D31-2ED15B4ED5DE}"/>
+                        <a16:creationId xmlns:a16="http://schemas.microsoft.com/office/drawing/2014/main" id="{9CEAC4FE-0ED8-4BA1-9D31-2ED15B4ED5DE}"/>
                       </a:ext>
                     </a:extLst>
                   </p:cNvPr>
@@ -8564,7 +8518,7 @@
                   <p:cNvPr id="12" name="Прямоугольник 11">
                     <a:extLst>
                       <a:ext uri="{FF2B5EF4-FFF2-40B4-BE49-F238E27FC236}">
-                        <a16:creationId xmlns="" xmlns:a16="http://schemas.microsoft.com/office/drawing/2014/main" id="{9CB7E735-C23A-4E1F-A79F-28D73DCA77D5}"/>
+                        <a16:creationId xmlns:a16="http://schemas.microsoft.com/office/drawing/2014/main" id="{9CB7E735-C23A-4E1F-A79F-28D73DCA77D5}"/>
                       </a:ext>
                     </a:extLst>
                   </p:cNvPr>
@@ -8669,7 +8623,7 @@
               <p:cNvPr id="13" name="Овал 12">
                 <a:extLst>
                   <a:ext uri="{FF2B5EF4-FFF2-40B4-BE49-F238E27FC236}">
-                    <a16:creationId xmlns="" xmlns:a16="http://schemas.microsoft.com/office/drawing/2014/main" id="{8ABDB9A9-E7E5-4EFF-A700-A0F78AF4688E}"/>
+                    <a16:creationId xmlns:a16="http://schemas.microsoft.com/office/drawing/2014/main" id="{8ABDB9A9-E7E5-4EFF-A700-A0F78AF4688E}"/>
                   </a:ext>
                 </a:extLst>
               </p:cNvPr>
@@ -8723,7 +8677,7 @@
               <p:cNvPr id="14" name="Овал 13">
                 <a:extLst>
                   <a:ext uri="{FF2B5EF4-FFF2-40B4-BE49-F238E27FC236}">
-                    <a16:creationId xmlns="" xmlns:a16="http://schemas.microsoft.com/office/drawing/2014/main" id="{0FBD07F3-6DB4-4B9A-97E9-2A4BCDA9CCB3}"/>
+                    <a16:creationId xmlns:a16="http://schemas.microsoft.com/office/drawing/2014/main" id="{0FBD07F3-6DB4-4B9A-97E9-2A4BCDA9CCB3}"/>
                   </a:ext>
                 </a:extLst>
               </p:cNvPr>
@@ -8777,7 +8731,7 @@
               <p:cNvPr id="15" name="Овал 14">
                 <a:extLst>
                   <a:ext uri="{FF2B5EF4-FFF2-40B4-BE49-F238E27FC236}">
-                    <a16:creationId xmlns="" xmlns:a16="http://schemas.microsoft.com/office/drawing/2014/main" id="{29AFAE6B-6811-42EC-8CF3-67CC939142C7}"/>
+                    <a16:creationId xmlns:a16="http://schemas.microsoft.com/office/drawing/2014/main" id="{29AFAE6B-6811-42EC-8CF3-67CC939142C7}"/>
                   </a:ext>
                 </a:extLst>
               </p:cNvPr>
@@ -8834,7 +8788,7 @@
                 <p:cNvPr id="16" name="Прямоугольник 15">
                   <a:extLst>
                     <a:ext uri="{FF2B5EF4-FFF2-40B4-BE49-F238E27FC236}">
-                      <a16:creationId xmlns="" xmlns:a16="http://schemas.microsoft.com/office/drawing/2014/main" id="{318573A8-C46B-43AE-83CC-D89EB5D65E2D}"/>
+                      <a16:creationId xmlns:a16="http://schemas.microsoft.com/office/drawing/2014/main" id="{318573A8-C46B-43AE-83CC-D89EB5D65E2D}"/>
                     </a:ext>
                   </a:extLst>
                 </p:cNvPr>
@@ -9200,28 +9154,7 @@
                     <a:latin typeface="Cambria Math" panose="02040503050406030204" pitchFamily="18" charset="0"/>
                     <a:ea typeface="Cambria Math" panose="02040503050406030204" pitchFamily="18" charset="0"/>
                   </a:rPr>
-                  <a:t>                                          </a:t>
-                </a:r>
-                <a:r>
-                  <a:rPr lang="ru-RU" sz="3200" dirty="0" smtClean="0">
-                    <a:ln w="0"/>
-                    <a:effectLst/>
-                    <a:latin typeface="Cambria Math" panose="02040503050406030204" pitchFamily="18" charset="0"/>
-                    <a:ea typeface="Cambria Math" panose="02040503050406030204" pitchFamily="18" charset="0"/>
-                  </a:rPr>
-                  <a:t>                    </a:t>
-                </a:r>
-                <a:r>
-                  <a:rPr lang="en-US" sz="3200" b="0" cap="none" spc="0" dirty="0" smtClean="0">
-                    <a:ln w="0"/>
-                    <a:solidFill>
-                      <a:schemeClr val="tx1"/>
-                    </a:solidFill>
-                    <a:effectLst/>
-                    <a:latin typeface="Cambria Math" panose="02040503050406030204" pitchFamily="18" charset="0"/>
-                    <a:ea typeface="Cambria Math" panose="02040503050406030204" pitchFamily="18" charset="0"/>
-                  </a:rPr>
-                  <a:t>Then </a:t>
+                  <a:t>                                                              </a:t>
                 </a:r>
                 <a:r>
                   <a:rPr lang="en-US" sz="3200" b="0" cap="none" spc="0" dirty="0">
@@ -9233,7 +9166,7 @@
                     <a:latin typeface="Cambria Math" panose="02040503050406030204" pitchFamily="18" charset="0"/>
                     <a:ea typeface="Cambria Math" panose="02040503050406030204" pitchFamily="18" charset="0"/>
                   </a:rPr>
-                  <a:t>it remains to prove that </a:t>
+                  <a:t>Then it remains to prove that </a:t>
                 </a:r>
                 <a14:m>
                   <m:oMath xmlns:m="http://schemas.openxmlformats.org/officeDocument/2006/math">
@@ -9691,21 +9624,10 @@
                     <a:latin typeface="Cambria Math" panose="02040503050406030204" pitchFamily="18" charset="0"/>
                     <a:ea typeface="Cambria Math" panose="02040503050406030204" pitchFamily="18" charset="0"/>
                   </a:rPr>
-                  <a:t>    </a:t>
+                  <a:t>      </a:t>
                 </a:r>
                 <a:r>
-                  <a:rPr lang="ru-RU" sz="3200" dirty="0" smtClean="0">
-                    <a:solidFill>
-                      <a:srgbClr val="0070C0"/>
-                    </a:solidFill>
-                    <a:effectLst/>
-                    <a:latin typeface="Cambria Math" panose="02040503050406030204" pitchFamily="18" charset="0"/>
-                    <a:ea typeface="Cambria Math" panose="02040503050406030204" pitchFamily="18" charset="0"/>
-                  </a:rPr>
-                  <a:t>  </a:t>
-                </a:r>
-                <a:r>
-                  <a:rPr lang="ru-RU" sz="3200" b="1" dirty="0" smtClean="0">
+                  <a:rPr lang="ru-RU" sz="3200" b="1" dirty="0">
                     <a:solidFill>
                       <a:srgbClr val="0070C0"/>
                     </a:solidFill>
@@ -9716,24 +9638,12 @@
                   <a:t>        </a:t>
                 </a:r>
                 <a:r>
-                  <a:rPr lang="en-US" sz="3200" b="1" dirty="0" smtClean="0">
+                  <a:rPr lang="en-US" sz="3200" b="1" dirty="0">
                     <a:effectLst/>
                     <a:latin typeface="Cambria Math" panose="02040503050406030204" pitchFamily="18" charset="0"/>
                     <a:ea typeface="Cambria Math" panose="02040503050406030204" pitchFamily="18" charset="0"/>
                   </a:rPr>
                   <a:t>  </a:t>
-                </a:r>
-                <a:r>
-                  <a:rPr lang="en-US" sz="3200" b="0" cap="none" spc="0" dirty="0" smtClean="0">
-                    <a:ln w="0"/>
-                    <a:solidFill>
-                      <a:schemeClr val="tx1"/>
-                    </a:solidFill>
-                    <a:effectLst/>
-                    <a:latin typeface="Cambria Math" panose="02040503050406030204" pitchFamily="18" charset="0"/>
-                    <a:ea typeface="Cambria Math" panose="02040503050406030204" pitchFamily="18" charset="0"/>
-                  </a:rPr>
-                  <a:t>Therefore</a:t>
                 </a:r>
                 <a:r>
                   <a:rPr lang="en-US" sz="3200" b="0" cap="none" spc="0" dirty="0">
@@ -9745,7 +9655,7 @@
                     <a:latin typeface="Cambria Math" panose="02040503050406030204" pitchFamily="18" charset="0"/>
                     <a:ea typeface="Cambria Math" panose="02040503050406030204" pitchFamily="18" charset="0"/>
                   </a:rPr>
-                  <a:t>, </a:t>
+                  <a:t>Therefore, </a:t>
                 </a:r>
                 <a:endParaRPr lang="en-US" sz="3200" b="0" i="1" cap="none" spc="0" dirty="0">
                   <a:ln w="0"/>
@@ -10243,7 +10153,7 @@
               <p:cNvPr id="10" name="Прямоугольник 9">
                 <a:extLst>
                   <a:ext uri="{FF2B5EF4-FFF2-40B4-BE49-F238E27FC236}">
-                    <a16:creationId xmlns="" xmlns:a16="http://schemas.microsoft.com/office/drawing/2014/main" id="{D14B18D3-F493-4C2C-82FE-1D8AF1242394}"/>
+                    <a16:creationId xmlns:a16="http://schemas.microsoft.com/office/drawing/2014/main" id="{D14B18D3-F493-4C2C-82FE-1D8AF1242394}"/>
                   </a:ext>
                 </a:extLst>
               </p:cNvPr>
@@ -10272,7 +10182,7 @@
                   </a:lnSpc>
                 </a:pPr>
                 <a:r>
-                  <a:rPr lang="en-US" sz="3200" b="0" cap="none" spc="0" dirty="0" smtClean="0">
+                  <a:rPr lang="en-US" sz="3200" b="0" cap="none" spc="0" dirty="0">
                     <a:ln w="0"/>
                     <a:solidFill>
                       <a:schemeClr val="tx1"/>
@@ -11050,7 +10960,7 @@
                   </m:oMath>
                 </a14:m>
                 <a:r>
-                  <a:rPr lang="en-US" sz="3200" b="0" cap="none" spc="0" dirty="0" smtClean="0">
+                  <a:rPr lang="en-US" sz="3200" b="0" cap="none" spc="0" dirty="0">
                     <a:ln w="0"/>
                     <a:effectLst/>
                     <a:latin typeface="Cambria Math" panose="02040503050406030204" pitchFamily="18" charset="0"/>
@@ -11058,19 +10968,6 @@
                     <a:cs typeface="Verdana" panose="020B0604030504040204" pitchFamily="34" charset="0"/>
                   </a:rPr>
                   <a:t>–</a:t>
-                </a:r>
-                <a:r>
-                  <a:rPr lang="en-US" sz="3200" b="0" cap="none" spc="0" dirty="0" smtClean="0">
-                    <a:ln w="0"/>
-                    <a:solidFill>
-                      <a:schemeClr val="tx1"/>
-                    </a:solidFill>
-                    <a:effectLst/>
-                    <a:latin typeface="Cambria Math" panose="02040503050406030204" pitchFamily="18" charset="0"/>
-                    <a:ea typeface="Cambria Math" panose="02040503050406030204" pitchFamily="18" charset="0"/>
-                    <a:cs typeface="Verdana" panose="020B0604030504040204" pitchFamily="34" charset="0"/>
-                  </a:rPr>
-                  <a:t>dim </a:t>
                 </a:r>
                 <a:r>
                   <a:rPr lang="en-US" sz="3200" b="0" cap="none" spc="0" dirty="0">
@@ -11083,7 +10980,7 @@
                     <a:ea typeface="Cambria Math" panose="02040503050406030204" pitchFamily="18" charset="0"/>
                     <a:cs typeface="Verdana" panose="020B0604030504040204" pitchFamily="34" charset="0"/>
                   </a:rPr>
-                  <a:t>plane through </a:t>
+                  <a:t>dim plane through </a:t>
                 </a:r>
                 <a:r>
                   <a:rPr lang="en-US" sz="3200" dirty="0">
@@ -11092,16 +10989,7 @@
                     <a:ea typeface="Cambria Math" panose="02040503050406030204" pitchFamily="18" charset="0"/>
                     <a:cs typeface="Verdana" panose="020B0604030504040204" pitchFamily="34" charset="0"/>
                   </a:rPr>
-                  <a:t>t</a:t>
-                </a:r>
-                <a:r>
-                  <a:rPr lang="en-US" sz="3200" dirty="0" smtClean="0">
-                    <a:ln w="0"/>
-                    <a:latin typeface="Cambria Math" panose="02040503050406030204" pitchFamily="18" charset="0"/>
-                    <a:ea typeface="Cambria Math" panose="02040503050406030204" pitchFamily="18" charset="0"/>
-                    <a:cs typeface="Verdana" panose="020B0604030504040204" pitchFamily="34" charset="0"/>
-                  </a:rPr>
-                  <a:t>he point </a:t>
+                  <a:t>the point </a:t>
                 </a:r>
                 <a14:m>
                   <m:oMath xmlns:m="http://schemas.openxmlformats.org/officeDocument/2006/math">
@@ -11334,7 +11222,7 @@
               <p:cNvPr id="3" name="Прямоугольник 2">
                 <a:extLst>
                   <a:ext uri="{FF2B5EF4-FFF2-40B4-BE49-F238E27FC236}">
-                    <a16:creationId xmlns="" xmlns:a16="http://schemas.microsoft.com/office/drawing/2014/main" id="{55BAFF4C-9F48-4E8E-99C1-2C6F812F4A34}"/>
+                    <a16:creationId xmlns:a16="http://schemas.microsoft.com/office/drawing/2014/main" id="{55BAFF4C-9F48-4E8E-99C1-2C6F812F4A34}"/>
                   </a:ext>
                 </a:extLst>
               </p:cNvPr>
@@ -11362,7 +11250,7 @@
                   </a:lnSpc>
                 </a:pPr>
                 <a:r>
-                  <a:rPr lang="en-US" sz="3200" dirty="0" smtClean="0">
+                  <a:rPr lang="en-US" sz="3200" dirty="0">
                     <a:ln w="0"/>
                     <a:effectLst/>
                     <a:latin typeface="Cambria Math" panose="02040503050406030204" pitchFamily="18" charset="0"/>
@@ -11391,7 +11279,7 @@
                   </m:oMath>
                 </a14:m>
                 <a:r>
-                  <a:rPr lang="en-US" sz="3200" dirty="0" smtClean="0">
+                  <a:rPr lang="en-US" sz="3200" dirty="0">
                     <a:ln w="0"/>
                     <a:effectLst/>
                     <a:latin typeface="Cambria Math" panose="02040503050406030204" pitchFamily="18" charset="0"/>
@@ -11420,22 +11308,13 @@
                   </m:oMath>
                 </a14:m>
                 <a:r>
-                  <a:rPr lang="en-US" sz="3200" dirty="0" smtClean="0">
-                    <a:ln w="0"/>
-                    <a:effectLst/>
-                    <a:latin typeface="Cambria Math" panose="02040503050406030204" pitchFamily="18" charset="0"/>
-                    <a:ea typeface="Cambria Math" panose="02040503050406030204" pitchFamily="18" charset="0"/>
-                  </a:rPr>
-                  <a:t> </a:t>
-                </a:r>
-                <a:r>
                   <a:rPr lang="en-US" sz="3200" dirty="0">
                     <a:ln w="0"/>
                     <a:effectLst/>
                     <a:latin typeface="Cambria Math" panose="02040503050406030204" pitchFamily="18" charset="0"/>
                     <a:ea typeface="Cambria Math" panose="02040503050406030204" pitchFamily="18" charset="0"/>
                   </a:rPr>
-                  <a:t>can not intersect </a:t>
+                  <a:t> can not intersect </a:t>
                 </a:r>
                 <a14:m>
                   <m:oMath xmlns:m="http://schemas.openxmlformats.org/officeDocument/2006/math">
@@ -11527,7 +11406,7 @@
                   </m:oMath>
                 </a14:m>
                 <a:r>
-                  <a:rPr lang="en-US" sz="3200" dirty="0" smtClean="0">
+                  <a:rPr lang="en-US" sz="3200" dirty="0">
                     <a:ln w="0"/>
                     <a:effectLst/>
                     <a:latin typeface="Cambria Math" panose="02040503050406030204" pitchFamily="18" charset="0"/>
@@ -11632,22 +11511,13 @@
                   </m:oMath>
                 </a14:m>
                 <a:r>
-                  <a:rPr lang="en-US" sz="3200" dirty="0" smtClean="0">
-                    <a:ln w="0"/>
-                    <a:effectLst/>
-                    <a:latin typeface="Cambria Math" panose="02040503050406030204" pitchFamily="18" charset="0"/>
-                    <a:ea typeface="Cambria Math" panose="02040503050406030204" pitchFamily="18" charset="0"/>
-                  </a:rPr>
-                  <a:t>does </a:t>
-                </a:r>
-                <a:r>
                   <a:rPr lang="en-US" sz="3200" dirty="0">
                     <a:ln w="0"/>
                     <a:effectLst/>
                     <a:latin typeface="Cambria Math" panose="02040503050406030204" pitchFamily="18" charset="0"/>
                     <a:ea typeface="Cambria Math" panose="02040503050406030204" pitchFamily="18" charset="0"/>
                   </a:rPr>
-                  <a:t>not. </a:t>
+                  <a:t>does not. </a:t>
                 </a:r>
                 <a:endParaRPr lang="ru-RU" sz="3200" dirty="0">
                   <a:effectLst/>
@@ -11710,7 +11580,7 @@
               <p:cNvPr id="5" name="Прямоугольник 4">
                 <a:extLst>
                   <a:ext uri="{FF2B5EF4-FFF2-40B4-BE49-F238E27FC236}">
-                    <a16:creationId xmlns="" xmlns:a16="http://schemas.microsoft.com/office/drawing/2014/main" id="{469DC36F-49EE-45FC-883D-3A36B0B9F772}"/>
+                    <a16:creationId xmlns:a16="http://schemas.microsoft.com/office/drawing/2014/main" id="{469DC36F-49EE-45FC-883D-3A36B0B9F772}"/>
                   </a:ext>
                 </a:extLst>
               </p:cNvPr>
@@ -11738,7 +11608,7 @@
                   </a:lnSpc>
                 </a:pPr>
                 <a:r>
-                  <a:rPr lang="en-US" sz="3200" dirty="0" smtClean="0">
+                  <a:rPr lang="en-US" sz="3200" dirty="0">
                     <a:ln w="0"/>
                     <a:solidFill>
                       <a:prstClr val="black"/>
@@ -11836,18 +11706,6 @@
                   </m:oMath>
                 </a14:m>
                 <a:r>
-                  <a:rPr lang="en-US" sz="3200" dirty="0" smtClean="0">
-                    <a:ln w="0"/>
-                    <a:solidFill>
-                      <a:prstClr val="black"/>
-                    </a:solidFill>
-                    <a:latin typeface="Cambria Math" panose="02040503050406030204" pitchFamily="18" charset="0"/>
-                    <a:ea typeface="Cambria Math" panose="02040503050406030204" pitchFamily="18" charset="0"/>
-                    <a:cs typeface="Verdana" panose="020B0604030504040204" pitchFamily="34" charset="0"/>
-                  </a:rPr>
-                  <a:t> </a:t>
-                </a:r>
-                <a:r>
                   <a:rPr lang="en-US" sz="3200" dirty="0">
                     <a:ln w="0"/>
                     <a:solidFill>
@@ -11857,7 +11715,7 @@
                     <a:ea typeface="Cambria Math" panose="02040503050406030204" pitchFamily="18" charset="0"/>
                     <a:cs typeface="Verdana" panose="020B0604030504040204" pitchFamily="34" charset="0"/>
                   </a:rPr>
-                  <a:t>then </a:t>
+                  <a:t> then </a:t>
                 </a:r>
                 <a14:m>
                   <m:oMath xmlns:m="http://schemas.openxmlformats.org/officeDocument/2006/math">
@@ -11911,31 +11769,7 @@
                     <a:ea typeface="Cambria Math" panose="02040503050406030204" pitchFamily="18" charset="0"/>
                     <a:cs typeface="Verdana" panose="020B0604030504040204" pitchFamily="34" charset="0"/>
                   </a:rPr>
-                  <a:t> into 2</a:t>
-                </a:r>
-                <a:r>
-                  <a:rPr lang="en-US" sz="3200" dirty="0" smtClean="0">
-                    <a:ln w="0"/>
-                    <a:solidFill>
-                      <a:prstClr val="black"/>
-                    </a:solidFill>
-                    <a:latin typeface="Cambria Math" panose="02040503050406030204" pitchFamily="18" charset="0"/>
-                    <a:ea typeface="Cambria Math" panose="02040503050406030204" pitchFamily="18" charset="0"/>
-                    <a:cs typeface="Verdana" panose="020B0604030504040204" pitchFamily="34" charset="0"/>
-                  </a:rPr>
-                  <a:t> </a:t>
-                </a:r>
-                <a:r>
-                  <a:rPr lang="en-US" sz="3200" dirty="0">
-                    <a:ln w="0"/>
-                    <a:solidFill>
-                      <a:prstClr val="black"/>
-                    </a:solidFill>
-                    <a:latin typeface="Cambria Math" panose="02040503050406030204" pitchFamily="18" charset="0"/>
-                    <a:ea typeface="Cambria Math" panose="02040503050406030204" pitchFamily="18" charset="0"/>
-                    <a:cs typeface="Verdana" panose="020B0604030504040204" pitchFamily="34" charset="0"/>
-                  </a:rPr>
-                  <a:t>half-spaces </a:t>
+                  <a:t> into 2 half-spaces </a:t>
                 </a:r>
                 <a14:m>
                   <m:oMath xmlns:m="http://schemas.openxmlformats.org/officeDocument/2006/math">
@@ -11964,7 +11798,7 @@
                   </m:oMath>
                 </a14:m>
                 <a:r>
-                  <a:rPr lang="en-US" sz="3200" dirty="0" smtClean="0">
+                  <a:rPr lang="en-US" sz="3200" dirty="0">
                     <a:ln w="0"/>
                     <a:solidFill>
                       <a:prstClr val="black"/>
@@ -12021,19 +11855,7 @@
                     <a:ea typeface="Cambria Math" panose="02040503050406030204" pitchFamily="18" charset="0"/>
                     <a:cs typeface="Verdana" panose="020B0604030504040204" pitchFamily="34" charset="0"/>
                   </a:rPr>
-                  <a:t> </a:t>
-                </a:r>
-                <a:r>
-                  <a:rPr lang="en-US" sz="3200" dirty="0" smtClean="0">
-                    <a:ln w="0"/>
-                    <a:solidFill>
-                      <a:prstClr val="black"/>
-                    </a:solidFill>
-                    <a:latin typeface="Cambria Math" panose="02040503050406030204" pitchFamily="18" charset="0"/>
-                    <a:ea typeface="Cambria Math" panose="02040503050406030204" pitchFamily="18" charset="0"/>
-                    <a:cs typeface="Verdana" panose="020B0604030504040204" pitchFamily="34" charset="0"/>
-                  </a:rPr>
-                  <a:t>If </a:t>
+                  <a:t> If </a:t>
                 </a:r>
                 <a14:m>
                   <m:oMath xmlns:m="http://schemas.openxmlformats.org/officeDocument/2006/math">
@@ -13682,7 +13504,7 @@
             <p:cNvPr id="2" name="Овал 1">
               <a:extLst>
                 <a:ext uri="{FF2B5EF4-FFF2-40B4-BE49-F238E27FC236}">
-                  <a16:creationId xmlns="" xmlns:a16="http://schemas.microsoft.com/office/drawing/2014/main" id="{B0CC5B3F-EDF2-4C71-81B2-181D139D6973}"/>
+                  <a16:creationId xmlns:a16="http://schemas.microsoft.com/office/drawing/2014/main" id="{B0CC5B3F-EDF2-4C71-81B2-181D139D6973}"/>
                 </a:ext>
               </a:extLst>
             </p:cNvPr>
@@ -14064,13 +13886,6 @@
   <p:clrMapOvr>
     <a:masterClrMapping/>
   </p:clrMapOvr>
-  <p:timing>
-    <p:tnLst>
-      <p:par>
-        <p:cTn id="1" dur="indefinite" restart="never" nodeType="tmRoot"/>
-      </p:par>
-    </p:tnLst>
-  </p:timing>
 </p:sld>
 </file>
 
@@ -14115,7 +13930,7 @@
           <a:p>
             <a:pPr algn="ctr"/>
             <a:r>
-              <a:rPr lang="en-US" sz="4000" dirty="0" smtClean="0">
+              <a:rPr lang="en-US" sz="4000" dirty="0">
                 <a:solidFill>
                   <a:srgbClr val="C00000"/>
                 </a:solidFill>
@@ -14151,7 +13966,7 @@
           <a:p>
             <a:pPr algn="ctr"/>
             <a:r>
-              <a:rPr lang="en-US" sz="3200" b="0" cap="none" spc="0" dirty="0" smtClean="0">
+              <a:rPr lang="en-US" sz="3200" b="0" cap="none" spc="0" dirty="0">
                 <a:ln w="0"/>
                 <a:solidFill>
                   <a:schemeClr val="tx1"/>
@@ -14415,7 +14230,7 @@
                   </m:oMath>
                 </a14:m>
                 <a:r>
-                  <a:rPr lang="en-US" sz="3200" dirty="0" smtClean="0">
+                  <a:rPr lang="en-US" sz="3200" dirty="0">
                     <a:solidFill>
                       <a:schemeClr val="accent5"/>
                     </a:solidFill>
@@ -14425,14 +14240,14 @@
                   <a:t> </a:t>
                 </a:r>
                 <a:r>
-                  <a:rPr lang="en-US" sz="3200" dirty="0" smtClean="0">
+                  <a:rPr lang="en-US" sz="3200" dirty="0">
                     <a:latin typeface="Cambria Math" panose="02040503050406030204" pitchFamily="18" charset="0"/>
                     <a:ea typeface="Cambria Math" panose="02040503050406030204" pitchFamily="18" charset="0"/>
                   </a:rPr>
                   <a:t>is a </a:t>
                 </a:r>
                 <a:r>
-                  <a:rPr lang="en-US" sz="3200" dirty="0" smtClean="0">
+                  <a:rPr lang="en-US" sz="3200" dirty="0">
                     <a:solidFill>
                       <a:srgbClr val="FF0000"/>
                     </a:solidFill>
@@ -14442,7 +14257,7 @@
                   <a:t>segment</a:t>
                 </a:r>
                 <a:r>
-                  <a:rPr lang="en-US" sz="3200" dirty="0" smtClean="0">
+                  <a:rPr lang="en-US" sz="3200" dirty="0">
                     <a:latin typeface="Cambria Math" panose="02040503050406030204" pitchFamily="18" charset="0"/>
                     <a:ea typeface="Cambria Math" panose="02040503050406030204" pitchFamily="18" charset="0"/>
                   </a:rPr>
@@ -14958,7 +14773,7 @@
           <a:lstStyle/>
           <a:p>
             <a:r>
-              <a:rPr lang="en-US" sz="3200" b="0" cap="none" spc="0" dirty="0" smtClean="0">
+              <a:rPr lang="en-US" sz="3200" b="0" cap="none" spc="0" dirty="0">
                 <a:ln w="0"/>
                 <a:solidFill>
                   <a:schemeClr val="tx1"/>
@@ -14969,7 +14784,7 @@
               <a:t>M is </a:t>
             </a:r>
             <a:r>
-              <a:rPr lang="en-US" sz="3200" b="0" cap="none" spc="0" dirty="0" smtClean="0">
+              <a:rPr lang="en-US" sz="3200" b="0" cap="none" spc="0" dirty="0">
                 <a:ln w="0"/>
                 <a:solidFill>
                   <a:srgbClr val="FF0000"/>
@@ -14980,7 +14795,7 @@
               <a:t>convex</a:t>
             </a:r>
             <a:r>
-              <a:rPr lang="en-US" sz="3200" b="0" cap="none" spc="0" dirty="0" smtClean="0">
+              <a:rPr lang="en-US" sz="3200" b="0" cap="none" spc="0" dirty="0">
                 <a:ln w="0"/>
                 <a:solidFill>
                   <a:schemeClr val="tx1"/>
@@ -15022,7 +14837,7 @@
                   </a:lnSpc>
                 </a:pPr>
                 <a:r>
-                  <a:rPr lang="en-US" sz="3200" dirty="0" smtClean="0">
+                  <a:rPr lang="en-US" sz="3200" dirty="0">
                     <a:ln w="0"/>
                     <a:effectLst/>
                     <a:latin typeface="Cambria Math" panose="02040503050406030204" pitchFamily="18" charset="0"/>
@@ -15030,12 +14845,6 @@
                   </a:rPr>
                   <a:t>Planes are convex sets. </a:t>
                 </a:r>
-                <a:endParaRPr lang="en-US" sz="3200" dirty="0">
-                  <a:ln w="0"/>
-                  <a:effectLst/>
-                  <a:latin typeface="Cambria Math" panose="02040503050406030204" pitchFamily="18" charset="0"/>
-                  <a:ea typeface="Cambria Math" panose="02040503050406030204" pitchFamily="18" charset="0"/>
-                </a:endParaRPr>
               </a:p>
               <a:p>
                 <a:pPr>
@@ -15146,12 +14955,6 @@
                   </a:rPr>
                   <a:t> are convex, </a:t>
                 </a:r>
-                <a:endParaRPr lang="en-US" sz="3200" dirty="0" smtClean="0">
-                  <a:ln w="0"/>
-                  <a:effectLst/>
-                  <a:latin typeface="Cambria Math" panose="02040503050406030204" pitchFamily="18" charset="0"/>
-                  <a:ea typeface="Cambria Math" panose="02040503050406030204" pitchFamily="18" charset="0"/>
-                </a:endParaRPr>
               </a:p>
               <a:p>
                 <a:pPr>
@@ -15160,7 +14963,7 @@
                   </a:lnSpc>
                 </a:pPr>
                 <a:r>
-                  <a:rPr lang="en-US" sz="3200" dirty="0" smtClean="0">
+                  <a:rPr lang="en-US" sz="3200" dirty="0">
                     <a:ln w="0"/>
                     <a:effectLst/>
                     <a:latin typeface="Cambria Math" panose="02040503050406030204" pitchFamily="18" charset="0"/>
@@ -15256,16 +15059,7 @@
                     <a:latin typeface="Cambria Math" panose="02040503050406030204" pitchFamily="18" charset="0"/>
                     <a:ea typeface="Cambria Math" panose="02040503050406030204" pitchFamily="18" charset="0"/>
                   </a:rPr>
-                  <a:t> </a:t>
-                </a:r>
-                <a:r>
-                  <a:rPr lang="en-US" sz="3200" dirty="0" smtClean="0">
-                    <a:ln w="0"/>
-                    <a:effectLst/>
-                    <a:latin typeface="Cambria Math" panose="02040503050406030204" pitchFamily="18" charset="0"/>
-                    <a:ea typeface="Cambria Math" panose="02040503050406030204" pitchFamily="18" charset="0"/>
-                  </a:rPr>
-                  <a:t>is also convex.</a:t>
+                  <a:t> is also convex.</a:t>
                 </a:r>
                 <a:endParaRPr lang="ru-RU" sz="3200" dirty="0">
                   <a:ln w="0"/>
@@ -15671,7 +15465,7 @@
           <a:p>
             <a:pPr algn="ctr"/>
             <a:r>
-              <a:rPr lang="en-US" sz="4000" dirty="0" smtClean="0">
+              <a:rPr lang="en-US" sz="4000" dirty="0">
                 <a:solidFill>
                   <a:srgbClr val="C00000"/>
                 </a:solidFill>
@@ -15711,7 +15505,7 @@
               </a:lnSpc>
             </a:pPr>
             <a:r>
-              <a:rPr lang="en-US" sz="3200" b="0" cap="none" spc="0" dirty="0" smtClean="0">
+              <a:rPr lang="en-US" sz="3200" b="0" cap="none" spc="0" dirty="0">
                 <a:ln w="0"/>
                 <a:solidFill>
                   <a:schemeClr val="tx1"/>
@@ -15722,7 +15516,7 @@
               <a:t>A </a:t>
             </a:r>
             <a:r>
-              <a:rPr lang="en-US" sz="3200" b="0" cap="none" spc="0" dirty="0" smtClean="0">
+              <a:rPr lang="en-US" sz="3200" b="0" cap="none" spc="0" dirty="0">
                 <a:ln w="0"/>
                 <a:solidFill>
                   <a:srgbClr val="FF0000"/>
@@ -15733,7 +15527,7 @@
               <a:t>convex linear combination </a:t>
             </a:r>
             <a:r>
-              <a:rPr lang="en-US" sz="3200" b="0" cap="none" spc="0" dirty="0" smtClean="0">
+              <a:rPr lang="en-US" sz="3200" b="0" cap="none" spc="0" dirty="0">
                 <a:ln w="0"/>
                 <a:solidFill>
                   <a:schemeClr val="tx1"/>
@@ -15751,7 +15545,7 @@
               </a:lnSpc>
             </a:pPr>
             <a:r>
-              <a:rPr lang="en-US" sz="3200" dirty="0" smtClean="0">
+              <a:rPr lang="en-US" sz="3200" dirty="0">
                 <a:ln w="0"/>
                 <a:latin typeface="Cambria Math" panose="02040503050406030204" pitchFamily="18" charset="0"/>
                 <a:ea typeface="Cambria Math" panose="02040503050406030204" pitchFamily="18" charset="0"/>
@@ -15759,7 +15553,7 @@
               <a:t>their </a:t>
             </a:r>
             <a:r>
-              <a:rPr lang="en-US" sz="3200" dirty="0" err="1" smtClean="0">
+              <a:rPr lang="en-US" sz="3200" dirty="0" err="1">
                 <a:ln w="0"/>
                 <a:latin typeface="Cambria Math" panose="02040503050406030204" pitchFamily="18" charset="0"/>
                 <a:ea typeface="Cambria Math" panose="02040503050406030204" pitchFamily="18" charset="0"/>
@@ -15767,7 +15561,7 @@
               <a:t>barycentric</a:t>
             </a:r>
             <a:r>
-              <a:rPr lang="en-US" sz="3200" dirty="0" smtClean="0">
+              <a:rPr lang="en-US" sz="3200" dirty="0">
                 <a:ln w="0"/>
                 <a:latin typeface="Cambria Math" panose="02040503050406030204" pitchFamily="18" charset="0"/>
                 <a:ea typeface="Cambria Math" panose="02040503050406030204" pitchFamily="18" charset="0"/>
@@ -15775,7 +15569,7 @@
               <a:t> combination with non-negative coefficients</a:t>
             </a:r>
             <a:r>
-              <a:rPr lang="en-US" sz="3200" b="0" cap="none" spc="0" dirty="0" smtClean="0">
+              <a:rPr lang="en-US" sz="3200" b="0" cap="none" spc="0" dirty="0">
                 <a:ln w="0"/>
                 <a:solidFill>
                   <a:schemeClr val="tx1"/>
@@ -15826,7 +15620,7 @@
                   </a:lnSpc>
                 </a:pPr>
                 <a:r>
-                  <a:rPr lang="en-US" sz="3200" b="0" cap="none" spc="0" dirty="0" smtClean="0">
+                  <a:rPr lang="en-US" sz="3200" b="0" cap="none" spc="0" dirty="0">
                     <a:ln w="0"/>
                     <a:solidFill>
                       <a:schemeClr val="tx1"/>
@@ -16043,7 +15837,7 @@
                   </m:oMath>
                 </a14:m>
                 <a:r>
-                  <a:rPr lang="en-US" sz="3200" b="0" cap="none" spc="0" dirty="0" smtClean="0">
+                  <a:rPr lang="en-US" sz="3200" b="0" cap="none" spc="0" dirty="0">
                     <a:ln w="0"/>
                     <a:solidFill>
                       <a:schemeClr val="tx1"/>
@@ -16071,7 +15865,7 @@
                   </m:oMath>
                 </a14:m>
                 <a:r>
-                  <a:rPr lang="en-US" sz="3200" b="0" cap="none" spc="0" dirty="0" smtClean="0">
+                  <a:rPr lang="en-US" sz="3200" b="0" cap="none" spc="0" dirty="0">
                     <a:ln w="0"/>
                     <a:solidFill>
                       <a:schemeClr val="tx1"/>
@@ -16099,7 +15893,7 @@
                   </m:oMath>
                 </a14:m>
                 <a:r>
-                  <a:rPr lang="en-US" sz="3200" b="0" cap="none" spc="0" dirty="0" smtClean="0">
+                  <a:rPr lang="en-US" sz="3200" b="0" cap="none" spc="0" dirty="0">
                     <a:ln w="0"/>
                     <a:solidFill>
                       <a:schemeClr val="tx1"/>
@@ -16274,7 +16068,7 @@
                   </m:oMath>
                 </a14:m>
                 <a:r>
-                  <a:rPr lang="en-US" sz="3200" b="0" cap="none" spc="0" dirty="0" smtClean="0">
+                  <a:rPr lang="en-US" sz="3200" b="0" cap="none" spc="0" dirty="0">
                     <a:ln w="0"/>
                     <a:solidFill>
                       <a:schemeClr val="tx1"/>
@@ -16367,7 +16161,7 @@
                   </a:lnSpc>
                 </a:pPr>
                 <a:r>
-                  <a:rPr lang="en-US" sz="3200" b="0" cap="none" spc="0" dirty="0" smtClean="0">
+                  <a:rPr lang="en-US" sz="3200" b="0" cap="none" spc="0" dirty="0">
                     <a:ln w="0"/>
                     <a:solidFill>
                       <a:schemeClr val="tx1"/>
@@ -16431,7 +16225,7 @@
                   </m:oMath>
                 </a14:m>
                 <a:r>
-                  <a:rPr lang="en-US" sz="3200" b="0" cap="none" spc="0" dirty="0" smtClean="0">
+                  <a:rPr lang="en-US" sz="3200" b="0" cap="none" spc="0" dirty="0">
                     <a:ln w="0"/>
                     <a:solidFill>
                       <a:schemeClr val="tx1"/>
@@ -16498,7 +16292,7 @@
                   </m:oMath>
                 </a14:m>
                 <a:r>
-                  <a:rPr lang="en-US" sz="3200" b="0" cap="none" spc="0" dirty="0" smtClean="0">
+                  <a:rPr lang="en-US" sz="3200" b="0" cap="none" spc="0" dirty="0">
                     <a:ln w="0"/>
                     <a:solidFill>
                       <a:schemeClr val="accent5"/>
@@ -16510,7 +16304,7 @@
                   <a:t> </a:t>
                 </a:r>
                 <a:r>
-                  <a:rPr lang="en-US" sz="3200" b="0" cap="none" spc="0" dirty="0" smtClean="0">
+                  <a:rPr lang="en-US" sz="3200" b="0" cap="none" spc="0" dirty="0">
                     <a:ln w="0"/>
                     <a:solidFill>
                       <a:schemeClr val="tx1"/>
@@ -16538,7 +16332,7 @@
                   </m:oMath>
                 </a14:m>
                 <a:r>
-                  <a:rPr lang="en-US" sz="3200" b="0" cap="none" spc="0" dirty="0" smtClean="0">
+                  <a:rPr lang="en-US" sz="3200" b="0" cap="none" spc="0" dirty="0">
                     <a:ln w="0"/>
                     <a:solidFill>
                       <a:schemeClr val="tx1"/>
@@ -16550,7 +16344,7 @@
                   <a:t> is also convex. It is a </a:t>
                 </a:r>
                 <a:r>
-                  <a:rPr lang="en-US" sz="3200" b="0" cap="none" spc="0" dirty="0" smtClean="0">
+                  <a:rPr lang="en-US" sz="3200" b="0" cap="none" spc="0" dirty="0">
                     <a:ln w="0"/>
                     <a:solidFill>
                       <a:srgbClr val="FF0000"/>
@@ -16562,7 +16356,7 @@
                   <a:t>convex hull</a:t>
                 </a:r>
                 <a:r>
-                  <a:rPr lang="en-US" sz="3200" b="0" cap="none" spc="0" dirty="0" smtClean="0">
+                  <a:rPr lang="en-US" sz="3200" b="0" cap="none" spc="0" dirty="0">
                     <a:ln w="0"/>
                     <a:solidFill>
                       <a:schemeClr val="tx1"/>
@@ -16602,7 +16396,7 @@
                   </m:oMath>
                 </a14:m>
                 <a:r>
-                  <a:rPr lang="en-US" sz="3200" b="0" cap="none" spc="0" dirty="0" smtClean="0">
+                  <a:rPr lang="en-US" sz="3200" b="0" cap="none" spc="0" dirty="0">
                     <a:ln w="0"/>
                     <a:solidFill>
                       <a:schemeClr val="tx1"/>
@@ -16913,7 +16707,7 @@
           <a:p>
             <a:pPr algn="ctr"/>
             <a:r>
-              <a:rPr lang="en-US" sz="4000" dirty="0" smtClean="0">
+              <a:rPr lang="en-US" sz="4000" dirty="0">
                 <a:solidFill>
                   <a:srgbClr val="C00000"/>
                 </a:solidFill>
@@ -16955,7 +16749,7 @@
                   </a:lnSpc>
                 </a:pPr>
                 <a:r>
-                  <a:rPr lang="en-US" sz="3200" b="0" cap="none" spc="0" dirty="0" smtClean="0">
+                  <a:rPr lang="en-US" sz="3200" b="0" cap="none" spc="0" dirty="0">
                     <a:ln w="0"/>
                     <a:solidFill>
                       <a:schemeClr val="tx1"/>
@@ -16967,7 +16761,7 @@
                   <a:t>A </a:t>
                 </a:r>
                 <a:r>
-                  <a:rPr lang="en-US" sz="3200" b="0" cap="none" spc="0" dirty="0" smtClean="0">
+                  <a:rPr lang="en-US" sz="3200" b="0" cap="none" spc="0" dirty="0">
                     <a:ln w="0"/>
                     <a:effectLst/>
                     <a:latin typeface="Cambria Math" panose="02040503050406030204" pitchFamily="18" charset="0"/>
@@ -16976,7 +16770,7 @@
                   <a:t>convex hull of </a:t>
                 </a:r>
                 <a:r>
-                  <a:rPr lang="en-US" sz="3200" b="0" cap="none" spc="0" dirty="0" smtClean="0">
+                  <a:rPr lang="en-US" sz="3200" b="0" cap="none" spc="0" dirty="0">
                     <a:ln w="0"/>
                     <a:solidFill>
                       <a:schemeClr val="tx1"/>
@@ -16988,7 +16782,7 @@
                   <a:t>a set of </a:t>
                 </a:r>
                 <a:r>
-                  <a:rPr lang="en-US" sz="3200" b="0" cap="none" spc="0" dirty="0" err="1" smtClean="0">
+                  <a:rPr lang="en-US" sz="3200" b="0" cap="none" spc="0" dirty="0" err="1">
                     <a:ln w="0"/>
                     <a:solidFill>
                       <a:schemeClr val="tx1"/>
@@ -17000,7 +16794,7 @@
                   <a:t>affinely</a:t>
                 </a:r>
                 <a:r>
-                  <a:rPr lang="en-US" sz="3200" dirty="0" smtClean="0">
+                  <a:rPr lang="en-US" sz="3200" dirty="0">
                     <a:ln w="0"/>
                     <a:effectLst/>
                     <a:latin typeface="Cambria Math" panose="02040503050406030204" pitchFamily="18" charset="0"/>
@@ -17009,7 +16803,7 @@
                   <a:t> </a:t>
                 </a:r>
                 <a:r>
-                  <a:rPr lang="en-US" sz="3200" b="0" cap="none" spc="0" dirty="0" smtClean="0">
+                  <a:rPr lang="en-US" sz="3200" b="0" cap="none" spc="0" dirty="0">
                     <a:ln w="0"/>
                     <a:solidFill>
                       <a:schemeClr val="tx1"/>
@@ -17205,7 +16999,7 @@
                   </m:oMath>
                 </a14:m>
                 <a:r>
-                  <a:rPr lang="en-US" sz="3200" dirty="0" smtClean="0">
+                  <a:rPr lang="en-US" sz="3200" dirty="0">
                     <a:ln w="0"/>
                     <a:solidFill>
                       <a:srgbClr val="0070C0"/>
@@ -17217,7 +17011,7 @@
                   <a:t> </a:t>
                 </a:r>
                 <a:r>
-                  <a:rPr lang="en-US" sz="3200" b="0" cap="none" spc="0" dirty="0" smtClean="0">
+                  <a:rPr lang="en-US" sz="3200" b="0" cap="none" spc="0" dirty="0">
                     <a:ln w="0"/>
                     <a:solidFill>
                       <a:schemeClr val="tx1"/>
@@ -17229,7 +17023,7 @@
                   <a:t>is </a:t>
                 </a:r>
                 <a:r>
-                  <a:rPr lang="en-US" sz="3200" dirty="0" smtClean="0">
+                  <a:rPr lang="en-US" sz="3200" dirty="0">
                     <a:ln w="0"/>
                     <a:effectLst/>
                     <a:latin typeface="Cambria Math" panose="02040503050406030204" pitchFamily="18" charset="0"/>
@@ -17251,7 +17045,7 @@
                   </m:oMath>
                 </a14:m>
                 <a:r>
-                  <a:rPr lang="en-US" sz="3200" b="0" cap="none" spc="0" dirty="0" smtClean="0">
+                  <a:rPr lang="en-US" sz="3200" b="0" cap="none" spc="0" dirty="0">
                     <a:ln w="0"/>
                     <a:solidFill>
                       <a:schemeClr val="tx1"/>
@@ -17263,7 +17057,7 @@
                   <a:t>-dim </a:t>
                 </a:r>
                 <a:r>
-                  <a:rPr lang="en-US" sz="3200" b="0" cap="none" spc="0" dirty="0" smtClean="0">
+                  <a:rPr lang="en-US" sz="3200" b="0" cap="none" spc="0" dirty="0">
                     <a:ln w="0"/>
                     <a:solidFill>
                       <a:srgbClr val="FF0000"/>
@@ -17275,7 +17069,7 @@
                   <a:t>simplex</a:t>
                 </a:r>
                 <a:r>
-                  <a:rPr lang="en-US" sz="3200" b="0" cap="none" spc="0" dirty="0" smtClean="0">
+                  <a:rPr lang="en-US" sz="3200" b="0" cap="none" spc="0" dirty="0">
                     <a:ln w="0"/>
                     <a:solidFill>
                       <a:schemeClr val="tx1"/>
@@ -17303,7 +17097,7 @@
                   </m:oMath>
                 </a14:m>
                 <a:r>
-                  <a:rPr lang="en-US" sz="3200" b="0" cap="none" spc="0" dirty="0" smtClean="0">
+                  <a:rPr lang="en-US" sz="3200" b="0" cap="none" spc="0" dirty="0">
                     <a:ln w="0"/>
                     <a:solidFill>
                       <a:srgbClr val="FF0000"/>
@@ -17315,7 +17109,7 @@
                   <a:t>-simplex</a:t>
                 </a:r>
                 <a:r>
-                  <a:rPr lang="en-US" sz="3200" b="0" cap="none" spc="0" dirty="0" smtClean="0">
+                  <a:rPr lang="en-US" sz="3200" b="0" cap="none" spc="0" dirty="0">
                     <a:ln w="0"/>
                     <a:solidFill>
                       <a:schemeClr val="tx1"/>
@@ -17397,7 +17191,7 @@
               </a:lnSpc>
             </a:pPr>
             <a:r>
-              <a:rPr lang="en-US" sz="3200" b="0" cap="none" spc="0" dirty="0" smtClean="0">
+              <a:rPr lang="en-US" sz="3200" b="0" cap="none" spc="0" dirty="0">
                 <a:ln w="0"/>
                 <a:solidFill>
                   <a:schemeClr val="tx1"/>
@@ -17507,633 +17301,675 @@
           </a:fontRef>
         </p:style>
       </p:cxnSp>
-      <p:cxnSp>
-        <p:nvCxnSpPr>
-          <p:cNvPr id="5" name="Прямая соединительная линия 4"/>
-          <p:cNvCxnSpPr/>
+      <p:grpSp>
+        <p:nvGrpSpPr>
+          <p:cNvPr id="8" name="Группа 7">
+            <a:extLst>
+              <a:ext uri="{FF2B5EF4-FFF2-40B4-BE49-F238E27FC236}">
+                <a16:creationId xmlns:a16="http://schemas.microsoft.com/office/drawing/2014/main" id="{89FCF6A0-2137-487C-AF62-5D194FCC89C4}"/>
+              </a:ext>
+            </a:extLst>
+          </p:cNvPr>
+          <p:cNvGrpSpPr/>
           <p:nvPr/>
-        </p:nvCxnSpPr>
-        <p:spPr>
+        </p:nvGrpSpPr>
+        <p:grpSpPr>
           <a:xfrm>
-            <a:off x="5884698" y="5532179"/>
-            <a:ext cx="1191840" cy="0"/>
+            <a:off x="4258493" y="4107637"/>
+            <a:ext cx="7530807" cy="2312381"/>
+            <a:chOff x="4258493" y="4107637"/>
+            <a:chExt cx="7530807" cy="2312381"/>
           </a:xfrm>
-          <a:prstGeom prst="line">
-            <a:avLst/>
-          </a:prstGeom>
-          <a:ln w="28575">
+        </p:grpSpPr>
+        <p:sp>
+          <p:nvSpPr>
+            <p:cNvPr id="7" name="Равнобедренный треугольник 6"/>
+            <p:cNvSpPr/>
+            <p:nvPr/>
+          </p:nvSpPr>
+          <p:spPr>
+            <a:xfrm>
+              <a:off x="7855935" y="4107637"/>
+              <a:ext cx="1555761" cy="1420427"/>
+            </a:xfrm>
+            <a:prstGeom prst="triangle">
+              <a:avLst/>
+            </a:prstGeom>
             <a:solidFill>
-              <a:srgbClr val="41719C"/>
+              <a:schemeClr val="accent1">
+                <a:lumMod val="40000"/>
+                <a:lumOff val="60000"/>
+              </a:schemeClr>
             </a:solidFill>
-            <a:headEnd type="oval"/>
-            <a:tailEnd type="oval"/>
-          </a:ln>
-        </p:spPr>
-        <p:style>
-          <a:lnRef idx="1">
-            <a:schemeClr val="accent1"/>
-          </a:lnRef>
-          <a:fillRef idx="0">
-            <a:schemeClr val="accent1"/>
-          </a:fillRef>
-          <a:effectRef idx="0">
-            <a:schemeClr val="accent1"/>
-          </a:effectRef>
-          <a:fontRef idx="minor">
-            <a:schemeClr val="tx1"/>
-          </a:fontRef>
-        </p:style>
-      </p:cxnSp>
-      <p:sp>
-        <p:nvSpPr>
-          <p:cNvPr id="7" name="Равнобедренный треугольник 6"/>
-          <p:cNvSpPr/>
-          <p:nvPr/>
-        </p:nvSpPr>
-        <p:spPr>
-          <a:xfrm>
-            <a:off x="7855935" y="4107637"/>
-            <a:ext cx="1555761" cy="1420427"/>
-          </a:xfrm>
-          <a:prstGeom prst="triangle">
-            <a:avLst/>
-          </a:prstGeom>
-          <a:solidFill>
-            <a:schemeClr val="accent1">
-              <a:lumMod val="40000"/>
-              <a:lumOff val="60000"/>
-            </a:schemeClr>
-          </a:solidFill>
-          <a:ln w="25400">
+            <a:ln w="25400">
+              <a:solidFill>
+                <a:srgbClr val="41719C"/>
+              </a:solidFill>
+            </a:ln>
+          </p:spPr>
+          <p:style>
+            <a:lnRef idx="2">
+              <a:schemeClr val="accent1">
+                <a:shade val="50000"/>
+              </a:schemeClr>
+            </a:lnRef>
+            <a:fillRef idx="1">
+              <a:schemeClr val="accent1"/>
+            </a:fillRef>
+            <a:effectRef idx="0">
+              <a:schemeClr val="accent1"/>
+            </a:effectRef>
+            <a:fontRef idx="minor">
+              <a:schemeClr val="lt1"/>
+            </a:fontRef>
+          </p:style>
+          <p:txBody>
+            <a:bodyPr rtlCol="0" anchor="ctr"/>
+            <a:lstStyle/>
+            <a:p>
+              <a:pPr algn="ctr"/>
+              <a:endParaRPr lang="ru-RU"/>
+            </a:p>
+          </p:txBody>
+        </p:sp>
+        <p:sp>
+          <p:nvSpPr>
+            <p:cNvPr id="10" name="Равнобедренный треугольник 9"/>
+            <p:cNvSpPr/>
+            <p:nvPr/>
+          </p:nvSpPr>
+          <p:spPr>
+            <a:xfrm>
+              <a:off x="10189577" y="4107637"/>
+              <a:ext cx="1555761" cy="1420427"/>
+            </a:xfrm>
+            <a:prstGeom prst="triangle">
+              <a:avLst/>
+            </a:prstGeom>
             <a:solidFill>
-              <a:srgbClr val="41719C"/>
+              <a:schemeClr val="accent1">
+                <a:lumMod val="40000"/>
+                <a:lumOff val="60000"/>
+              </a:schemeClr>
             </a:solidFill>
-          </a:ln>
-        </p:spPr>
-        <p:style>
-          <a:lnRef idx="2">
-            <a:schemeClr val="accent1">
-              <a:shade val="50000"/>
-            </a:schemeClr>
-          </a:lnRef>
-          <a:fillRef idx="1">
-            <a:schemeClr val="accent1"/>
-          </a:fillRef>
-          <a:effectRef idx="0">
-            <a:schemeClr val="accent1"/>
-          </a:effectRef>
-          <a:fontRef idx="minor">
-            <a:schemeClr val="lt1"/>
-          </a:fontRef>
-        </p:style>
-        <p:txBody>
-          <a:bodyPr rtlCol="0" anchor="ctr"/>
-          <a:lstStyle/>
-          <a:p>
-            <a:pPr algn="ctr"/>
-            <a:endParaRPr lang="ru-RU"/>
-          </a:p>
-        </p:txBody>
-      </p:sp>
-      <p:sp>
-        <p:nvSpPr>
-          <p:cNvPr id="10" name="Равнобедренный треугольник 9"/>
-          <p:cNvSpPr/>
-          <p:nvPr/>
-        </p:nvSpPr>
-        <p:spPr>
-          <a:xfrm>
-            <a:off x="10189577" y="4107637"/>
-            <a:ext cx="1555761" cy="1420427"/>
-          </a:xfrm>
-          <a:prstGeom prst="triangle">
-            <a:avLst/>
-          </a:prstGeom>
-          <a:solidFill>
-            <a:schemeClr val="accent1">
-              <a:lumMod val="40000"/>
-              <a:lumOff val="60000"/>
-            </a:schemeClr>
-          </a:solidFill>
-          <a:ln w="25400">
-            <a:solidFill>
-              <a:srgbClr val="41719C"/>
-            </a:solidFill>
-          </a:ln>
-        </p:spPr>
-        <p:style>
-          <a:lnRef idx="2">
-            <a:schemeClr val="accent1">
-              <a:shade val="50000"/>
-            </a:schemeClr>
-          </a:lnRef>
-          <a:fillRef idx="1">
-            <a:schemeClr val="accent1"/>
-          </a:fillRef>
-          <a:effectRef idx="0">
-            <a:schemeClr val="accent1"/>
-          </a:effectRef>
-          <a:fontRef idx="minor">
-            <a:schemeClr val="lt1"/>
-          </a:fontRef>
-        </p:style>
-        <p:txBody>
-          <a:bodyPr rtlCol="0" anchor="ctr"/>
-          <a:lstStyle/>
-          <a:p>
-            <a:pPr algn="ctr"/>
-            <a:endParaRPr lang="ru-RU"/>
-          </a:p>
-        </p:txBody>
-      </p:sp>
-      <p:sp>
-        <p:nvSpPr>
-          <p:cNvPr id="31" name="Овал 30"/>
-          <p:cNvSpPr/>
-          <p:nvPr/>
-        </p:nvSpPr>
-        <p:spPr>
-          <a:xfrm>
-            <a:off x="4813026" y="5501433"/>
-            <a:ext cx="65597" cy="64008"/>
-          </a:xfrm>
-          <a:prstGeom prst="ellipse">
-            <a:avLst/>
-          </a:prstGeom>
-          <a:solidFill>
-            <a:schemeClr val="tx1"/>
-          </a:solidFill>
-          <a:ln w="19050">
-            <a:solidFill>
-              <a:srgbClr val="41719C"/>
-            </a:solidFill>
-          </a:ln>
-        </p:spPr>
-        <p:style>
-          <a:lnRef idx="2">
-            <a:schemeClr val="accent1">
-              <a:shade val="50000"/>
-            </a:schemeClr>
-          </a:lnRef>
-          <a:fillRef idx="1">
-            <a:schemeClr val="accent1"/>
-          </a:fillRef>
-          <a:effectRef idx="0">
-            <a:schemeClr val="accent1"/>
-          </a:effectRef>
-          <a:fontRef idx="minor">
-            <a:schemeClr val="lt1"/>
-          </a:fontRef>
-        </p:style>
-        <p:txBody>
-          <a:bodyPr rtlCol="0" anchor="ctr"/>
-          <a:lstStyle/>
-          <a:p>
-            <a:pPr algn="ctr"/>
-            <a:endParaRPr lang="ru-RU"/>
-          </a:p>
-        </p:txBody>
-      </p:sp>
-      <mc:AlternateContent xmlns:mc="http://schemas.openxmlformats.org/markup-compatibility/2006">
-        <mc:Choice xmlns:a14="http://schemas.microsoft.com/office/drawing/2010/main" Requires="a14">
+            <a:ln w="25400">
+              <a:solidFill>
+                <a:srgbClr val="41719C"/>
+              </a:solidFill>
+            </a:ln>
+          </p:spPr>
+          <p:style>
+            <a:lnRef idx="2">
+              <a:schemeClr val="accent1">
+                <a:shade val="50000"/>
+              </a:schemeClr>
+            </a:lnRef>
+            <a:fillRef idx="1">
+              <a:schemeClr val="accent1"/>
+            </a:fillRef>
+            <a:effectRef idx="0">
+              <a:schemeClr val="accent1"/>
+            </a:effectRef>
+            <a:fontRef idx="minor">
+              <a:schemeClr val="lt1"/>
+            </a:fontRef>
+          </p:style>
+          <p:txBody>
+            <a:bodyPr rtlCol="0" anchor="ctr"/>
+            <a:lstStyle/>
+            <a:p>
+              <a:pPr algn="ctr"/>
+              <a:endParaRPr lang="ru-RU"/>
+            </a:p>
+          </p:txBody>
+        </p:sp>
+        <p:grpSp>
+          <p:nvGrpSpPr>
+            <p:cNvPr id="6" name="Группа 5">
+              <a:extLst>
+                <a:ext uri="{FF2B5EF4-FFF2-40B4-BE49-F238E27FC236}">
+                  <a16:creationId xmlns:a16="http://schemas.microsoft.com/office/drawing/2014/main" id="{96A10421-CBEF-4469-A49F-E534C61226CF}"/>
+                </a:ext>
+              </a:extLst>
+            </p:cNvPr>
+            <p:cNvGrpSpPr/>
+            <p:nvPr/>
+          </p:nvGrpSpPr>
+          <p:grpSpPr>
+            <a:xfrm>
+              <a:off x="4258493" y="4576188"/>
+              <a:ext cx="7530807" cy="1843830"/>
+              <a:chOff x="4258493" y="4576188"/>
+              <a:chExt cx="7530807" cy="1843830"/>
+            </a:xfrm>
+          </p:grpSpPr>
+          <p:cxnSp>
+            <p:nvCxnSpPr>
+              <p:cNvPr id="5" name="Прямая соединительная линия 4"/>
+              <p:cNvCxnSpPr/>
+              <p:nvPr/>
+            </p:nvCxnSpPr>
+            <p:spPr>
+              <a:xfrm>
+                <a:off x="5884698" y="5532179"/>
+                <a:ext cx="1191840" cy="0"/>
+              </a:xfrm>
+              <a:prstGeom prst="line">
+                <a:avLst/>
+              </a:prstGeom>
+              <a:ln w="28575">
+                <a:solidFill>
+                  <a:srgbClr val="41719C"/>
+                </a:solidFill>
+                <a:headEnd type="oval"/>
+                <a:tailEnd type="oval"/>
+              </a:ln>
+            </p:spPr>
+            <p:style>
+              <a:lnRef idx="1">
+                <a:schemeClr val="accent1"/>
+              </a:lnRef>
+              <a:fillRef idx="0">
+                <a:schemeClr val="accent1"/>
+              </a:fillRef>
+              <a:effectRef idx="0">
+                <a:schemeClr val="accent1"/>
+              </a:effectRef>
+              <a:fontRef idx="minor">
+                <a:schemeClr val="tx1"/>
+              </a:fontRef>
+            </p:style>
+          </p:cxnSp>
           <p:sp>
             <p:nvSpPr>
-              <p:cNvPr id="33" name="TextBox 32"/>
-              <p:cNvSpPr txBox="1"/>
+              <p:cNvPr id="31" name="Овал 30"/>
+              <p:cNvSpPr/>
               <p:nvPr/>
             </p:nvSpPr>
             <p:spPr>
               <a:xfrm>
-                <a:off x="4258493" y="5816912"/>
-                <a:ext cx="1309238" cy="584775"/>
+                <a:off x="4813026" y="5501433"/>
+                <a:ext cx="65597" cy="64008"/>
               </a:xfrm>
-              <a:prstGeom prst="rect">
+              <a:prstGeom prst="ellipse">
                 <a:avLst/>
               </a:prstGeom>
-              <a:noFill/>
+              <a:solidFill>
+                <a:schemeClr val="tx1"/>
+              </a:solidFill>
+              <a:ln w="19050">
+                <a:solidFill>
+                  <a:srgbClr val="41719C"/>
+                </a:solidFill>
+              </a:ln>
             </p:spPr>
+            <p:style>
+              <a:lnRef idx="2">
+                <a:schemeClr val="accent1">
+                  <a:shade val="50000"/>
+                </a:schemeClr>
+              </a:lnRef>
+              <a:fillRef idx="1">
+                <a:schemeClr val="accent1"/>
+              </a:fillRef>
+              <a:effectRef idx="0">
+                <a:schemeClr val="accent1"/>
+              </a:effectRef>
+              <a:fontRef idx="minor">
+                <a:schemeClr val="lt1"/>
+              </a:fontRef>
+            </p:style>
             <p:txBody>
-              <a:bodyPr wrap="none" rtlCol="0">
-                <a:spAutoFit/>
-              </a:bodyPr>
+              <a:bodyPr rtlCol="0" anchor="ctr"/>
               <a:lstStyle/>
               <a:p>
-                <a:pPr/>
-                <a14:m>
-                  <m:oMathPara xmlns:m="http://schemas.openxmlformats.org/officeDocument/2006/math">
-                    <m:oMathParaPr>
-                      <m:jc m:val="centerGroup"/>
-                    </m:oMathParaPr>
-                    <m:oMath xmlns:m="http://schemas.openxmlformats.org/officeDocument/2006/math">
-                      <m:r>
-                        <a:rPr lang="en-US" sz="3200" b="0" i="1" smtClean="0">
-                          <a:latin typeface="Cambria Math" panose="02040503050406030204" pitchFamily="18" charset="0"/>
-                        </a:rPr>
-                        <m:t>𝑘</m:t>
-                      </m:r>
-                      <m:r>
-                        <a:rPr lang="en-US" sz="3200" b="0" i="1" smtClean="0">
-                          <a:latin typeface="Cambria Math" panose="02040503050406030204" pitchFamily="18" charset="0"/>
-                        </a:rPr>
-                        <m:t>=0</m:t>
-                      </m:r>
-                    </m:oMath>
-                  </m:oMathPara>
-                </a14:m>
-                <a:endParaRPr lang="ru-RU" sz="3200" dirty="0"/>
+                <a:pPr algn="ctr"/>
+                <a:endParaRPr lang="ru-RU"/>
               </a:p>
             </p:txBody>
           </p:sp>
-        </mc:Choice>
-        <mc:Fallback>
-          <p:sp>
-            <p:nvSpPr>
-              <p:cNvPr id="33" name="TextBox 32"/>
-              <p:cNvSpPr txBox="1">
-                <a:spLocks noRot="1" noChangeAspect="1" noMove="1" noResize="1" noEditPoints="1" noAdjustHandles="1" noChangeArrowheads="1" noChangeShapeType="1" noTextEdit="1"/>
-              </p:cNvSpPr>
+          <mc:AlternateContent xmlns:mc="http://schemas.openxmlformats.org/markup-compatibility/2006">
+            <mc:Choice xmlns:a14="http://schemas.microsoft.com/office/drawing/2010/main" Requires="a14">
+              <p:sp>
+                <p:nvSpPr>
+                  <p:cNvPr id="33" name="TextBox 32"/>
+                  <p:cNvSpPr txBox="1"/>
+                  <p:nvPr/>
+                </p:nvSpPr>
+                <p:spPr>
+                  <a:xfrm>
+                    <a:off x="4258493" y="5816912"/>
+                    <a:ext cx="1309238" cy="584775"/>
+                  </a:xfrm>
+                  <a:prstGeom prst="rect">
+                    <a:avLst/>
+                  </a:prstGeom>
+                  <a:noFill/>
+                </p:spPr>
+                <p:txBody>
+                  <a:bodyPr wrap="none" rtlCol="0">
+                    <a:spAutoFit/>
+                  </a:bodyPr>
+                  <a:lstStyle/>
+                  <a:p>
+                    <a:pPr/>
+                    <a14:m>
+                      <m:oMathPara xmlns:m="http://schemas.openxmlformats.org/officeDocument/2006/math">
+                        <m:oMathParaPr>
+                          <m:jc m:val="centerGroup"/>
+                        </m:oMathParaPr>
+                        <m:oMath xmlns:m="http://schemas.openxmlformats.org/officeDocument/2006/math">
+                          <m:r>
+                            <a:rPr lang="en-US" sz="3200" b="0" i="1" smtClean="0">
+                              <a:latin typeface="Cambria Math" panose="02040503050406030204" pitchFamily="18" charset="0"/>
+                            </a:rPr>
+                            <m:t>𝑘</m:t>
+                          </m:r>
+                          <m:r>
+                            <a:rPr lang="en-US" sz="3200" b="0" i="1" smtClean="0">
+                              <a:latin typeface="Cambria Math" panose="02040503050406030204" pitchFamily="18" charset="0"/>
+                            </a:rPr>
+                            <m:t>=0</m:t>
+                          </m:r>
+                        </m:oMath>
+                      </m:oMathPara>
+                    </a14:m>
+                    <a:endParaRPr lang="ru-RU" sz="3200" dirty="0"/>
+                  </a:p>
+                </p:txBody>
+              </p:sp>
+            </mc:Choice>
+            <mc:Fallback>
+              <p:sp>
+                <p:nvSpPr>
+                  <p:cNvPr id="33" name="TextBox 32"/>
+                  <p:cNvSpPr txBox="1">
+                    <a:spLocks noRot="1" noChangeAspect="1" noMove="1" noResize="1" noEditPoints="1" noAdjustHandles="1" noChangeArrowheads="1" noChangeShapeType="1" noTextEdit="1"/>
+                  </p:cNvSpPr>
+                  <p:nvPr/>
+                </p:nvSpPr>
+                <p:spPr>
+                  <a:xfrm>
+                    <a:off x="4258493" y="5816912"/>
+                    <a:ext cx="1309238" cy="584775"/>
+                  </a:xfrm>
+                  <a:prstGeom prst="rect">
+                    <a:avLst/>
+                  </a:prstGeom>
+                  <a:blipFill>
+                    <a:blip r:embed="rId3"/>
+                    <a:stretch>
+                      <a:fillRect/>
+                    </a:stretch>
+                  </a:blipFill>
+                </p:spPr>
+                <p:txBody>
+                  <a:bodyPr/>
+                  <a:lstStyle/>
+                  <a:p>
+                    <a:r>
+                      <a:rPr lang="ru-RU">
+                        <a:noFill/>
+                      </a:rPr>
+                      <a:t> </a:t>
+                    </a:r>
+                  </a:p>
+                </p:txBody>
+              </p:sp>
+            </mc:Fallback>
+          </mc:AlternateContent>
+          <mc:AlternateContent xmlns:mc="http://schemas.openxmlformats.org/markup-compatibility/2006">
+            <mc:Choice xmlns:a14="http://schemas.microsoft.com/office/drawing/2010/main" Requires="a14">
+              <p:sp>
+                <p:nvSpPr>
+                  <p:cNvPr id="34" name="TextBox 33"/>
+                  <p:cNvSpPr txBox="1"/>
+                  <p:nvPr/>
+                </p:nvSpPr>
+                <p:spPr>
+                  <a:xfrm>
+                    <a:off x="5825999" y="5816911"/>
+                    <a:ext cx="1309238" cy="584775"/>
+                  </a:xfrm>
+                  <a:prstGeom prst="rect">
+                    <a:avLst/>
+                  </a:prstGeom>
+                  <a:noFill/>
+                </p:spPr>
+                <p:txBody>
+                  <a:bodyPr wrap="none" rtlCol="0">
+                    <a:spAutoFit/>
+                  </a:bodyPr>
+                  <a:lstStyle/>
+                  <a:p>
+                    <a:pPr/>
+                    <a14:m>
+                      <m:oMathPara xmlns:m="http://schemas.openxmlformats.org/officeDocument/2006/math">
+                        <m:oMathParaPr>
+                          <m:jc m:val="centerGroup"/>
+                        </m:oMathParaPr>
+                        <m:oMath xmlns:m="http://schemas.openxmlformats.org/officeDocument/2006/math">
+                          <m:r>
+                            <a:rPr lang="en-US" sz="3200" b="0" i="1" smtClean="0">
+                              <a:latin typeface="Cambria Math" panose="02040503050406030204" pitchFamily="18" charset="0"/>
+                            </a:rPr>
+                            <m:t>𝑘</m:t>
+                          </m:r>
+                          <m:r>
+                            <a:rPr lang="en-US" sz="3200" b="0" i="1" smtClean="0">
+                              <a:latin typeface="Cambria Math" panose="02040503050406030204" pitchFamily="18" charset="0"/>
+                            </a:rPr>
+                            <m:t>=1</m:t>
+                          </m:r>
+                        </m:oMath>
+                      </m:oMathPara>
+                    </a14:m>
+                    <a:endParaRPr lang="ru-RU" sz="3200" dirty="0"/>
+                  </a:p>
+                </p:txBody>
+              </p:sp>
+            </mc:Choice>
+            <mc:Fallback>
+              <p:sp>
+                <p:nvSpPr>
+                  <p:cNvPr id="34" name="TextBox 33"/>
+                  <p:cNvSpPr txBox="1">
+                    <a:spLocks noRot="1" noChangeAspect="1" noMove="1" noResize="1" noEditPoints="1" noAdjustHandles="1" noChangeArrowheads="1" noChangeShapeType="1" noTextEdit="1"/>
+                  </p:cNvSpPr>
+                  <p:nvPr/>
+                </p:nvSpPr>
+                <p:spPr>
+                  <a:xfrm>
+                    <a:off x="5825999" y="5816911"/>
+                    <a:ext cx="1309238" cy="584775"/>
+                  </a:xfrm>
+                  <a:prstGeom prst="rect">
+                    <a:avLst/>
+                  </a:prstGeom>
+                  <a:blipFill>
+                    <a:blip r:embed="rId4"/>
+                    <a:stretch>
+                      <a:fillRect/>
+                    </a:stretch>
+                  </a:blipFill>
+                </p:spPr>
+                <p:txBody>
+                  <a:bodyPr/>
+                  <a:lstStyle/>
+                  <a:p>
+                    <a:r>
+                      <a:rPr lang="ru-RU">
+                        <a:noFill/>
+                      </a:rPr>
+                      <a:t> </a:t>
+                    </a:r>
+                  </a:p>
+                </p:txBody>
+              </p:sp>
+            </mc:Fallback>
+          </mc:AlternateContent>
+          <mc:AlternateContent xmlns:mc="http://schemas.openxmlformats.org/markup-compatibility/2006">
+            <mc:Choice xmlns:a14="http://schemas.microsoft.com/office/drawing/2010/main" Requires="a14">
+              <p:sp>
+                <p:nvSpPr>
+                  <p:cNvPr id="35" name="TextBox 34"/>
+                  <p:cNvSpPr txBox="1"/>
+                  <p:nvPr/>
+                </p:nvSpPr>
+                <p:spPr>
+                  <a:xfrm>
+                    <a:off x="7979196" y="5816911"/>
+                    <a:ext cx="1309238" cy="584775"/>
+                  </a:xfrm>
+                  <a:prstGeom prst="rect">
+                    <a:avLst/>
+                  </a:prstGeom>
+                  <a:noFill/>
+                </p:spPr>
+                <p:txBody>
+                  <a:bodyPr wrap="none" rtlCol="0">
+                    <a:spAutoFit/>
+                  </a:bodyPr>
+                  <a:lstStyle/>
+                  <a:p>
+                    <a:pPr/>
+                    <a14:m>
+                      <m:oMathPara xmlns:m="http://schemas.openxmlformats.org/officeDocument/2006/math">
+                        <m:oMathParaPr>
+                          <m:jc m:val="centerGroup"/>
+                        </m:oMathParaPr>
+                        <m:oMath xmlns:m="http://schemas.openxmlformats.org/officeDocument/2006/math">
+                          <m:r>
+                            <a:rPr lang="en-US" sz="3200" b="0" i="1" smtClean="0">
+                              <a:latin typeface="Cambria Math" panose="02040503050406030204" pitchFamily="18" charset="0"/>
+                            </a:rPr>
+                            <m:t>𝑘</m:t>
+                          </m:r>
+                          <m:r>
+                            <a:rPr lang="en-US" sz="3200" b="0" i="1" smtClean="0">
+                              <a:latin typeface="Cambria Math" panose="02040503050406030204" pitchFamily="18" charset="0"/>
+                            </a:rPr>
+                            <m:t>=2</m:t>
+                          </m:r>
+                        </m:oMath>
+                      </m:oMathPara>
+                    </a14:m>
+                    <a:endParaRPr lang="ru-RU" sz="3200" dirty="0"/>
+                  </a:p>
+                </p:txBody>
+              </p:sp>
+            </mc:Choice>
+            <mc:Fallback>
+              <p:sp>
+                <p:nvSpPr>
+                  <p:cNvPr id="35" name="TextBox 34"/>
+                  <p:cNvSpPr txBox="1">
+                    <a:spLocks noRot="1" noChangeAspect="1" noMove="1" noResize="1" noEditPoints="1" noAdjustHandles="1" noChangeArrowheads="1" noChangeShapeType="1" noTextEdit="1"/>
+                  </p:cNvSpPr>
+                  <p:nvPr/>
+                </p:nvSpPr>
+                <p:spPr>
+                  <a:xfrm>
+                    <a:off x="7979196" y="5816911"/>
+                    <a:ext cx="1309238" cy="584775"/>
+                  </a:xfrm>
+                  <a:prstGeom prst="rect">
+                    <a:avLst/>
+                  </a:prstGeom>
+                  <a:blipFill>
+                    <a:blip r:embed="rId5"/>
+                    <a:stretch>
+                      <a:fillRect/>
+                    </a:stretch>
+                  </a:blipFill>
+                </p:spPr>
+                <p:txBody>
+                  <a:bodyPr/>
+                  <a:lstStyle/>
+                  <a:p>
+                    <a:r>
+                      <a:rPr lang="ru-RU">
+                        <a:noFill/>
+                      </a:rPr>
+                      <a:t> </a:t>
+                    </a:r>
+                  </a:p>
+                </p:txBody>
+              </p:sp>
+            </mc:Fallback>
+          </mc:AlternateContent>
+          <mc:AlternateContent xmlns:mc="http://schemas.openxmlformats.org/markup-compatibility/2006">
+            <mc:Choice xmlns:a14="http://schemas.microsoft.com/office/drawing/2010/main" Requires="a14">
+              <p:sp>
+                <p:nvSpPr>
+                  <p:cNvPr id="36" name="TextBox 35"/>
+                  <p:cNvSpPr txBox="1"/>
+                  <p:nvPr/>
+                </p:nvSpPr>
+                <p:spPr>
+                  <a:xfrm>
+                    <a:off x="10312838" y="5835243"/>
+                    <a:ext cx="1309238" cy="584775"/>
+                  </a:xfrm>
+                  <a:prstGeom prst="rect">
+                    <a:avLst/>
+                  </a:prstGeom>
+                  <a:noFill/>
+                </p:spPr>
+                <p:txBody>
+                  <a:bodyPr wrap="none" rtlCol="0">
+                    <a:spAutoFit/>
+                  </a:bodyPr>
+                  <a:lstStyle/>
+                  <a:p>
+                    <a:pPr/>
+                    <a14:m>
+                      <m:oMathPara xmlns:m="http://schemas.openxmlformats.org/officeDocument/2006/math">
+                        <m:oMathParaPr>
+                          <m:jc m:val="centerGroup"/>
+                        </m:oMathParaPr>
+                        <m:oMath xmlns:m="http://schemas.openxmlformats.org/officeDocument/2006/math">
+                          <m:r>
+                            <a:rPr lang="en-US" sz="3200" b="0" i="1" smtClean="0">
+                              <a:latin typeface="Cambria Math" panose="02040503050406030204" pitchFamily="18" charset="0"/>
+                            </a:rPr>
+                            <m:t>𝑘</m:t>
+                          </m:r>
+                          <m:r>
+                            <a:rPr lang="en-US" sz="3200" b="0" i="1" smtClean="0">
+                              <a:latin typeface="Cambria Math" panose="02040503050406030204" pitchFamily="18" charset="0"/>
+                            </a:rPr>
+                            <m:t>=3</m:t>
+                          </m:r>
+                        </m:oMath>
+                      </m:oMathPara>
+                    </a14:m>
+                    <a:endParaRPr lang="ru-RU" sz="3200" dirty="0"/>
+                  </a:p>
+                </p:txBody>
+              </p:sp>
+            </mc:Choice>
+            <mc:Fallback>
+              <p:sp>
+                <p:nvSpPr>
+                  <p:cNvPr id="36" name="TextBox 35"/>
+                  <p:cNvSpPr txBox="1">
+                    <a:spLocks noRot="1" noChangeAspect="1" noMove="1" noResize="1" noEditPoints="1" noAdjustHandles="1" noChangeArrowheads="1" noChangeShapeType="1" noTextEdit="1"/>
+                  </p:cNvSpPr>
+                  <p:nvPr/>
+                </p:nvSpPr>
+                <p:spPr>
+                  <a:xfrm>
+                    <a:off x="10312838" y="5835243"/>
+                    <a:ext cx="1309238" cy="584775"/>
+                  </a:xfrm>
+                  <a:prstGeom prst="rect">
+                    <a:avLst/>
+                  </a:prstGeom>
+                  <a:blipFill>
+                    <a:blip r:embed="rId6"/>
+                    <a:stretch>
+                      <a:fillRect/>
+                    </a:stretch>
+                  </a:blipFill>
+                </p:spPr>
+                <p:txBody>
+                  <a:bodyPr/>
+                  <a:lstStyle/>
+                  <a:p>
+                    <a:r>
+                      <a:rPr lang="ru-RU">
+                        <a:noFill/>
+                      </a:rPr>
+                      <a:t> </a:t>
+                    </a:r>
+                  </a:p>
+                </p:txBody>
+              </p:sp>
+            </mc:Fallback>
+          </mc:AlternateContent>
+          <p:cxnSp>
+            <p:nvCxnSpPr>
+              <p:cNvPr id="41" name="Прямая соединительная линия 40"/>
+              <p:cNvCxnSpPr/>
               <p:nvPr/>
-            </p:nvSpPr>
+            </p:nvCxnSpPr>
             <p:spPr>
-              <a:xfrm>
-                <a:off x="4258493" y="5816912"/>
-                <a:ext cx="1309238" cy="584775"/>
+              <a:xfrm flipH="1">
+                <a:off x="11747778" y="4576188"/>
+                <a:ext cx="41522" cy="951876"/>
               </a:xfrm>
-              <a:prstGeom prst="rect">
+              <a:prstGeom prst="line">
                 <a:avLst/>
               </a:prstGeom>
-              <a:blipFill rotWithShape="0">
-                <a:blip r:embed="rId3"/>
-                <a:stretch>
-                  <a:fillRect/>
-                </a:stretch>
-              </a:blipFill>
+              <a:ln w="25400">
+                <a:solidFill>
+                  <a:srgbClr val="41719C"/>
+                </a:solidFill>
+              </a:ln>
             </p:spPr>
-            <p:txBody>
-              <a:bodyPr/>
-              <a:lstStyle/>
-              <a:p>
-                <a:r>
-                  <a:rPr lang="ru-RU">
-                    <a:noFill/>
-                  </a:rPr>
-                  <a:t> </a:t>
-                </a:r>
-              </a:p>
-            </p:txBody>
-          </p:sp>
-        </mc:Fallback>
-      </mc:AlternateContent>
-      <mc:AlternateContent xmlns:mc="http://schemas.openxmlformats.org/markup-compatibility/2006">
-        <mc:Choice xmlns:a14="http://schemas.microsoft.com/office/drawing/2010/main" Requires="a14">
-          <p:sp>
-            <p:nvSpPr>
-              <p:cNvPr id="34" name="TextBox 33"/>
-              <p:cNvSpPr txBox="1"/>
+            <p:style>
+              <a:lnRef idx="1">
+                <a:schemeClr val="accent1"/>
+              </a:lnRef>
+              <a:fillRef idx="0">
+                <a:schemeClr val="accent1"/>
+              </a:fillRef>
+              <a:effectRef idx="0">
+                <a:schemeClr val="accent1"/>
+              </a:effectRef>
+              <a:fontRef idx="minor">
+                <a:schemeClr val="tx1"/>
+              </a:fontRef>
+            </p:style>
+          </p:cxnSp>
+          <p:cxnSp>
+            <p:nvCxnSpPr>
+              <p:cNvPr id="9" name="Прямая соединительная линия 8"/>
+              <p:cNvCxnSpPr>
+                <a:stCxn id="10" idx="2"/>
+                <a:endCxn id="4" idx="0"/>
+              </p:cNvCxnSpPr>
               <p:nvPr/>
-            </p:nvSpPr>
+            </p:nvCxnSpPr>
             <p:spPr>
-              <a:xfrm>
-                <a:off x="5825999" y="5816911"/>
-                <a:ext cx="1309238" cy="584775"/>
+              <a:xfrm flipV="1">
+                <a:off x="10189577" y="4600787"/>
+                <a:ext cx="1592858" cy="927277"/>
               </a:xfrm>
-              <a:prstGeom prst="rect">
+              <a:prstGeom prst="line">
                 <a:avLst/>
               </a:prstGeom>
-              <a:noFill/>
+              <a:solidFill>
+                <a:schemeClr val="accent1">
+                  <a:lumMod val="20000"/>
+                  <a:lumOff val="80000"/>
+                </a:schemeClr>
+              </a:solidFill>
+              <a:ln w="19050">
+                <a:solidFill>
+                  <a:srgbClr val="41719C"/>
+                </a:solidFill>
+                <a:prstDash val="dash"/>
+              </a:ln>
             </p:spPr>
-            <p:txBody>
-              <a:bodyPr wrap="none" rtlCol="0">
-                <a:spAutoFit/>
-              </a:bodyPr>
-              <a:lstStyle/>
-              <a:p>
-                <a:pPr/>
-                <a14:m>
-                  <m:oMathPara xmlns:m="http://schemas.openxmlformats.org/officeDocument/2006/math">
-                    <m:oMathParaPr>
-                      <m:jc m:val="centerGroup"/>
-                    </m:oMathParaPr>
-                    <m:oMath xmlns:m="http://schemas.openxmlformats.org/officeDocument/2006/math">
-                      <m:r>
-                        <a:rPr lang="en-US" sz="3200" b="0" i="1" smtClean="0">
-                          <a:latin typeface="Cambria Math" panose="02040503050406030204" pitchFamily="18" charset="0"/>
-                        </a:rPr>
-                        <m:t>𝑘</m:t>
-                      </m:r>
-                      <m:r>
-                        <a:rPr lang="en-US" sz="3200" b="0" i="1" smtClean="0">
-                          <a:latin typeface="Cambria Math" panose="02040503050406030204" pitchFamily="18" charset="0"/>
-                        </a:rPr>
-                        <m:t>=1</m:t>
-                      </m:r>
-                    </m:oMath>
-                  </m:oMathPara>
-                </a14:m>
-                <a:endParaRPr lang="ru-RU" sz="3200" dirty="0"/>
-              </a:p>
-            </p:txBody>
-          </p:sp>
-        </mc:Choice>
-        <mc:Fallback>
-          <p:sp>
-            <p:nvSpPr>
-              <p:cNvPr id="34" name="TextBox 33"/>
-              <p:cNvSpPr txBox="1">
-                <a:spLocks noRot="1" noChangeAspect="1" noMove="1" noResize="1" noEditPoints="1" noAdjustHandles="1" noChangeArrowheads="1" noChangeShapeType="1" noTextEdit="1"/>
-              </p:cNvSpPr>
-              <p:nvPr/>
-            </p:nvSpPr>
-            <p:spPr>
-              <a:xfrm>
-                <a:off x="5825999" y="5816911"/>
-                <a:ext cx="1309238" cy="584775"/>
-              </a:xfrm>
-              <a:prstGeom prst="rect">
-                <a:avLst/>
-              </a:prstGeom>
-              <a:blipFill rotWithShape="0">
-                <a:blip r:embed="rId4"/>
-                <a:stretch>
-                  <a:fillRect/>
-                </a:stretch>
-              </a:blipFill>
-            </p:spPr>
-            <p:txBody>
-              <a:bodyPr/>
-              <a:lstStyle/>
-              <a:p>
-                <a:r>
-                  <a:rPr lang="ru-RU">
-                    <a:noFill/>
-                  </a:rPr>
-                  <a:t> </a:t>
-                </a:r>
-              </a:p>
-            </p:txBody>
-          </p:sp>
-        </mc:Fallback>
-      </mc:AlternateContent>
-      <mc:AlternateContent xmlns:mc="http://schemas.openxmlformats.org/markup-compatibility/2006">
-        <mc:Choice xmlns:a14="http://schemas.microsoft.com/office/drawing/2010/main" Requires="a14">
-          <p:sp>
-            <p:nvSpPr>
-              <p:cNvPr id="35" name="TextBox 34"/>
-              <p:cNvSpPr txBox="1"/>
-              <p:nvPr/>
-            </p:nvSpPr>
-            <p:spPr>
-              <a:xfrm>
-                <a:off x="7979196" y="5816911"/>
-                <a:ext cx="1309238" cy="584775"/>
-              </a:xfrm>
-              <a:prstGeom prst="rect">
-                <a:avLst/>
-              </a:prstGeom>
-              <a:noFill/>
-            </p:spPr>
-            <p:txBody>
-              <a:bodyPr wrap="none" rtlCol="0">
-                <a:spAutoFit/>
-              </a:bodyPr>
-              <a:lstStyle/>
-              <a:p>
-                <a:pPr/>
-                <a14:m>
-                  <m:oMathPara xmlns:m="http://schemas.openxmlformats.org/officeDocument/2006/math">
-                    <m:oMathParaPr>
-                      <m:jc m:val="centerGroup"/>
-                    </m:oMathParaPr>
-                    <m:oMath xmlns:m="http://schemas.openxmlformats.org/officeDocument/2006/math">
-                      <m:r>
-                        <a:rPr lang="en-US" sz="3200" b="0" i="1" smtClean="0">
-                          <a:latin typeface="Cambria Math" panose="02040503050406030204" pitchFamily="18" charset="0"/>
-                        </a:rPr>
-                        <m:t>𝑘</m:t>
-                      </m:r>
-                      <m:r>
-                        <a:rPr lang="en-US" sz="3200" b="0" i="1" smtClean="0">
-                          <a:latin typeface="Cambria Math" panose="02040503050406030204" pitchFamily="18" charset="0"/>
-                        </a:rPr>
-                        <m:t>=2</m:t>
-                      </m:r>
-                    </m:oMath>
-                  </m:oMathPara>
-                </a14:m>
-                <a:endParaRPr lang="ru-RU" sz="3200" dirty="0"/>
-              </a:p>
-            </p:txBody>
-          </p:sp>
-        </mc:Choice>
-        <mc:Fallback>
-          <p:sp>
-            <p:nvSpPr>
-              <p:cNvPr id="35" name="TextBox 34"/>
-              <p:cNvSpPr txBox="1">
-                <a:spLocks noRot="1" noChangeAspect="1" noMove="1" noResize="1" noEditPoints="1" noAdjustHandles="1" noChangeArrowheads="1" noChangeShapeType="1" noTextEdit="1"/>
-              </p:cNvSpPr>
-              <p:nvPr/>
-            </p:nvSpPr>
-            <p:spPr>
-              <a:xfrm>
-                <a:off x="7979196" y="5816911"/>
-                <a:ext cx="1309238" cy="584775"/>
-              </a:xfrm>
-              <a:prstGeom prst="rect">
-                <a:avLst/>
-              </a:prstGeom>
-              <a:blipFill rotWithShape="0">
-                <a:blip r:embed="rId5"/>
-                <a:stretch>
-                  <a:fillRect/>
-                </a:stretch>
-              </a:blipFill>
-            </p:spPr>
-            <p:txBody>
-              <a:bodyPr/>
-              <a:lstStyle/>
-              <a:p>
-                <a:r>
-                  <a:rPr lang="ru-RU">
-                    <a:noFill/>
-                  </a:rPr>
-                  <a:t> </a:t>
-                </a:r>
-              </a:p>
-            </p:txBody>
-          </p:sp>
-        </mc:Fallback>
-      </mc:AlternateContent>
-      <mc:AlternateContent xmlns:mc="http://schemas.openxmlformats.org/markup-compatibility/2006">
-        <mc:Choice xmlns:a14="http://schemas.microsoft.com/office/drawing/2010/main" Requires="a14">
-          <p:sp>
-            <p:nvSpPr>
-              <p:cNvPr id="36" name="TextBox 35"/>
-              <p:cNvSpPr txBox="1"/>
-              <p:nvPr/>
-            </p:nvSpPr>
-            <p:spPr>
-              <a:xfrm>
-                <a:off x="10312838" y="5835243"/>
-                <a:ext cx="1309238" cy="584775"/>
-              </a:xfrm>
-              <a:prstGeom prst="rect">
-                <a:avLst/>
-              </a:prstGeom>
-              <a:noFill/>
-            </p:spPr>
-            <p:txBody>
-              <a:bodyPr wrap="none" rtlCol="0">
-                <a:spAutoFit/>
-              </a:bodyPr>
-              <a:lstStyle/>
-              <a:p>
-                <a:pPr/>
-                <a14:m>
-                  <m:oMathPara xmlns:m="http://schemas.openxmlformats.org/officeDocument/2006/math">
-                    <m:oMathParaPr>
-                      <m:jc m:val="centerGroup"/>
-                    </m:oMathParaPr>
-                    <m:oMath xmlns:m="http://schemas.openxmlformats.org/officeDocument/2006/math">
-                      <m:r>
-                        <a:rPr lang="en-US" sz="3200" b="0" i="1" smtClean="0">
-                          <a:latin typeface="Cambria Math" panose="02040503050406030204" pitchFamily="18" charset="0"/>
-                        </a:rPr>
-                        <m:t>𝑘</m:t>
-                      </m:r>
-                      <m:r>
-                        <a:rPr lang="en-US" sz="3200" b="0" i="1" smtClean="0">
-                          <a:latin typeface="Cambria Math" panose="02040503050406030204" pitchFamily="18" charset="0"/>
-                        </a:rPr>
-                        <m:t>=3</m:t>
-                      </m:r>
-                    </m:oMath>
-                  </m:oMathPara>
-                </a14:m>
-                <a:endParaRPr lang="ru-RU" sz="3200" dirty="0"/>
-              </a:p>
-            </p:txBody>
-          </p:sp>
-        </mc:Choice>
-        <mc:Fallback>
-          <p:sp>
-            <p:nvSpPr>
-              <p:cNvPr id="36" name="TextBox 35"/>
-              <p:cNvSpPr txBox="1">
-                <a:spLocks noRot="1" noChangeAspect="1" noMove="1" noResize="1" noEditPoints="1" noAdjustHandles="1" noChangeArrowheads="1" noChangeShapeType="1" noTextEdit="1"/>
-              </p:cNvSpPr>
-              <p:nvPr/>
-            </p:nvSpPr>
-            <p:spPr>
-              <a:xfrm>
-                <a:off x="10312838" y="5835243"/>
-                <a:ext cx="1309238" cy="584775"/>
-              </a:xfrm>
-              <a:prstGeom prst="rect">
-                <a:avLst/>
-              </a:prstGeom>
-              <a:blipFill rotWithShape="0">
-                <a:blip r:embed="rId6"/>
-                <a:stretch>
-                  <a:fillRect/>
-                </a:stretch>
-              </a:blipFill>
-            </p:spPr>
-            <p:txBody>
-              <a:bodyPr/>
-              <a:lstStyle/>
-              <a:p>
-                <a:r>
-                  <a:rPr lang="ru-RU">
-                    <a:noFill/>
-                  </a:rPr>
-                  <a:t> </a:t>
-                </a:r>
-              </a:p>
-            </p:txBody>
-          </p:sp>
-        </mc:Fallback>
-      </mc:AlternateContent>
-      <p:cxnSp>
-        <p:nvCxnSpPr>
-          <p:cNvPr id="41" name="Прямая соединительная линия 40"/>
-          <p:cNvCxnSpPr/>
-          <p:nvPr/>
-        </p:nvCxnSpPr>
-        <p:spPr>
-          <a:xfrm flipH="1">
-            <a:off x="11747778" y="4576188"/>
-            <a:ext cx="41522" cy="951876"/>
-          </a:xfrm>
-          <a:prstGeom prst="line">
-            <a:avLst/>
-          </a:prstGeom>
-          <a:ln w="25400">
-            <a:solidFill>
-              <a:srgbClr val="41719C"/>
-            </a:solidFill>
-          </a:ln>
-        </p:spPr>
-        <p:style>
-          <a:lnRef idx="1">
-            <a:schemeClr val="accent1"/>
-          </a:lnRef>
-          <a:fillRef idx="0">
-            <a:schemeClr val="accent1"/>
-          </a:fillRef>
-          <a:effectRef idx="0">
-            <a:schemeClr val="accent1"/>
-          </a:effectRef>
-          <a:fontRef idx="minor">
-            <a:schemeClr val="tx1"/>
-          </a:fontRef>
-        </p:style>
-      </p:cxnSp>
-      <p:cxnSp>
-        <p:nvCxnSpPr>
-          <p:cNvPr id="9" name="Прямая соединительная линия 8"/>
-          <p:cNvCxnSpPr>
-            <a:stCxn id="10" idx="2"/>
-            <a:endCxn id="4" idx="0"/>
-          </p:cNvCxnSpPr>
-          <p:nvPr/>
-        </p:nvCxnSpPr>
-        <p:spPr>
-          <a:xfrm flipV="1">
-            <a:off x="10189577" y="4600787"/>
-            <a:ext cx="1592858" cy="927277"/>
-          </a:xfrm>
-          <a:prstGeom prst="line">
-            <a:avLst/>
-          </a:prstGeom>
-          <a:solidFill>
-            <a:schemeClr val="accent1">
-              <a:lumMod val="20000"/>
-              <a:lumOff val="80000"/>
-            </a:schemeClr>
-          </a:solidFill>
-          <a:ln w="19050">
-            <a:solidFill>
-              <a:srgbClr val="41719C"/>
-            </a:solidFill>
-            <a:prstDash val="dash"/>
-          </a:ln>
-        </p:spPr>
-        <p:style>
-          <a:lnRef idx="1">
-            <a:schemeClr val="dk1"/>
-          </a:lnRef>
-          <a:fillRef idx="0">
-            <a:schemeClr val="dk1"/>
-          </a:fillRef>
-          <a:effectRef idx="0">
-            <a:schemeClr val="dk1"/>
-          </a:effectRef>
-          <a:fontRef idx="minor">
-            <a:schemeClr val="tx1"/>
-          </a:fontRef>
-        </p:style>
-      </p:cxnSp>
+            <p:style>
+              <a:lnRef idx="1">
+                <a:schemeClr val="dk1"/>
+              </a:lnRef>
+              <a:fillRef idx="0">
+                <a:schemeClr val="dk1"/>
+              </a:fillRef>
+              <a:effectRef idx="0">
+                <a:schemeClr val="dk1"/>
+              </a:effectRef>
+              <a:fontRef idx="minor">
+                <a:schemeClr val="tx1"/>
+              </a:fontRef>
+            </p:style>
+          </p:cxnSp>
+        </p:grpSp>
+      </p:grpSp>
     </p:spTree>
     <p:extLst>
       <p:ext uri="{BB962C8B-B14F-4D97-AF65-F5344CB8AC3E}">
@@ -18258,6 +18094,59 @@
                       </p:childTnLst>
                     </p:cTn>
                   </p:par>
+                  <p:par>
+                    <p:cTn id="13" fill="hold">
+                      <p:stCondLst>
+                        <p:cond delay="indefinite"/>
+                      </p:stCondLst>
+                      <p:childTnLst>
+                        <p:par>
+                          <p:cTn id="14" fill="hold">
+                            <p:stCondLst>
+                              <p:cond delay="0"/>
+                            </p:stCondLst>
+                            <p:childTnLst>
+                              <p:par>
+                                <p:cTn id="15" presetID="10" presetClass="entr" presetSubtype="0" fill="hold" nodeType="clickEffect">
+                                  <p:stCondLst>
+                                    <p:cond delay="0"/>
+                                  </p:stCondLst>
+                                  <p:childTnLst>
+                                    <p:set>
+                                      <p:cBhvr>
+                                        <p:cTn id="16" dur="1" fill="hold">
+                                          <p:stCondLst>
+                                            <p:cond delay="0"/>
+                                          </p:stCondLst>
+                                        </p:cTn>
+                                        <p:tgtEl>
+                                          <p:spTgt spid="8"/>
+                                        </p:tgtEl>
+                                        <p:attrNameLst>
+                                          <p:attrName>style.visibility</p:attrName>
+                                        </p:attrNameLst>
+                                      </p:cBhvr>
+                                      <p:to>
+                                        <p:strVal val="visible"/>
+                                      </p:to>
+                                    </p:set>
+                                    <p:animEffect transition="in" filter="fade">
+                                      <p:cBhvr>
+                                        <p:cTn id="17" dur="500"/>
+                                        <p:tgtEl>
+                                          <p:spTgt spid="8"/>
+                                        </p:tgtEl>
+                                      </p:cBhvr>
+                                    </p:animEffect>
+                                  </p:childTnLst>
+                                </p:cTn>
+                              </p:par>
+                            </p:childTnLst>
+                          </p:cTn>
+                        </p:par>
+                      </p:childTnLst>
+                    </p:cTn>
+                  </p:par>
                 </p:childTnLst>
               </p:cTn>
               <p:prevCondLst>
@@ -18328,7 +18217,7 @@
           <a:p>
             <a:pPr algn="ctr"/>
             <a:r>
-              <a:rPr lang="en-US" sz="4000" dirty="0" smtClean="0">
+              <a:rPr lang="en-US" sz="4000" dirty="0">
                 <a:solidFill>
                   <a:srgbClr val="C00000"/>
                 </a:solidFill>
@@ -18370,7 +18259,7 @@
                   </a:lnSpc>
                 </a:pPr>
                 <a:r>
-                  <a:rPr lang="en-US" sz="3200" dirty="0" smtClean="0">
+                  <a:rPr lang="en-US" sz="3200" dirty="0">
                     <a:ln w="0"/>
                     <a:effectLst/>
                     <a:latin typeface="Cambria Math" panose="02040503050406030204" pitchFamily="18" charset="0"/>
@@ -18392,22 +18281,13 @@
                   </m:oMath>
                 </a14:m>
                 <a:r>
-                  <a:rPr lang="en-US" sz="3200" dirty="0" smtClean="0">
-                    <a:ln w="0"/>
-                    <a:effectLst/>
-                    <a:latin typeface="Cambria Math" panose="02040503050406030204" pitchFamily="18" charset="0"/>
-                    <a:ea typeface="Cambria Math" panose="02040503050406030204" pitchFamily="18" charset="0"/>
-                  </a:rPr>
-                  <a:t>-neighborhood </a:t>
-                </a:r>
-                <a:r>
                   <a:rPr lang="en-US" sz="3200" dirty="0">
                     <a:ln w="0"/>
                     <a:effectLst/>
                     <a:latin typeface="Cambria Math" panose="02040503050406030204" pitchFamily="18" charset="0"/>
                     <a:ea typeface="Cambria Math" panose="02040503050406030204" pitchFamily="18" charset="0"/>
                   </a:rPr>
-                  <a:t>of  </a:t>
+                  <a:t>-neighborhood of  </a:t>
                 </a:r>
                 <a14:m>
                   <m:oMath xmlns:m="http://schemas.openxmlformats.org/officeDocument/2006/math">
@@ -18484,16 +18364,7 @@
                     <a:latin typeface="Cambria Math" panose="02040503050406030204" pitchFamily="18" charset="0"/>
                     <a:ea typeface="Cambria Math" panose="02040503050406030204" pitchFamily="18" charset="0"/>
                   </a:rPr>
-                  <a:t>is an open </a:t>
-                </a:r>
-                <a:r>
-                  <a:rPr lang="en-US" sz="3200" dirty="0" smtClean="0">
-                    <a:ln w="0"/>
-                    <a:effectLst/>
-                    <a:latin typeface="Cambria Math" panose="02040503050406030204" pitchFamily="18" charset="0"/>
-                    <a:ea typeface="Cambria Math" panose="02040503050406030204" pitchFamily="18" charset="0"/>
-                  </a:rPr>
-                  <a:t>ball </a:t>
+                  <a:t>is an open ball </a:t>
                 </a:r>
                 <a14:m>
                   <m:oMath xmlns:m="http://schemas.openxmlformats.org/officeDocument/2006/math">
@@ -18749,7 +18620,7 @@
                   </m:oMath>
                 </a14:m>
                 <a:r>
-                  <a:rPr lang="en-US" sz="3200" b="0" cap="none" spc="0" dirty="0" smtClean="0">
+                  <a:rPr lang="en-US" sz="3200" b="0" cap="none" spc="0" dirty="0">
                     <a:ln w="0"/>
                     <a:solidFill>
                       <a:srgbClr val="0070C0"/>
@@ -18760,7 +18631,7 @@
                   </a:rPr>
                   <a:t>.</a:t>
                 </a:r>
-                <a:endParaRPr lang="en-US" sz="3200" b="0" cap="none" spc="0" dirty="0" smtClean="0">
+                <a:endParaRPr lang="en-US" sz="3200" b="0" cap="none" spc="0" dirty="0">
                   <a:ln w="0"/>
                   <a:solidFill>
                     <a:schemeClr val="tx1"/>
@@ -18873,22 +18744,13 @@
                   </m:oMath>
                 </a14:m>
                 <a:r>
-                  <a:rPr lang="en-US" sz="3200" dirty="0" smtClean="0">
-                    <a:ln w="0"/>
-                    <a:effectLst/>
-                    <a:latin typeface="Cambria Math" panose="02040503050406030204" pitchFamily="18" charset="0"/>
-                    <a:ea typeface="Cambria Math" panose="02040503050406030204" pitchFamily="18" charset="0"/>
-                  </a:rPr>
-                  <a:t> </a:t>
-                </a:r>
-                <a:r>
                   <a:rPr lang="en-US" sz="3200" dirty="0">
                     <a:ln w="0"/>
                     <a:effectLst/>
                     <a:latin typeface="Cambria Math" panose="02040503050406030204" pitchFamily="18" charset="0"/>
                     <a:ea typeface="Cambria Math" panose="02040503050406030204" pitchFamily="18" charset="0"/>
                   </a:rPr>
-                  <a:t>is an</a:t>
+                  <a:t> is an</a:t>
                 </a:r>
                 <a:r>
                   <a:rPr lang="en-US" sz="3200" dirty="0">
@@ -18900,19 +18762,7 @@
                     <a:latin typeface="Cambria Math" panose="02040503050406030204" pitchFamily="18" charset="0"/>
                     <a:ea typeface="Cambria Math" panose="02040503050406030204" pitchFamily="18" charset="0"/>
                   </a:rPr>
-                  <a:t> </a:t>
-                </a:r>
-                <a:r>
-                  <a:rPr lang="en-US" sz="3200" dirty="0" smtClean="0">
-                    <a:ln w="0"/>
-                    <a:solidFill>
-                      <a:srgbClr val="FF0000"/>
-                    </a:solidFill>
-                    <a:effectLst/>
-                    <a:latin typeface="Cambria Math" panose="02040503050406030204" pitchFamily="18" charset="0"/>
-                    <a:ea typeface="Cambria Math" panose="02040503050406030204" pitchFamily="18" charset="0"/>
-                  </a:rPr>
-                  <a:t>interior point </a:t>
+                  <a:t> interior point </a:t>
                 </a:r>
                 <a:r>
                   <a:rPr lang="en-US" sz="3200" dirty="0">
@@ -18921,16 +18771,7 @@
                     <a:latin typeface="Cambria Math" panose="02040503050406030204" pitchFamily="18" charset="0"/>
                     <a:ea typeface="Cambria Math" panose="02040503050406030204" pitchFamily="18" charset="0"/>
                   </a:rPr>
-                  <a:t>of </a:t>
-                </a:r>
-                <a:r>
-                  <a:rPr lang="en-US" sz="3200" dirty="0" smtClean="0">
-                    <a:ln w="0"/>
-                    <a:effectLst/>
-                    <a:latin typeface="Cambria Math" panose="02040503050406030204" pitchFamily="18" charset="0"/>
-                    <a:ea typeface="Cambria Math" panose="02040503050406030204" pitchFamily="18" charset="0"/>
-                  </a:rPr>
-                  <a:t>the set </a:t>
+                  <a:t>of the set </a:t>
                 </a:r>
                 <a14:m>
                   <m:oMath xmlns:m="http://schemas.openxmlformats.org/officeDocument/2006/math">
@@ -18945,15 +18786,6 @@
                     </m:r>
                   </m:oMath>
                 </a14:m>
-                <a:r>
-                  <a:rPr lang="en-US" sz="3200" dirty="0" smtClean="0">
-                    <a:ln w="0"/>
-                    <a:effectLst/>
-                    <a:latin typeface="Cambria Math" panose="02040503050406030204" pitchFamily="18" charset="0"/>
-                    <a:ea typeface="Cambria Math" panose="02040503050406030204" pitchFamily="18" charset="0"/>
-                  </a:rPr>
-                  <a:t> </a:t>
-                </a:r>
                 <a:r>
                   <a:rPr lang="en-US" sz="3200" dirty="0">
                     <a:ln w="0"/>
@@ -18961,7 +18793,7 @@
                     <a:latin typeface="Cambria Math" panose="02040503050406030204" pitchFamily="18" charset="0"/>
                     <a:ea typeface="Cambria Math" panose="02040503050406030204" pitchFamily="18" charset="0"/>
                   </a:rPr>
-                  <a:t>if </a:t>
+                  <a:t> if </a:t>
                 </a:r>
                 <a14:m>
                   <m:oMath xmlns:m="http://schemas.openxmlformats.org/officeDocument/2006/math">
@@ -19069,7 +18901,7 @@
                   </m:oMath>
                 </a14:m>
                 <a:r>
-                  <a:rPr lang="en-US" sz="3200" dirty="0" smtClean="0">
+                  <a:rPr lang="en-US" sz="3200" dirty="0">
                     <a:ln w="0"/>
                     <a:effectLst/>
                     <a:latin typeface="Cambria Math" panose="02040503050406030204" pitchFamily="18" charset="0"/>
@@ -19196,7 +19028,7 @@
                   </a:lnSpc>
                 </a:pPr>
                 <a:r>
-                  <a:rPr lang="en-US" sz="3200" i="0" dirty="0" smtClean="0">
+                  <a:rPr lang="en-US" sz="3200" i="0" dirty="0">
                     <a:ln w="0"/>
                     <a:effectLst/>
                     <a:latin typeface="Cambria Math" panose="02040503050406030204" pitchFamily="18" charset="0"/>
@@ -19275,7 +19107,7 @@
                   </m:oMath>
                 </a14:m>
                 <a:r>
-                  <a:rPr lang="en-US" sz="3200" i="0" dirty="0" smtClean="0">
+                  <a:rPr lang="en-US" sz="3200" i="0" dirty="0">
                     <a:ln w="0"/>
                     <a:effectLst/>
                     <a:latin typeface="Cambria Math" panose="02040503050406030204" pitchFamily="18" charset="0"/>
@@ -19349,7 +19181,7 @@
                   </m:oMath>
                 </a14:m>
                 <a:r>
-                  <a:rPr lang="ru-RU" sz="3200" i="0" dirty="0" smtClean="0">
+                  <a:rPr lang="ru-RU" sz="3200" i="0" dirty="0">
                     <a:ln w="0"/>
                     <a:effectLst/>
                     <a:latin typeface="Cambria Math" panose="02040503050406030204" pitchFamily="18" charset="0"/>
@@ -19358,7 +19190,7 @@
                   <a:t> </a:t>
                 </a:r>
                 <a:r>
-                  <a:rPr lang="en-US" sz="3200" i="0" dirty="0" smtClean="0">
+                  <a:rPr lang="en-US" sz="3200" i="0" dirty="0">
                     <a:ln w="0"/>
                     <a:effectLst/>
                     <a:latin typeface="Cambria Math" panose="02040503050406030204" pitchFamily="18" charset="0"/>
@@ -19367,7 +19199,7 @@
                   <a:t>is called the </a:t>
                 </a:r>
                 <a:r>
-                  <a:rPr lang="en-US" sz="3200" i="0" dirty="0" smtClean="0">
+                  <a:rPr lang="en-US" sz="3200" i="0" dirty="0">
                     <a:ln w="0"/>
                     <a:solidFill>
                       <a:srgbClr val="FF0000"/>
@@ -19379,7 +19211,7 @@
                   <a:t>interior</a:t>
                 </a:r>
                 <a:r>
-                  <a:rPr lang="en-US" sz="3200" i="0" dirty="0" smtClean="0">
+                  <a:rPr lang="en-US" sz="3200" i="0" dirty="0">
                     <a:ln w="0"/>
                     <a:effectLst/>
                     <a:latin typeface="Cambria Math" panose="02040503050406030204" pitchFamily="18" charset="0"/>
@@ -19388,7 +19220,7 @@
                   <a:t> of</a:t>
                 </a:r>
                 <a:r>
-                  <a:rPr lang="en-US" sz="3200" dirty="0" smtClean="0">
+                  <a:rPr lang="en-US" sz="3200" dirty="0">
                     <a:ln w="0"/>
                     <a:effectLst/>
                     <a:latin typeface="Cambria Math" panose="02040503050406030204" pitchFamily="18" charset="0"/>
@@ -19413,7 +19245,7 @@
                   </m:oMath>
                 </a14:m>
                 <a:r>
-                  <a:rPr lang="en-US" sz="3200" dirty="0" smtClean="0">
+                  <a:rPr lang="en-US" sz="3200" dirty="0">
                     <a:ln w="0"/>
                     <a:effectLst/>
                     <a:latin typeface="Cambria Math" panose="02040503050406030204" pitchFamily="18" charset="0"/>
@@ -19503,7 +19335,7 @@
                   </a:lnSpc>
                 </a:pPr>
                 <a:r>
-                  <a:rPr lang="en-US" sz="3200" dirty="0" smtClean="0">
+                  <a:rPr lang="en-US" sz="3200" dirty="0">
                     <a:ln w="0"/>
                     <a:effectLst/>
                     <a:latin typeface="Cambria Math" panose="02040503050406030204" pitchFamily="18" charset="0"/>
@@ -19587,14 +19419,30 @@
                   </m:oMath>
                 </a14:m>
                 <a:r>
-                  <a:rPr lang="en-US" sz="3200" dirty="0" smtClean="0">
+                  <a:rPr lang="en-US" sz="3200" dirty="0">
                     <a:ln w="0"/>
                     <a:effectLst/>
                     <a:latin typeface="Cambria Math" panose="02040503050406030204" pitchFamily="18" charset="0"/>
                     <a:ea typeface="Cambria Math" panose="02040503050406030204" pitchFamily="18" charset="0"/>
                   </a:rPr>
-                  <a:t> </a:t>
+                  <a:t> for a convex set </a:t>
                 </a:r>
+                <a14:m>
+                  <m:oMath xmlns:m="http://schemas.openxmlformats.org/officeDocument/2006/math">
+                    <m:r>
+                      <a:rPr lang="en-US" sz="3200" i="1" dirty="0" smtClean="0">
+                        <a:ln w="0"/>
+                        <a:solidFill>
+                          <a:srgbClr val="0070C0"/>
+                        </a:solidFill>
+                        <a:effectLst/>
+                        <a:latin typeface="Cambria Math" panose="02040503050406030204" pitchFamily="18" charset="0"/>
+                        <a:ea typeface="Cambria Math" panose="02040503050406030204" pitchFamily="18" charset="0"/>
+                      </a:rPr>
+                      <m:t>𝑀</m:t>
+                    </m:r>
+                  </m:oMath>
+                </a14:m>
                 <a:r>
                   <a:rPr lang="en-US" sz="3200" dirty="0">
                     <a:ln w="0"/>
@@ -19602,7 +19450,7 @@
                     <a:latin typeface="Cambria Math" panose="02040503050406030204" pitchFamily="18" charset="0"/>
                     <a:ea typeface="Cambria Math" panose="02040503050406030204" pitchFamily="18" charset="0"/>
                   </a:rPr>
-                  <a:t>for a convex set </a:t>
+                  <a:t>, then </a:t>
                 </a:r>
                 <a14:m>
                   <m:oMath xmlns:m="http://schemas.openxmlformats.org/officeDocument/2006/math">
@@ -19620,15 +19468,6 @@
                     </m:r>
                   </m:oMath>
                 </a14:m>
-                <a:r>
-                  <a:rPr lang="en-US" sz="3200" dirty="0" smtClean="0">
-                    <a:ln w="0"/>
-                    <a:effectLst/>
-                    <a:latin typeface="Cambria Math" panose="02040503050406030204" pitchFamily="18" charset="0"/>
-                    <a:ea typeface="Cambria Math" panose="02040503050406030204" pitchFamily="18" charset="0"/>
-                  </a:rPr>
-                  <a:t>, </a:t>
-                </a:r>
                 <a:r>
                   <a:rPr lang="en-US" sz="3200" dirty="0">
                     <a:ln w="0"/>
@@ -19636,44 +19475,10 @@
                     <a:latin typeface="Cambria Math" panose="02040503050406030204" pitchFamily="18" charset="0"/>
                     <a:ea typeface="Cambria Math" panose="02040503050406030204" pitchFamily="18" charset="0"/>
                   </a:rPr>
-                  <a:t>then </a:t>
-                </a:r>
-                <a14:m>
-                  <m:oMath xmlns:m="http://schemas.openxmlformats.org/officeDocument/2006/math">
-                    <m:r>
-                      <a:rPr lang="en-US" sz="3200" i="1" dirty="0" smtClean="0">
-                        <a:ln w="0"/>
-                        <a:solidFill>
-                          <a:srgbClr val="0070C0"/>
-                        </a:solidFill>
-                        <a:effectLst/>
-                        <a:latin typeface="Cambria Math" panose="02040503050406030204" pitchFamily="18" charset="0"/>
-                        <a:ea typeface="Cambria Math" panose="02040503050406030204" pitchFamily="18" charset="0"/>
-                      </a:rPr>
-                      <m:t>𝑀</m:t>
-                    </m:r>
-                  </m:oMath>
-                </a14:m>
-                <a:r>
-                  <a:rPr lang="en-US" sz="3200" dirty="0" smtClean="0">
-                    <a:ln w="0"/>
-                    <a:effectLst/>
-                    <a:latin typeface="Cambria Math" panose="02040503050406030204" pitchFamily="18" charset="0"/>
-                    <a:ea typeface="Cambria Math" panose="02040503050406030204" pitchFamily="18" charset="0"/>
-                  </a:rPr>
-                  <a:t> </a:t>
+                  <a:t> is a </a:t>
                 </a:r>
                 <a:r>
                   <a:rPr lang="en-US" sz="3200" dirty="0">
-                    <a:ln w="0"/>
-                    <a:effectLst/>
-                    <a:latin typeface="Cambria Math" panose="02040503050406030204" pitchFamily="18" charset="0"/>
-                    <a:ea typeface="Cambria Math" panose="02040503050406030204" pitchFamily="18" charset="0"/>
-                  </a:rPr>
-                  <a:t>is a </a:t>
-                </a:r>
-                <a:r>
-                  <a:rPr lang="en-US" sz="3200" dirty="0" smtClean="0">
                     <a:ln w="0"/>
                     <a:solidFill>
                       <a:srgbClr val="FF0000"/>
@@ -20038,7 +19843,7 @@
           <a:p>
             <a:pPr algn="ctr"/>
             <a:r>
-              <a:rPr lang="en-US" sz="4000" dirty="0" smtClean="0">
+              <a:rPr lang="en-US" sz="4000" dirty="0">
                 <a:solidFill>
                   <a:srgbClr val="C00000"/>
                 </a:solidFill>
@@ -20080,7 +19885,7 @@
                   </a:lnSpc>
                 </a:pPr>
                 <a:r>
-                  <a:rPr lang="en-US" sz="3200" dirty="0" smtClean="0">
+                  <a:rPr lang="en-US" sz="3200" dirty="0">
                     <a:ln w="0"/>
                     <a:effectLst/>
                     <a:latin typeface="Cambria Math" panose="02040503050406030204" pitchFamily="18" charset="0"/>
@@ -20088,7 +19893,7 @@
                   </a:rPr>
                   <a:t>Suppose M is convex. Then </a:t>
                 </a:r>
-                <a:endParaRPr lang="en-US" sz="3200" b="0" i="0" dirty="0" smtClean="0">
+                <a:endParaRPr lang="en-US" sz="3200" b="0" i="0" dirty="0">
                   <a:ln w="0"/>
                   <a:solidFill>
                     <a:srgbClr val="0070C0"/>
@@ -20269,7 +20074,7 @@
                   </m:oMath>
                 </a14:m>
                 <a:r>
-                  <a:rPr lang="en-US" sz="3200" b="0" cap="none" spc="0" dirty="0" smtClean="0">
+                  <a:rPr lang="en-US" sz="3200" b="0" cap="none" spc="0" dirty="0">
                     <a:ln w="0"/>
                     <a:solidFill>
                       <a:srgbClr val="0070C0"/>
@@ -20280,7 +20085,7 @@
                   </a:rPr>
                   <a:t>.</a:t>
                 </a:r>
-                <a:endParaRPr lang="en-US" sz="3200" b="0" cap="none" spc="0" dirty="0" smtClean="0">
+                <a:endParaRPr lang="en-US" sz="3200" b="0" cap="none" spc="0" dirty="0">
                   <a:ln w="0"/>
                   <a:solidFill>
                     <a:schemeClr val="tx1"/>
@@ -20362,7 +20167,7 @@
                   </a:lnSpc>
                 </a:pPr>
                 <a:r>
-                  <a:rPr lang="en-US" sz="3200" b="1" dirty="0" smtClean="0">
+                  <a:rPr lang="en-US" sz="3200" b="1" dirty="0">
                     <a:ln w="0"/>
                     <a:latin typeface="Cambria" panose="02040503050406030204" pitchFamily="18" charset="0"/>
                     <a:ea typeface="Cambria" panose="02040503050406030204" pitchFamily="18" charset="0"/>
@@ -20370,7 +20175,7 @@
                   <a:t>Proof: </a:t>
                 </a:r>
                 <a:r>
-                  <a:rPr lang="en-US" sz="3200" dirty="0" smtClean="0">
+                  <a:rPr lang="en-US" sz="3200" dirty="0">
                     <a:ln w="0"/>
                     <a:latin typeface="Cambria Math" panose="02040503050406030204" pitchFamily="18" charset="0"/>
                     <a:ea typeface="Cambria Math" panose="02040503050406030204" pitchFamily="18" charset="0"/>
@@ -20481,7 +20286,7 @@
                   </m:oMath>
                 </a14:m>
                 <a:r>
-                  <a:rPr lang="en-US" sz="3200" dirty="0" smtClean="0">
+                  <a:rPr lang="en-US" sz="3200" dirty="0">
                     <a:ln w="0"/>
                     <a:effectLst/>
                     <a:latin typeface="Cambria Math" panose="02040503050406030204" pitchFamily="18" charset="0"/>
@@ -20518,7 +20323,7 @@
                   </m:oMath>
                 </a14:m>
                 <a:r>
-                  <a:rPr lang="en-US" sz="3200" b="0" cap="none" spc="0" dirty="0" smtClean="0">
+                  <a:rPr lang="en-US" sz="3200" b="0" cap="none" spc="0" dirty="0">
                     <a:ln w="0"/>
                     <a:solidFill>
                       <a:schemeClr val="tx1"/>
@@ -20530,7 +20335,7 @@
                   <a:t> </a:t>
                 </a:r>
                 <a:r>
-                  <a:rPr lang="en-US" sz="3200" b="0" cap="none" spc="0" dirty="0" err="1" smtClean="0">
+                  <a:rPr lang="en-US" sz="3200" b="0" cap="none" spc="0" dirty="0" err="1">
                     <a:ln w="0"/>
                     <a:solidFill>
                       <a:schemeClr val="tx1"/>
@@ -20542,7 +20347,7 @@
                   <a:t>affinely</a:t>
                 </a:r>
                 <a:r>
-                  <a:rPr lang="en-US" sz="3200" b="0" cap="none" spc="0" dirty="0" smtClean="0">
+                  <a:rPr lang="en-US" sz="3200" b="0" cap="none" spc="0" dirty="0">
                     <a:ln w="0"/>
                     <a:solidFill>
                       <a:schemeClr val="tx1"/>
@@ -20628,7 +20433,7 @@
           <a:lstStyle/>
           <a:p>
             <a:r>
-              <a:rPr lang="en-US" sz="3200" i="0" dirty="0" smtClean="0">
+              <a:rPr lang="en-US" sz="3200" i="0" dirty="0">
                 <a:ln w="0"/>
                 <a:effectLst/>
                 <a:latin typeface="Cambria Math" panose="02040503050406030204" pitchFamily="18" charset="0"/>
@@ -20896,7 +20701,7 @@
           <a:p>
             <a:pPr algn="ctr"/>
             <a:r>
-              <a:rPr lang="en-US" sz="4000" dirty="0" smtClean="0">
+              <a:rPr lang="en-US" sz="4000" dirty="0">
                 <a:solidFill>
                   <a:srgbClr val="C00000"/>
                 </a:solidFill>
@@ -20938,7 +20743,7 @@
                   </a:lnSpc>
                 </a:pPr>
                 <a:r>
-                  <a:rPr lang="en-US" sz="3200" dirty="0" smtClean="0">
+                  <a:rPr lang="en-US" sz="3200" dirty="0">
                     <a:ln w="0"/>
                     <a:effectLst/>
                     <a:latin typeface="Cambria Math" panose="02040503050406030204" pitchFamily="18" charset="0"/>
@@ -21079,7 +20884,7 @@
                   </m:oMath>
                 </a14:m>
                 <a:r>
-                  <a:rPr lang="en-US" sz="3200" b="0" cap="none" spc="0" dirty="0" smtClean="0">
+                  <a:rPr lang="en-US" sz="3200" b="0" cap="none" spc="0" dirty="0">
                     <a:ln w="0"/>
                     <a:solidFill>
                       <a:schemeClr val="tx1"/>
@@ -21167,7 +20972,7 @@
                   </m:oMath>
                 </a14:m>
                 <a:r>
-                  <a:rPr lang="en-US" sz="3200" b="0" cap="none" spc="0" dirty="0" smtClean="0">
+                  <a:rPr lang="en-US" sz="3200" b="0" cap="none" spc="0" dirty="0">
                     <a:ln w="0"/>
                     <a:solidFill>
                       <a:srgbClr val="0070C0"/>
@@ -21179,7 +20984,7 @@
                   <a:t>, </a:t>
                 </a:r>
                 <a:r>
-                  <a:rPr lang="en-US" sz="3200" b="0" cap="none" spc="0" dirty="0" smtClean="0">
+                  <a:rPr lang="en-US" sz="3200" b="0" cap="none" spc="0" dirty="0">
                     <a:ln w="0"/>
                     <a:solidFill>
                       <a:schemeClr val="tx1"/>
@@ -21274,7 +21079,7 @@
                     </m:r>
                   </m:oMath>
                 </a14:m>
-                <a:endParaRPr lang="en-US" sz="3200" b="0" cap="none" spc="0" dirty="0" smtClean="0">
+                <a:endParaRPr lang="en-US" sz="3200" b="0" cap="none" spc="0" dirty="0">
                   <a:ln w="0"/>
                   <a:solidFill>
                     <a:schemeClr val="tx1"/>
@@ -21356,7 +21161,7 @@
                   </a:lnSpc>
                 </a:pPr>
                 <a:r>
-                  <a:rPr lang="en-US" sz="3200" b="1" dirty="0" smtClean="0">
+                  <a:rPr lang="en-US" sz="3200" b="1" dirty="0">
                     <a:ln w="0"/>
                     <a:latin typeface="Cambria" panose="02040503050406030204" pitchFamily="18" charset="0"/>
                     <a:ea typeface="Cambria" panose="02040503050406030204" pitchFamily="18" charset="0"/>
@@ -21364,7 +21169,7 @@
                   <a:t>Proof: </a:t>
                 </a:r>
                 <a:r>
-                  <a:rPr lang="en-US" sz="3200" dirty="0" smtClean="0">
+                  <a:rPr lang="en-US" sz="3200" dirty="0">
                     <a:ln w="0"/>
                     <a:latin typeface="Cambria Math" panose="02040503050406030204" pitchFamily="18" charset="0"/>
                     <a:ea typeface="Cambria Math" panose="02040503050406030204" pitchFamily="18" charset="0"/>
@@ -21439,7 +21244,7 @@
                   </m:oMath>
                 </a14:m>
                 <a:r>
-                  <a:rPr lang="en-US" sz="3200" b="0" cap="none" spc="0" dirty="0" smtClean="0">
+                  <a:rPr lang="en-US" sz="3200" b="0" cap="none" spc="0" dirty="0">
                     <a:ln w="0"/>
                     <a:solidFill>
                       <a:schemeClr val="tx1"/>
@@ -21527,7 +21332,7 @@
                   </m:oMath>
                 </a14:m>
                 <a:r>
-                  <a:rPr lang="en-US" sz="3200" b="0" cap="none" spc="0" dirty="0" smtClean="0">
+                  <a:rPr lang="en-US" sz="3200" b="0" cap="none" spc="0" dirty="0">
                     <a:ln w="0"/>
                     <a:solidFill>
                       <a:srgbClr val="0070C0"/>
@@ -21539,7 +21344,7 @@
                   <a:t>, </a:t>
                 </a:r>
                 <a:r>
-                  <a:rPr lang="en-US" sz="3200" b="0" cap="none" spc="0" dirty="0" smtClean="0">
+                  <a:rPr lang="en-US" sz="3200" b="0" cap="none" spc="0" dirty="0">
                     <a:ln w="0"/>
                     <a:solidFill>
                       <a:schemeClr val="tx1"/>
@@ -21654,7 +21459,7 @@
                   </m:oMath>
                 </a14:m>
                 <a:r>
-                  <a:rPr lang="en-US" sz="3200" b="0" cap="none" spc="0" dirty="0" smtClean="0">
+                  <a:rPr lang="en-US" sz="3200" b="0" cap="none" spc="0" dirty="0">
                     <a:ln w="0"/>
                     <a:solidFill>
                       <a:schemeClr val="tx1"/>
@@ -21804,7 +21609,7 @@
                   </m:oMath>
                 </a14:m>
                 <a:r>
-                  <a:rPr lang="en-US" sz="3200" b="0" cap="none" spc="0" dirty="0" smtClean="0">
+                  <a:rPr lang="en-US" sz="3200" b="0" cap="none" spc="0" dirty="0">
                     <a:ln w="0"/>
                     <a:solidFill>
                       <a:srgbClr val="0070C0"/>
@@ -21816,7 +21621,7 @@
                   <a:t> </a:t>
                 </a:r>
                 <a:r>
-                  <a:rPr lang="en-US" sz="3200" b="0" cap="none" spc="0" dirty="0" smtClean="0">
+                  <a:rPr lang="en-US" sz="3200" b="0" cap="none" spc="0" dirty="0">
                     <a:ln w="0"/>
                     <a:solidFill>
                       <a:schemeClr val="tx1"/>
@@ -21875,7 +21680,7 @@
                   </m:oMath>
                 </a14:m>
                 <a:r>
-                  <a:rPr lang="en-US" sz="3200" b="0" cap="none" spc="0" dirty="0" smtClean="0">
+                  <a:rPr lang="en-US" sz="3200" b="0" cap="none" spc="0" dirty="0">
                     <a:ln w="0"/>
                     <a:solidFill>
                       <a:schemeClr val="tx1"/>
@@ -22266,7 +22071,7 @@
                       </m:oMath>
                     </m:oMathPara>
                   </a14:m>
-                  <a:endParaRPr lang="en-US" sz="3200" b="0" dirty="0" smtClean="0"/>
+                  <a:endParaRPr lang="en-US" sz="3200" b="0" dirty="0"/>
                 </a:p>
               </p:txBody>
             </p:sp>
@@ -22350,7 +22155,7 @@
                       </m:oMath>
                     </m:oMathPara>
                   </a14:m>
-                  <a:endParaRPr lang="en-US" sz="3200" b="0" dirty="0" smtClean="0"/>
+                  <a:endParaRPr lang="en-US" sz="3200" b="0" dirty="0"/>
                 </a:p>
               </p:txBody>
             </p:sp>
@@ -22434,7 +22239,7 @@
                       </m:oMath>
                     </m:oMathPara>
                   </a14:m>
-                  <a:endParaRPr lang="en-US" sz="3200" b="0" dirty="0" smtClean="0"/>
+                  <a:endParaRPr lang="en-US" sz="3200" b="0" dirty="0"/>
                 </a:p>
               </p:txBody>
             </p:sp>
@@ -22822,7 +22627,7 @@
           <a:p>
             <a:pPr algn="ctr"/>
             <a:r>
-              <a:rPr lang="en-US" sz="4000" dirty="0" smtClean="0">
+              <a:rPr lang="en-US" sz="4000" dirty="0">
                 <a:solidFill>
                   <a:srgbClr val="C00000"/>
                 </a:solidFill>
@@ -22864,7 +22669,7 @@
                   </a:lnSpc>
                 </a:pPr>
                 <a:r>
-                  <a:rPr lang="en-US" sz="3200" dirty="0" smtClean="0">
+                  <a:rPr lang="en-US" sz="3200" dirty="0">
                     <a:ln w="0"/>
                     <a:effectLst/>
                     <a:latin typeface="Cambria Math" panose="02040503050406030204" pitchFamily="18" charset="0"/>
@@ -22889,7 +22694,7 @@
                   </m:oMath>
                 </a14:m>
                 <a:r>
-                  <a:rPr lang="en-US" sz="3200" b="0" cap="none" spc="0" dirty="0" smtClean="0">
+                  <a:rPr lang="en-US" sz="3200" b="0" cap="none" spc="0" dirty="0">
                     <a:ln w="0"/>
                     <a:solidFill>
                       <a:schemeClr val="tx1"/>
@@ -22901,7 +22706,7 @@
                   <a:t> is </a:t>
                 </a:r>
                 <a:r>
-                  <a:rPr lang="en-US" sz="3200" b="0" cap="none" spc="0" dirty="0" err="1" smtClean="0">
+                  <a:rPr lang="en-US" sz="3200" b="0" cap="none" spc="0" dirty="0" err="1">
                     <a:ln w="0"/>
                     <a:solidFill>
                       <a:schemeClr val="tx1"/>
@@ -22913,7 +22718,7 @@
                   <a:t>affinely</a:t>
                 </a:r>
                 <a:r>
-                  <a:rPr lang="en-US" sz="3200" b="0" cap="none" spc="0" dirty="0" smtClean="0">
+                  <a:rPr lang="en-US" sz="3200" b="0" cap="none" spc="0" dirty="0">
                     <a:ln w="0"/>
                     <a:solidFill>
                       <a:schemeClr val="tx1"/>
@@ -22966,7 +22771,7 @@
                   </m:oMath>
                 </a14:m>
                 <a:r>
-                  <a:rPr lang="en-US" sz="3200" b="0" cap="none" spc="0" dirty="0" smtClean="0">
+                  <a:rPr lang="en-US" sz="3200" b="0" cap="none" spc="0" dirty="0">
                     <a:ln w="0"/>
                     <a:solidFill>
                       <a:schemeClr val="tx1"/>
@@ -23891,7 +23696,7 @@
               <a:t>a</a:t>
             </a:r>
             <a:r>
-              <a:rPr lang="en-US" sz="3200" dirty="0" smtClean="0">
+              <a:rPr lang="en-US" sz="3200" dirty="0">
                 <a:ln w="0"/>
                 <a:effectLst/>
                 <a:latin typeface="Cambria Math" panose="02040503050406030204" pitchFamily="18" charset="0"/>
@@ -23899,7 +23704,7 @@
               </a:rPr>
               <a:t>nd half-spaces</a:t>
             </a:r>
-            <a:endParaRPr lang="en-US" sz="3200" b="0" cap="none" spc="0" dirty="0" smtClean="0">
+            <a:endParaRPr lang="en-US" sz="3200" b="0" cap="none" spc="0" dirty="0">
               <a:ln w="0"/>
               <a:solidFill>
                 <a:schemeClr val="tx1"/>
@@ -24267,7 +24072,7 @@
           <a:p>
             <a:pPr algn="ctr"/>
             <a:r>
-              <a:rPr lang="en-US" sz="4000" dirty="0" smtClean="0">
+              <a:rPr lang="en-US" sz="4000" dirty="0">
                 <a:solidFill>
                   <a:srgbClr val="C00000"/>
                 </a:solidFill>
@@ -24309,7 +24114,7 @@
                   </a:lnSpc>
                 </a:pPr>
                 <a:r>
-                  <a:rPr lang="en-US" sz="3200" dirty="0" smtClean="0">
+                  <a:rPr lang="en-US" sz="3200" dirty="0">
                     <a:ln w="0"/>
                     <a:solidFill>
                       <a:srgbClr val="FF0000"/>
@@ -24320,7 +24125,7 @@
                   <a:t>Boundary points</a:t>
                 </a:r>
                 <a:r>
-                  <a:rPr lang="en-US" sz="3200" dirty="0" smtClean="0">
+                  <a:rPr lang="en-US" sz="3200" dirty="0">
                     <a:ln w="0"/>
                     <a:latin typeface="Cambria Math" panose="02040503050406030204" pitchFamily="18" charset="0"/>
                     <a:ea typeface="Cambria Math" panose="02040503050406030204" pitchFamily="18" charset="0"/>
@@ -24328,7 +24133,7 @@
                   <a:t> of</a:t>
                 </a:r>
                 <a:r>
-                  <a:rPr lang="en-US" sz="3200" dirty="0" smtClean="0">
+                  <a:rPr lang="en-US" sz="3200" dirty="0">
                     <a:ln w="0"/>
                     <a:effectLst/>
                     <a:latin typeface="Cambria Math" panose="02040503050406030204" pitchFamily="18" charset="0"/>
@@ -24350,7 +24155,7 @@
                   </m:oMath>
                 </a14:m>
                 <a:r>
-                  <a:rPr lang="en-US" sz="3200" b="0" cap="none" spc="0" dirty="0" smtClean="0">
+                  <a:rPr lang="en-US" sz="3200" b="0" cap="none" spc="0" dirty="0">
                     <a:ln w="0"/>
                     <a:solidFill>
                       <a:schemeClr val="tx1"/>
@@ -24462,7 +24267,7 @@
                   </m:oMath>
                 </a14:m>
                 <a:r>
-                  <a:rPr lang="en-US" sz="3200" b="0" cap="none" spc="0" dirty="0" smtClean="0">
+                  <a:rPr lang="en-US" sz="3200" b="0" cap="none" spc="0" dirty="0">
                     <a:ln w="0"/>
                     <a:solidFill>
                       <a:schemeClr val="tx1"/>
@@ -24474,7 +24279,7 @@
                   <a:t> The </a:t>
                 </a:r>
                 <a:r>
-                  <a:rPr lang="en-US" sz="3200" b="0" cap="none" spc="0" dirty="0" smtClean="0">
+                  <a:rPr lang="en-US" sz="3200" b="0" cap="none" spc="0" dirty="0">
                     <a:ln w="0"/>
                     <a:solidFill>
                       <a:srgbClr val="FF0000"/>
@@ -24486,7 +24291,7 @@
                   <a:t>boundary</a:t>
                 </a:r>
                 <a:r>
-                  <a:rPr lang="en-US" sz="3200" b="0" cap="none" spc="0" dirty="0" smtClean="0">
+                  <a:rPr lang="en-US" sz="3200" b="0" cap="none" spc="0" dirty="0">
                     <a:ln w="0"/>
                     <a:solidFill>
                       <a:schemeClr val="tx1"/>
@@ -24514,7 +24319,7 @@
                   </m:oMath>
                 </a14:m>
                 <a:r>
-                  <a:rPr lang="en-US" sz="3200" b="0" cap="none" spc="0" dirty="0" smtClean="0">
+                  <a:rPr lang="en-US" sz="3200" b="0" cap="none" spc="0" dirty="0">
                     <a:ln w="0"/>
                     <a:solidFill>
                       <a:schemeClr val="tx1"/>
@@ -24525,7 +24330,7 @@
                   </a:rPr>
                   <a:t> is  </a:t>
                 </a:r>
-                <a:endParaRPr lang="en-US" sz="3200" i="1" dirty="0" smtClean="0">
+                <a:endParaRPr lang="en-US" sz="3200" i="1" dirty="0">
                   <a:solidFill>
                     <a:srgbClr val="0070C0"/>
                   </a:solidFill>
@@ -24660,7 +24465,7 @@
                   </m:oMath>
                 </a14:m>
                 <a:r>
-                  <a:rPr lang="en-US" sz="3200" b="0" cap="none" spc="0" dirty="0" smtClean="0">
+                  <a:rPr lang="en-US" sz="3200" b="0" cap="none" spc="0" dirty="0">
                     <a:ln w="0"/>
                     <a:solidFill>
                       <a:schemeClr val="tx1"/>
@@ -24779,7 +24584,7 @@
                   </m:oMath>
                 </a14:m>
                 <a:r>
-                  <a:rPr lang="en-US" sz="3200" b="0" cap="none" spc="0" dirty="0" smtClean="0">
+                  <a:rPr lang="en-US" sz="3200" b="0" cap="none" spc="0" dirty="0">
                     <a:ln w="0"/>
                     <a:solidFill>
                       <a:schemeClr val="tx1"/>
@@ -24791,7 +24596,7 @@
                   <a:t> is </a:t>
                 </a:r>
                 <a:r>
-                  <a:rPr lang="en-US" sz="3200" b="0" cap="none" spc="0" dirty="0" smtClean="0">
+                  <a:rPr lang="en-US" sz="3200" b="0" cap="none" spc="0" dirty="0">
                     <a:ln w="0"/>
                     <a:solidFill>
                       <a:srgbClr val="FF0000"/>
@@ -24803,7 +24608,7 @@
                   <a:t>supporting</a:t>
                 </a:r>
                 <a:r>
-                  <a:rPr lang="en-US" sz="3200" b="0" cap="none" spc="0" dirty="0" smtClean="0">
+                  <a:rPr lang="en-US" sz="3200" b="0" cap="none" spc="0" dirty="0">
                     <a:ln w="0"/>
                     <a:solidFill>
                       <a:schemeClr val="tx1"/>
@@ -24815,7 +24620,7 @@
                   <a:t> for a closed convex body </a:t>
                 </a:r>
                 <a:r>
-                  <a:rPr lang="en-US" sz="3200" b="0" i="1" cap="none" spc="0" dirty="0" smtClean="0">
+                  <a:rPr lang="en-US" sz="3200" b="0" i="1" cap="none" spc="0" dirty="0">
                     <a:ln w="0"/>
                     <a:solidFill>
                       <a:srgbClr val="0070C0"/>
@@ -24827,7 +24632,7 @@
                   <a:t>M</a:t>
                 </a:r>
                 <a:r>
-                  <a:rPr lang="en-US" sz="3200" b="0" cap="none" spc="0" dirty="0" smtClean="0">
+                  <a:rPr lang="en-US" sz="3200" b="0" cap="none" spc="0" dirty="0">
                     <a:ln w="0"/>
                     <a:solidFill>
                       <a:schemeClr val="tx1"/>
@@ -24924,7 +24729,7 @@
                   </m:oMath>
                 </a14:m>
                 <a:r>
-                  <a:rPr lang="en-US" sz="3200" b="0" cap="none" spc="0" dirty="0" smtClean="0">
+                  <a:rPr lang="en-US" sz="3200" b="0" cap="none" spc="0" dirty="0">
                     <a:ln w="0"/>
                     <a:solidFill>
                       <a:schemeClr val="tx1"/>
@@ -24988,7 +24793,7 @@
                   </m:oMath>
                 </a14:m>
                 <a:r>
-                  <a:rPr lang="en-US" sz="3200" b="0" cap="none" spc="0" dirty="0" smtClean="0">
+                  <a:rPr lang="en-US" sz="3200" b="0" cap="none" spc="0" dirty="0">
                     <a:ln w="0"/>
                     <a:solidFill>
                       <a:schemeClr val="tx1"/>
@@ -25000,7 +24805,7 @@
                   <a:t>, </a:t>
                 </a:r>
                 <a:r>
-                  <a:rPr lang="en-US" sz="3200" b="0" cap="none" spc="0" dirty="0" err="1" smtClean="0">
+                  <a:rPr lang="en-US" sz="3200" b="0" cap="none" spc="0" dirty="0" err="1">
                     <a:ln w="0"/>
                     <a:solidFill>
                       <a:schemeClr val="tx1"/>
@@ -25012,7 +24817,7 @@
                   <a:t>s.t.</a:t>
                 </a:r>
                 <a:r>
-                  <a:rPr lang="en-US" sz="3200" b="0" cap="none" spc="0" dirty="0" smtClean="0">
+                  <a:rPr lang="en-US" sz="3200" b="0" cap="none" spc="0" dirty="0">
                     <a:ln w="0"/>
                     <a:solidFill>
                       <a:schemeClr val="tx1"/>
@@ -25107,7 +24912,7 @@
                   </m:oMath>
                 </a14:m>
                 <a:r>
-                  <a:rPr lang="en-US" sz="3200" b="0" cap="none" spc="0" dirty="0" smtClean="0">
+                  <a:rPr lang="en-US" sz="3200" b="0" cap="none" spc="0" dirty="0">
                     <a:ln w="0"/>
                     <a:solidFill>
                       <a:schemeClr val="tx1"/>

--- a/content/teaching/linal19/LA-Lecture6-Convex-Sets.pptx
+++ b/content/teaching/linal19/LA-Lecture6-Convex-Sets.pptx
@@ -123,7 +123,7 @@
   <p:extLst>
     <p:ext uri="{EFAFB233-063F-42B5-8137-9DF3F51BA10A}">
       <p15:sldGuideLst xmlns:p15="http://schemas.microsoft.com/office/powerpoint/2012/main">
-        <p15:guide id="1" orient="horz" pos="2160" userDrawn="1">
+        <p15:guide id="1" orient="horz" pos="2523" userDrawn="1">
           <p15:clr>
             <a:srgbClr val="A4A3A4"/>
           </p15:clr>
@@ -268,7 +268,7 @@
           <a:p>
             <a:fld id="{B1844171-D7BE-4342-A4EB-3470B7671808}" type="datetimeFigureOut">
               <a:rPr lang="ru-RU" smtClean="0"/>
-              <a:t>09.01.2020</a:t>
+              <a:t>20.01.2020</a:t>
             </a:fld>
             <a:endParaRPr lang="ru-RU"/>
           </a:p>
@@ -436,7 +436,7 @@
           <a:p>
             <a:fld id="{B1844171-D7BE-4342-A4EB-3470B7671808}" type="datetimeFigureOut">
               <a:rPr lang="ru-RU" smtClean="0"/>
-              <a:t>09.01.2020</a:t>
+              <a:t>20.01.2020</a:t>
             </a:fld>
             <a:endParaRPr lang="ru-RU"/>
           </a:p>
@@ -614,7 +614,7 @@
           <a:p>
             <a:fld id="{B1844171-D7BE-4342-A4EB-3470B7671808}" type="datetimeFigureOut">
               <a:rPr lang="ru-RU" smtClean="0"/>
-              <a:t>09.01.2020</a:t>
+              <a:t>20.01.2020</a:t>
             </a:fld>
             <a:endParaRPr lang="ru-RU"/>
           </a:p>
@@ -782,7 +782,7 @@
           <a:p>
             <a:fld id="{B1844171-D7BE-4342-A4EB-3470B7671808}" type="datetimeFigureOut">
               <a:rPr lang="ru-RU" smtClean="0"/>
-              <a:t>09.01.2020</a:t>
+              <a:t>20.01.2020</a:t>
             </a:fld>
             <a:endParaRPr lang="ru-RU"/>
           </a:p>
@@ -1027,7 +1027,7 @@
           <a:p>
             <a:fld id="{B1844171-D7BE-4342-A4EB-3470B7671808}" type="datetimeFigureOut">
               <a:rPr lang="ru-RU" smtClean="0"/>
-              <a:t>09.01.2020</a:t>
+              <a:t>20.01.2020</a:t>
             </a:fld>
             <a:endParaRPr lang="ru-RU"/>
           </a:p>
@@ -1256,7 +1256,7 @@
           <a:p>
             <a:fld id="{B1844171-D7BE-4342-A4EB-3470B7671808}" type="datetimeFigureOut">
               <a:rPr lang="ru-RU" smtClean="0"/>
-              <a:t>09.01.2020</a:t>
+              <a:t>20.01.2020</a:t>
             </a:fld>
             <a:endParaRPr lang="ru-RU"/>
           </a:p>
@@ -1620,7 +1620,7 @@
           <a:p>
             <a:fld id="{B1844171-D7BE-4342-A4EB-3470B7671808}" type="datetimeFigureOut">
               <a:rPr lang="ru-RU" smtClean="0"/>
-              <a:t>09.01.2020</a:t>
+              <a:t>20.01.2020</a:t>
             </a:fld>
             <a:endParaRPr lang="ru-RU"/>
           </a:p>
@@ -1737,7 +1737,7 @@
           <a:p>
             <a:fld id="{B1844171-D7BE-4342-A4EB-3470B7671808}" type="datetimeFigureOut">
               <a:rPr lang="ru-RU" smtClean="0"/>
-              <a:t>09.01.2020</a:t>
+              <a:t>20.01.2020</a:t>
             </a:fld>
             <a:endParaRPr lang="ru-RU"/>
           </a:p>
@@ -1832,7 +1832,7 @@
           <a:p>
             <a:fld id="{B1844171-D7BE-4342-A4EB-3470B7671808}" type="datetimeFigureOut">
               <a:rPr lang="ru-RU" smtClean="0"/>
-              <a:t>09.01.2020</a:t>
+              <a:t>20.01.2020</a:t>
             </a:fld>
             <a:endParaRPr lang="ru-RU"/>
           </a:p>
@@ -2107,7 +2107,7 @@
           <a:p>
             <a:fld id="{B1844171-D7BE-4342-A4EB-3470B7671808}" type="datetimeFigureOut">
               <a:rPr lang="ru-RU" smtClean="0"/>
-              <a:t>09.01.2020</a:t>
+              <a:t>20.01.2020</a:t>
             </a:fld>
             <a:endParaRPr lang="ru-RU"/>
           </a:p>
@@ -2359,7 +2359,7 @@
           <a:p>
             <a:fld id="{B1844171-D7BE-4342-A4EB-3470B7671808}" type="datetimeFigureOut">
               <a:rPr lang="ru-RU" smtClean="0"/>
-              <a:t>09.01.2020</a:t>
+              <a:t>20.01.2020</a:t>
             </a:fld>
             <a:endParaRPr lang="ru-RU"/>
           </a:p>
@@ -2570,7 +2570,7 @@
           <a:p>
             <a:fld id="{B1844171-D7BE-4342-A4EB-3470B7671808}" type="datetimeFigureOut">
               <a:rPr lang="ru-RU" smtClean="0"/>
-              <a:t>09.01.2020</a:t>
+              <a:t>20.01.2020</a:t>
             </a:fld>
             <a:endParaRPr lang="ru-RU"/>
           </a:p>
@@ -17212,101 +17212,12 @@
           </a:p>
         </p:txBody>
       </p:sp>
-      <p:sp>
-        <p:nvSpPr>
-          <p:cNvPr id="4" name="Равнобедренный треугольник 3"/>
-          <p:cNvSpPr/>
-          <p:nvPr/>
-        </p:nvSpPr>
-        <p:spPr>
-          <a:xfrm rot="3721833">
-            <a:off x="10804167" y="4477616"/>
-            <a:ext cx="1546802" cy="463921"/>
-          </a:xfrm>
-          <a:prstGeom prst="triangle">
-            <a:avLst/>
-          </a:prstGeom>
-          <a:solidFill>
-            <a:schemeClr val="accent1">
-              <a:lumMod val="40000"/>
-              <a:lumOff val="60000"/>
-            </a:schemeClr>
-          </a:solidFill>
-          <a:ln w="28575">
-            <a:solidFill>
-              <a:schemeClr val="accent1">
-                <a:lumMod val="40000"/>
-                <a:lumOff val="60000"/>
-              </a:schemeClr>
-            </a:solidFill>
-          </a:ln>
-        </p:spPr>
-        <p:style>
-          <a:lnRef idx="2">
-            <a:schemeClr val="accent1">
-              <a:shade val="50000"/>
-            </a:schemeClr>
-          </a:lnRef>
-          <a:fillRef idx="1">
-            <a:schemeClr val="accent1"/>
-          </a:fillRef>
-          <a:effectRef idx="0">
-            <a:schemeClr val="accent1"/>
-          </a:effectRef>
-          <a:fontRef idx="minor">
-            <a:schemeClr val="lt1"/>
-          </a:fontRef>
-        </p:style>
-        <p:txBody>
-          <a:bodyPr rtlCol="0" anchor="ctr"/>
-          <a:lstStyle/>
-          <a:p>
-            <a:pPr algn="ctr"/>
-            <a:endParaRPr lang="ru-RU"/>
-          </a:p>
-        </p:txBody>
-      </p:sp>
-      <p:cxnSp>
-        <p:nvCxnSpPr>
-          <p:cNvPr id="18" name="Прямая соединительная линия 17"/>
-          <p:cNvCxnSpPr/>
-          <p:nvPr/>
-        </p:nvCxnSpPr>
-        <p:spPr>
-          <a:xfrm>
-            <a:off x="10967458" y="4107637"/>
-            <a:ext cx="822982" cy="478545"/>
-          </a:xfrm>
-          <a:prstGeom prst="line">
-            <a:avLst/>
-          </a:prstGeom>
-          <a:ln w="25400">
-            <a:solidFill>
-              <a:srgbClr val="41719C"/>
-            </a:solidFill>
-          </a:ln>
-        </p:spPr>
-        <p:style>
-          <a:lnRef idx="1">
-            <a:schemeClr val="accent1"/>
-          </a:lnRef>
-          <a:fillRef idx="0">
-            <a:schemeClr val="accent1"/>
-          </a:fillRef>
-          <a:effectRef idx="0">
-            <a:schemeClr val="accent1"/>
-          </a:effectRef>
-          <a:fontRef idx="minor">
-            <a:schemeClr val="tx1"/>
-          </a:fontRef>
-        </p:style>
-      </p:cxnSp>
       <p:grpSp>
         <p:nvGrpSpPr>
-          <p:cNvPr id="8" name="Группа 7">
+          <p:cNvPr id="6" name="Группа 5">
             <a:extLst>
               <a:ext uri="{FF2B5EF4-FFF2-40B4-BE49-F238E27FC236}">
-                <a16:creationId xmlns:a16="http://schemas.microsoft.com/office/drawing/2014/main" id="{89FCF6A0-2137-487C-AF62-5D194FCC89C4}"/>
+                <a16:creationId xmlns:a16="http://schemas.microsoft.com/office/drawing/2014/main" id="{F69F3FCC-CF0B-4B32-BADA-C5FEEA1EB23F}"/>
               </a:ext>
             </a:extLst>
           </p:cNvPr>
@@ -17315,12 +17226,138 @@
         </p:nvGrpSpPr>
         <p:grpSpPr>
           <a:xfrm>
-            <a:off x="4258493" y="4107637"/>
-            <a:ext cx="7530807" cy="2312381"/>
-            <a:chOff x="4258493" y="4107637"/>
-            <a:chExt cx="7530807" cy="2312381"/>
+            <a:off x="4258493" y="3936176"/>
+            <a:ext cx="7551035" cy="2483842"/>
+            <a:chOff x="4258493" y="3936176"/>
+            <a:chExt cx="7551035" cy="2483842"/>
           </a:xfrm>
         </p:grpSpPr>
+        <p:sp>
+          <p:nvSpPr>
+            <p:cNvPr id="4" name="Равнобедренный треугольник 3"/>
+            <p:cNvSpPr/>
+            <p:nvPr/>
+          </p:nvSpPr>
+          <p:spPr>
+            <a:xfrm rot="3721833">
+              <a:off x="10804167" y="4477616"/>
+              <a:ext cx="1546802" cy="463921"/>
+            </a:xfrm>
+            <a:prstGeom prst="triangle">
+              <a:avLst/>
+            </a:prstGeom>
+            <a:solidFill>
+              <a:schemeClr val="accent1">
+                <a:lumMod val="40000"/>
+                <a:lumOff val="60000"/>
+              </a:schemeClr>
+            </a:solidFill>
+            <a:ln w="28575">
+              <a:solidFill>
+                <a:schemeClr val="accent1">
+                  <a:lumMod val="40000"/>
+                  <a:lumOff val="60000"/>
+                </a:schemeClr>
+              </a:solidFill>
+            </a:ln>
+          </p:spPr>
+          <p:style>
+            <a:lnRef idx="2">
+              <a:schemeClr val="accent1">
+                <a:shade val="50000"/>
+              </a:schemeClr>
+            </a:lnRef>
+            <a:fillRef idx="1">
+              <a:schemeClr val="accent1"/>
+            </a:fillRef>
+            <a:effectRef idx="0">
+              <a:schemeClr val="accent1"/>
+            </a:effectRef>
+            <a:fontRef idx="minor">
+              <a:schemeClr val="lt1"/>
+            </a:fontRef>
+          </p:style>
+          <p:txBody>
+            <a:bodyPr rtlCol="0" anchor="ctr"/>
+            <a:lstStyle/>
+            <a:p>
+              <a:pPr algn="ctr"/>
+              <a:endParaRPr lang="ru-RU"/>
+            </a:p>
+          </p:txBody>
+        </p:sp>
+        <p:cxnSp>
+          <p:nvCxnSpPr>
+            <p:cNvPr id="18" name="Прямая соединительная линия 17"/>
+            <p:cNvCxnSpPr/>
+            <p:nvPr/>
+          </p:nvCxnSpPr>
+          <p:spPr>
+            <a:xfrm>
+              <a:off x="10967458" y="4107637"/>
+              <a:ext cx="822982" cy="478545"/>
+            </a:xfrm>
+            <a:prstGeom prst="line">
+              <a:avLst/>
+            </a:prstGeom>
+            <a:ln w="25400">
+              <a:solidFill>
+                <a:srgbClr val="41719C"/>
+              </a:solidFill>
+            </a:ln>
+          </p:spPr>
+          <p:style>
+            <a:lnRef idx="1">
+              <a:schemeClr val="accent1"/>
+            </a:lnRef>
+            <a:fillRef idx="0">
+              <a:schemeClr val="accent1"/>
+            </a:fillRef>
+            <a:effectRef idx="0">
+              <a:schemeClr val="accent1"/>
+            </a:effectRef>
+            <a:fontRef idx="minor">
+              <a:schemeClr val="tx1"/>
+            </a:fontRef>
+          </p:style>
+        </p:cxnSp>
+        <p:cxnSp>
+          <p:nvCxnSpPr>
+            <p:cNvPr id="5" name="Прямая соединительная линия 4"/>
+            <p:cNvCxnSpPr/>
+            <p:nvPr/>
+          </p:nvCxnSpPr>
+          <p:spPr>
+            <a:xfrm>
+              <a:off x="5884698" y="5532179"/>
+              <a:ext cx="1191840" cy="0"/>
+            </a:xfrm>
+            <a:prstGeom prst="line">
+              <a:avLst/>
+            </a:prstGeom>
+            <a:ln w="28575">
+              <a:solidFill>
+                <a:srgbClr val="41719C"/>
+              </a:solidFill>
+              <a:headEnd type="oval"/>
+              <a:tailEnd type="oval"/>
+            </a:ln>
+          </p:spPr>
+          <p:style>
+            <a:lnRef idx="1">
+              <a:schemeClr val="accent1"/>
+            </a:lnRef>
+            <a:fillRef idx="0">
+              <a:schemeClr val="accent1"/>
+            </a:fillRef>
+            <a:effectRef idx="0">
+              <a:schemeClr val="accent1"/>
+            </a:effectRef>
+            <a:fontRef idx="minor">
+              <a:schemeClr val="tx1"/>
+            </a:fontRef>
+          </p:style>
+        </p:cxnSp>
         <p:sp>
           <p:nvSpPr>
             <p:cNvPr id="7" name="Равнобедренный треугольник 6"/>
@@ -17423,552 +17460,494 @@
             </a:p>
           </p:txBody>
         </p:sp>
-        <p:grpSp>
-          <p:nvGrpSpPr>
-            <p:cNvPr id="6" name="Группа 5">
-              <a:extLst>
-                <a:ext uri="{FF2B5EF4-FFF2-40B4-BE49-F238E27FC236}">
-                  <a16:creationId xmlns:a16="http://schemas.microsoft.com/office/drawing/2014/main" id="{96A10421-CBEF-4469-A49F-E534C61226CF}"/>
-                </a:ext>
-              </a:extLst>
-            </p:cNvPr>
-            <p:cNvGrpSpPr/>
+        <p:sp>
+          <p:nvSpPr>
+            <p:cNvPr id="31" name="Овал 30"/>
+            <p:cNvSpPr/>
             <p:nvPr/>
-          </p:nvGrpSpPr>
-          <p:grpSpPr>
+          </p:nvSpPr>
+          <p:spPr>
             <a:xfrm>
-              <a:off x="4258493" y="4576188"/>
-              <a:ext cx="7530807" cy="1843830"/>
-              <a:chOff x="4258493" y="4576188"/>
-              <a:chExt cx="7530807" cy="1843830"/>
+              <a:off x="4813026" y="5501433"/>
+              <a:ext cx="65597" cy="64008"/>
             </a:xfrm>
-          </p:grpSpPr>
-          <p:cxnSp>
-            <p:nvCxnSpPr>
-              <p:cNvPr id="5" name="Прямая соединительная линия 4"/>
-              <p:cNvCxnSpPr/>
-              <p:nvPr/>
-            </p:nvCxnSpPr>
-            <p:spPr>
-              <a:xfrm>
-                <a:off x="5884698" y="5532179"/>
-                <a:ext cx="1191840" cy="0"/>
-              </a:xfrm>
-              <a:prstGeom prst="line">
-                <a:avLst/>
-              </a:prstGeom>
-              <a:ln w="28575">
-                <a:solidFill>
-                  <a:srgbClr val="41719C"/>
-                </a:solidFill>
-                <a:headEnd type="oval"/>
-                <a:tailEnd type="oval"/>
-              </a:ln>
-            </p:spPr>
-            <p:style>
-              <a:lnRef idx="1">
-                <a:schemeClr val="accent1"/>
-              </a:lnRef>
-              <a:fillRef idx="0">
-                <a:schemeClr val="accent1"/>
-              </a:fillRef>
-              <a:effectRef idx="0">
-                <a:schemeClr val="accent1"/>
-              </a:effectRef>
-              <a:fontRef idx="minor">
-                <a:schemeClr val="tx1"/>
-              </a:fontRef>
-            </p:style>
-          </p:cxnSp>
-          <p:sp>
-            <p:nvSpPr>
-              <p:cNvPr id="31" name="Овал 30"/>
-              <p:cNvSpPr/>
-              <p:nvPr/>
-            </p:nvSpPr>
-            <p:spPr>
-              <a:xfrm>
-                <a:off x="4813026" y="5501433"/>
-                <a:ext cx="65597" cy="64008"/>
-              </a:xfrm>
-              <a:prstGeom prst="ellipse">
-                <a:avLst/>
-              </a:prstGeom>
+            <a:prstGeom prst="ellipse">
+              <a:avLst/>
+            </a:prstGeom>
+            <a:solidFill>
+              <a:schemeClr val="tx1"/>
+            </a:solidFill>
+            <a:ln w="19050">
               <a:solidFill>
-                <a:schemeClr val="tx1"/>
+                <a:srgbClr val="41719C"/>
               </a:solidFill>
-              <a:ln w="19050">
-                <a:solidFill>
-                  <a:srgbClr val="41719C"/>
-                </a:solidFill>
-              </a:ln>
-            </p:spPr>
-            <p:style>
-              <a:lnRef idx="2">
-                <a:schemeClr val="accent1">
-                  <a:shade val="50000"/>
-                </a:schemeClr>
-              </a:lnRef>
-              <a:fillRef idx="1">
-                <a:schemeClr val="accent1"/>
-              </a:fillRef>
-              <a:effectRef idx="0">
-                <a:schemeClr val="accent1"/>
-              </a:effectRef>
-              <a:fontRef idx="minor">
-                <a:schemeClr val="lt1"/>
-              </a:fontRef>
-            </p:style>
-            <p:txBody>
-              <a:bodyPr rtlCol="0" anchor="ctr"/>
-              <a:lstStyle/>
-              <a:p>
-                <a:pPr algn="ctr"/>
-                <a:endParaRPr lang="ru-RU"/>
-              </a:p>
-            </p:txBody>
-          </p:sp>
-          <mc:AlternateContent xmlns:mc="http://schemas.openxmlformats.org/markup-compatibility/2006">
-            <mc:Choice xmlns:a14="http://schemas.microsoft.com/office/drawing/2010/main" Requires="a14">
-              <p:sp>
-                <p:nvSpPr>
-                  <p:cNvPr id="33" name="TextBox 32"/>
-                  <p:cNvSpPr txBox="1"/>
-                  <p:nvPr/>
-                </p:nvSpPr>
-                <p:spPr>
-                  <a:xfrm>
-                    <a:off x="4258493" y="5816912"/>
-                    <a:ext cx="1309238" cy="584775"/>
-                  </a:xfrm>
-                  <a:prstGeom prst="rect">
-                    <a:avLst/>
-                  </a:prstGeom>
-                  <a:noFill/>
-                </p:spPr>
-                <p:txBody>
-                  <a:bodyPr wrap="none" rtlCol="0">
-                    <a:spAutoFit/>
-                  </a:bodyPr>
-                  <a:lstStyle/>
-                  <a:p>
-                    <a:pPr/>
-                    <a14:m>
-                      <m:oMathPara xmlns:m="http://schemas.openxmlformats.org/officeDocument/2006/math">
-                        <m:oMathParaPr>
-                          <m:jc m:val="centerGroup"/>
-                        </m:oMathParaPr>
-                        <m:oMath xmlns:m="http://schemas.openxmlformats.org/officeDocument/2006/math">
-                          <m:r>
-                            <a:rPr lang="en-US" sz="3200" b="0" i="1" smtClean="0">
-                              <a:latin typeface="Cambria Math" panose="02040503050406030204" pitchFamily="18" charset="0"/>
-                            </a:rPr>
-                            <m:t>𝑘</m:t>
-                          </m:r>
-                          <m:r>
-                            <a:rPr lang="en-US" sz="3200" b="0" i="1" smtClean="0">
-                              <a:latin typeface="Cambria Math" panose="02040503050406030204" pitchFamily="18" charset="0"/>
-                            </a:rPr>
-                            <m:t>=0</m:t>
-                          </m:r>
-                        </m:oMath>
-                      </m:oMathPara>
-                    </a14:m>
-                    <a:endParaRPr lang="ru-RU" sz="3200" dirty="0"/>
-                  </a:p>
-                </p:txBody>
-              </p:sp>
-            </mc:Choice>
-            <mc:Fallback>
-              <p:sp>
-                <p:nvSpPr>
-                  <p:cNvPr id="33" name="TextBox 32"/>
-                  <p:cNvSpPr txBox="1">
-                    <a:spLocks noRot="1" noChangeAspect="1" noMove="1" noResize="1" noEditPoints="1" noAdjustHandles="1" noChangeArrowheads="1" noChangeShapeType="1" noTextEdit="1"/>
-                  </p:cNvSpPr>
-                  <p:nvPr/>
-                </p:nvSpPr>
-                <p:spPr>
-                  <a:xfrm>
-                    <a:off x="4258493" y="5816912"/>
-                    <a:ext cx="1309238" cy="584775"/>
-                  </a:xfrm>
-                  <a:prstGeom prst="rect">
-                    <a:avLst/>
-                  </a:prstGeom>
-                  <a:blipFill>
-                    <a:blip r:embed="rId3"/>
-                    <a:stretch>
-                      <a:fillRect/>
-                    </a:stretch>
-                  </a:blipFill>
-                </p:spPr>
-                <p:txBody>
-                  <a:bodyPr/>
-                  <a:lstStyle/>
-                  <a:p>
-                    <a:r>
-                      <a:rPr lang="ru-RU">
-                        <a:noFill/>
-                      </a:rPr>
-                      <a:t> </a:t>
-                    </a:r>
-                  </a:p>
-                </p:txBody>
-              </p:sp>
-            </mc:Fallback>
-          </mc:AlternateContent>
-          <mc:AlternateContent xmlns:mc="http://schemas.openxmlformats.org/markup-compatibility/2006">
-            <mc:Choice xmlns:a14="http://schemas.microsoft.com/office/drawing/2010/main" Requires="a14">
-              <p:sp>
-                <p:nvSpPr>
-                  <p:cNvPr id="34" name="TextBox 33"/>
-                  <p:cNvSpPr txBox="1"/>
-                  <p:nvPr/>
-                </p:nvSpPr>
-                <p:spPr>
-                  <a:xfrm>
-                    <a:off x="5825999" y="5816911"/>
-                    <a:ext cx="1309238" cy="584775"/>
-                  </a:xfrm>
-                  <a:prstGeom prst="rect">
-                    <a:avLst/>
-                  </a:prstGeom>
-                  <a:noFill/>
-                </p:spPr>
-                <p:txBody>
-                  <a:bodyPr wrap="none" rtlCol="0">
-                    <a:spAutoFit/>
-                  </a:bodyPr>
-                  <a:lstStyle/>
-                  <a:p>
-                    <a:pPr/>
-                    <a14:m>
-                      <m:oMathPara xmlns:m="http://schemas.openxmlformats.org/officeDocument/2006/math">
-                        <m:oMathParaPr>
-                          <m:jc m:val="centerGroup"/>
-                        </m:oMathParaPr>
-                        <m:oMath xmlns:m="http://schemas.openxmlformats.org/officeDocument/2006/math">
-                          <m:r>
-                            <a:rPr lang="en-US" sz="3200" b="0" i="1" smtClean="0">
-                              <a:latin typeface="Cambria Math" panose="02040503050406030204" pitchFamily="18" charset="0"/>
-                            </a:rPr>
-                            <m:t>𝑘</m:t>
-                          </m:r>
-                          <m:r>
-                            <a:rPr lang="en-US" sz="3200" b="0" i="1" smtClean="0">
-                              <a:latin typeface="Cambria Math" panose="02040503050406030204" pitchFamily="18" charset="0"/>
-                            </a:rPr>
-                            <m:t>=1</m:t>
-                          </m:r>
-                        </m:oMath>
-                      </m:oMathPara>
-                    </a14:m>
-                    <a:endParaRPr lang="ru-RU" sz="3200" dirty="0"/>
-                  </a:p>
-                </p:txBody>
-              </p:sp>
-            </mc:Choice>
-            <mc:Fallback>
-              <p:sp>
-                <p:nvSpPr>
-                  <p:cNvPr id="34" name="TextBox 33"/>
-                  <p:cNvSpPr txBox="1">
-                    <a:spLocks noRot="1" noChangeAspect="1" noMove="1" noResize="1" noEditPoints="1" noAdjustHandles="1" noChangeArrowheads="1" noChangeShapeType="1" noTextEdit="1"/>
-                  </p:cNvSpPr>
-                  <p:nvPr/>
-                </p:nvSpPr>
-                <p:spPr>
-                  <a:xfrm>
-                    <a:off x="5825999" y="5816911"/>
-                    <a:ext cx="1309238" cy="584775"/>
-                  </a:xfrm>
-                  <a:prstGeom prst="rect">
-                    <a:avLst/>
-                  </a:prstGeom>
-                  <a:blipFill>
-                    <a:blip r:embed="rId4"/>
-                    <a:stretch>
-                      <a:fillRect/>
-                    </a:stretch>
-                  </a:blipFill>
-                </p:spPr>
-                <p:txBody>
-                  <a:bodyPr/>
-                  <a:lstStyle/>
-                  <a:p>
-                    <a:r>
-                      <a:rPr lang="ru-RU">
-                        <a:noFill/>
-                      </a:rPr>
-                      <a:t> </a:t>
-                    </a:r>
-                  </a:p>
-                </p:txBody>
-              </p:sp>
-            </mc:Fallback>
-          </mc:AlternateContent>
-          <mc:AlternateContent xmlns:mc="http://schemas.openxmlformats.org/markup-compatibility/2006">
-            <mc:Choice xmlns:a14="http://schemas.microsoft.com/office/drawing/2010/main" Requires="a14">
-              <p:sp>
-                <p:nvSpPr>
-                  <p:cNvPr id="35" name="TextBox 34"/>
-                  <p:cNvSpPr txBox="1"/>
-                  <p:nvPr/>
-                </p:nvSpPr>
-                <p:spPr>
-                  <a:xfrm>
-                    <a:off x="7979196" y="5816911"/>
-                    <a:ext cx="1309238" cy="584775"/>
-                  </a:xfrm>
-                  <a:prstGeom prst="rect">
-                    <a:avLst/>
-                  </a:prstGeom>
-                  <a:noFill/>
-                </p:spPr>
-                <p:txBody>
-                  <a:bodyPr wrap="none" rtlCol="0">
-                    <a:spAutoFit/>
-                  </a:bodyPr>
-                  <a:lstStyle/>
-                  <a:p>
-                    <a:pPr/>
-                    <a14:m>
-                      <m:oMathPara xmlns:m="http://schemas.openxmlformats.org/officeDocument/2006/math">
-                        <m:oMathParaPr>
-                          <m:jc m:val="centerGroup"/>
-                        </m:oMathParaPr>
-                        <m:oMath xmlns:m="http://schemas.openxmlformats.org/officeDocument/2006/math">
-                          <m:r>
-                            <a:rPr lang="en-US" sz="3200" b="0" i="1" smtClean="0">
-                              <a:latin typeface="Cambria Math" panose="02040503050406030204" pitchFamily="18" charset="0"/>
-                            </a:rPr>
-                            <m:t>𝑘</m:t>
-                          </m:r>
-                          <m:r>
-                            <a:rPr lang="en-US" sz="3200" b="0" i="1" smtClean="0">
-                              <a:latin typeface="Cambria Math" panose="02040503050406030204" pitchFamily="18" charset="0"/>
-                            </a:rPr>
-                            <m:t>=2</m:t>
-                          </m:r>
-                        </m:oMath>
-                      </m:oMathPara>
-                    </a14:m>
-                    <a:endParaRPr lang="ru-RU" sz="3200" dirty="0"/>
-                  </a:p>
-                </p:txBody>
-              </p:sp>
-            </mc:Choice>
-            <mc:Fallback>
-              <p:sp>
-                <p:nvSpPr>
-                  <p:cNvPr id="35" name="TextBox 34"/>
-                  <p:cNvSpPr txBox="1">
-                    <a:spLocks noRot="1" noChangeAspect="1" noMove="1" noResize="1" noEditPoints="1" noAdjustHandles="1" noChangeArrowheads="1" noChangeShapeType="1" noTextEdit="1"/>
-                  </p:cNvSpPr>
-                  <p:nvPr/>
-                </p:nvSpPr>
-                <p:spPr>
-                  <a:xfrm>
-                    <a:off x="7979196" y="5816911"/>
-                    <a:ext cx="1309238" cy="584775"/>
-                  </a:xfrm>
-                  <a:prstGeom prst="rect">
-                    <a:avLst/>
-                  </a:prstGeom>
-                  <a:blipFill>
-                    <a:blip r:embed="rId5"/>
-                    <a:stretch>
-                      <a:fillRect/>
-                    </a:stretch>
-                  </a:blipFill>
-                </p:spPr>
-                <p:txBody>
-                  <a:bodyPr/>
-                  <a:lstStyle/>
-                  <a:p>
-                    <a:r>
-                      <a:rPr lang="ru-RU">
-                        <a:noFill/>
-                      </a:rPr>
-                      <a:t> </a:t>
-                    </a:r>
-                  </a:p>
-                </p:txBody>
-              </p:sp>
-            </mc:Fallback>
-          </mc:AlternateContent>
-          <mc:AlternateContent xmlns:mc="http://schemas.openxmlformats.org/markup-compatibility/2006">
-            <mc:Choice xmlns:a14="http://schemas.microsoft.com/office/drawing/2010/main" Requires="a14">
-              <p:sp>
-                <p:nvSpPr>
-                  <p:cNvPr id="36" name="TextBox 35"/>
-                  <p:cNvSpPr txBox="1"/>
-                  <p:nvPr/>
-                </p:nvSpPr>
-                <p:spPr>
-                  <a:xfrm>
-                    <a:off x="10312838" y="5835243"/>
-                    <a:ext cx="1309238" cy="584775"/>
-                  </a:xfrm>
-                  <a:prstGeom prst="rect">
-                    <a:avLst/>
-                  </a:prstGeom>
-                  <a:noFill/>
-                </p:spPr>
-                <p:txBody>
-                  <a:bodyPr wrap="none" rtlCol="0">
-                    <a:spAutoFit/>
-                  </a:bodyPr>
-                  <a:lstStyle/>
-                  <a:p>
-                    <a:pPr/>
-                    <a14:m>
-                      <m:oMathPara xmlns:m="http://schemas.openxmlformats.org/officeDocument/2006/math">
-                        <m:oMathParaPr>
-                          <m:jc m:val="centerGroup"/>
-                        </m:oMathParaPr>
-                        <m:oMath xmlns:m="http://schemas.openxmlformats.org/officeDocument/2006/math">
-                          <m:r>
-                            <a:rPr lang="en-US" sz="3200" b="0" i="1" smtClean="0">
-                              <a:latin typeface="Cambria Math" panose="02040503050406030204" pitchFamily="18" charset="0"/>
-                            </a:rPr>
-                            <m:t>𝑘</m:t>
-                          </m:r>
-                          <m:r>
-                            <a:rPr lang="en-US" sz="3200" b="0" i="1" smtClean="0">
-                              <a:latin typeface="Cambria Math" panose="02040503050406030204" pitchFamily="18" charset="0"/>
-                            </a:rPr>
-                            <m:t>=3</m:t>
-                          </m:r>
-                        </m:oMath>
-                      </m:oMathPara>
-                    </a14:m>
-                    <a:endParaRPr lang="ru-RU" sz="3200" dirty="0"/>
-                  </a:p>
-                </p:txBody>
-              </p:sp>
-            </mc:Choice>
-            <mc:Fallback>
-              <p:sp>
-                <p:nvSpPr>
-                  <p:cNvPr id="36" name="TextBox 35"/>
-                  <p:cNvSpPr txBox="1">
-                    <a:spLocks noRot="1" noChangeAspect="1" noMove="1" noResize="1" noEditPoints="1" noAdjustHandles="1" noChangeArrowheads="1" noChangeShapeType="1" noTextEdit="1"/>
-                  </p:cNvSpPr>
-                  <p:nvPr/>
-                </p:nvSpPr>
-                <p:spPr>
-                  <a:xfrm>
-                    <a:off x="10312838" y="5835243"/>
-                    <a:ext cx="1309238" cy="584775"/>
-                  </a:xfrm>
-                  <a:prstGeom prst="rect">
-                    <a:avLst/>
-                  </a:prstGeom>
-                  <a:blipFill>
-                    <a:blip r:embed="rId6"/>
-                    <a:stretch>
-                      <a:fillRect/>
-                    </a:stretch>
-                  </a:blipFill>
-                </p:spPr>
-                <p:txBody>
-                  <a:bodyPr/>
-                  <a:lstStyle/>
-                  <a:p>
-                    <a:r>
-                      <a:rPr lang="ru-RU">
-                        <a:noFill/>
-                      </a:rPr>
-                      <a:t> </a:t>
-                    </a:r>
-                  </a:p>
-                </p:txBody>
-              </p:sp>
-            </mc:Fallback>
-          </mc:AlternateContent>
-          <p:cxnSp>
-            <p:nvCxnSpPr>
-              <p:cNvPr id="41" name="Прямая соединительная линия 40"/>
-              <p:cNvCxnSpPr/>
-              <p:nvPr/>
-            </p:nvCxnSpPr>
-            <p:spPr>
-              <a:xfrm flipH="1">
-                <a:off x="11747778" y="4576188"/>
-                <a:ext cx="41522" cy="951876"/>
-              </a:xfrm>
-              <a:prstGeom prst="line">
-                <a:avLst/>
-              </a:prstGeom>
-              <a:ln w="25400">
-                <a:solidFill>
-                  <a:srgbClr val="41719C"/>
-                </a:solidFill>
-              </a:ln>
-            </p:spPr>
-            <p:style>
-              <a:lnRef idx="1">
-                <a:schemeClr val="accent1"/>
-              </a:lnRef>
-              <a:fillRef idx="0">
-                <a:schemeClr val="accent1"/>
-              </a:fillRef>
-              <a:effectRef idx="0">
-                <a:schemeClr val="accent1"/>
-              </a:effectRef>
-              <a:fontRef idx="minor">
-                <a:schemeClr val="tx1"/>
-              </a:fontRef>
-            </p:style>
-          </p:cxnSp>
-          <p:cxnSp>
-            <p:nvCxnSpPr>
-              <p:cNvPr id="9" name="Прямая соединительная линия 8"/>
-              <p:cNvCxnSpPr>
-                <a:stCxn id="10" idx="2"/>
-                <a:endCxn id="4" idx="0"/>
-              </p:cNvCxnSpPr>
-              <p:nvPr/>
-            </p:nvCxnSpPr>
-            <p:spPr>
-              <a:xfrm flipV="1">
-                <a:off x="10189577" y="4600787"/>
-                <a:ext cx="1592858" cy="927277"/>
-              </a:xfrm>
-              <a:prstGeom prst="line">
-                <a:avLst/>
-              </a:prstGeom>
+            </a:ln>
+          </p:spPr>
+          <p:style>
+            <a:lnRef idx="2">
+              <a:schemeClr val="accent1">
+                <a:shade val="50000"/>
+              </a:schemeClr>
+            </a:lnRef>
+            <a:fillRef idx="1">
+              <a:schemeClr val="accent1"/>
+            </a:fillRef>
+            <a:effectRef idx="0">
+              <a:schemeClr val="accent1"/>
+            </a:effectRef>
+            <a:fontRef idx="minor">
+              <a:schemeClr val="lt1"/>
+            </a:fontRef>
+          </p:style>
+          <p:txBody>
+            <a:bodyPr rtlCol="0" anchor="ctr"/>
+            <a:lstStyle/>
+            <a:p>
+              <a:pPr algn="ctr"/>
+              <a:endParaRPr lang="ru-RU"/>
+            </a:p>
+          </p:txBody>
+        </p:sp>
+        <mc:AlternateContent xmlns:mc="http://schemas.openxmlformats.org/markup-compatibility/2006">
+          <mc:Choice xmlns:a14="http://schemas.microsoft.com/office/drawing/2010/main" Requires="a14">
+            <p:sp>
+              <p:nvSpPr>
+                <p:cNvPr id="33" name="TextBox 32"/>
+                <p:cNvSpPr txBox="1"/>
+                <p:nvPr/>
+              </p:nvSpPr>
+              <p:spPr>
+                <a:xfrm>
+                  <a:off x="4258493" y="5816912"/>
+                  <a:ext cx="1309238" cy="584775"/>
+                </a:xfrm>
+                <a:prstGeom prst="rect">
+                  <a:avLst/>
+                </a:prstGeom>
+                <a:noFill/>
+              </p:spPr>
+              <p:txBody>
+                <a:bodyPr wrap="none" rtlCol="0">
+                  <a:spAutoFit/>
+                </a:bodyPr>
+                <a:lstStyle/>
+                <a:p>
+                  <a:pPr/>
+                  <a14:m>
+                    <m:oMathPara xmlns:m="http://schemas.openxmlformats.org/officeDocument/2006/math">
+                      <m:oMathParaPr>
+                        <m:jc m:val="centerGroup"/>
+                      </m:oMathParaPr>
+                      <m:oMath xmlns:m="http://schemas.openxmlformats.org/officeDocument/2006/math">
+                        <m:r>
+                          <a:rPr lang="en-US" sz="3200" b="0" i="1" smtClean="0">
+                            <a:latin typeface="Cambria Math" panose="02040503050406030204" pitchFamily="18" charset="0"/>
+                          </a:rPr>
+                          <m:t>𝑘</m:t>
+                        </m:r>
+                        <m:r>
+                          <a:rPr lang="en-US" sz="3200" b="0" i="1" smtClean="0">
+                            <a:latin typeface="Cambria Math" panose="02040503050406030204" pitchFamily="18" charset="0"/>
+                          </a:rPr>
+                          <m:t>=0</m:t>
+                        </m:r>
+                      </m:oMath>
+                    </m:oMathPara>
+                  </a14:m>
+                  <a:endParaRPr lang="ru-RU" sz="3200" dirty="0"/>
+                </a:p>
+              </p:txBody>
+            </p:sp>
+          </mc:Choice>
+          <mc:Fallback>
+            <p:sp>
+              <p:nvSpPr>
+                <p:cNvPr id="33" name="TextBox 32"/>
+                <p:cNvSpPr txBox="1">
+                  <a:spLocks noRot="1" noChangeAspect="1" noMove="1" noResize="1" noEditPoints="1" noAdjustHandles="1" noChangeArrowheads="1" noChangeShapeType="1" noTextEdit="1"/>
+                </p:cNvSpPr>
+                <p:nvPr/>
+              </p:nvSpPr>
+              <p:spPr>
+                <a:xfrm>
+                  <a:off x="4258493" y="5816912"/>
+                  <a:ext cx="1309238" cy="584775"/>
+                </a:xfrm>
+                <a:prstGeom prst="rect">
+                  <a:avLst/>
+                </a:prstGeom>
+                <a:blipFill>
+                  <a:blip r:embed="rId3"/>
+                  <a:stretch>
+                    <a:fillRect/>
+                  </a:stretch>
+                </a:blipFill>
+              </p:spPr>
+              <p:txBody>
+                <a:bodyPr/>
+                <a:lstStyle/>
+                <a:p>
+                  <a:r>
+                    <a:rPr lang="ru-RU">
+                      <a:noFill/>
+                    </a:rPr>
+                    <a:t> </a:t>
+                  </a:r>
+                </a:p>
+              </p:txBody>
+            </p:sp>
+          </mc:Fallback>
+        </mc:AlternateContent>
+        <mc:AlternateContent xmlns:mc="http://schemas.openxmlformats.org/markup-compatibility/2006">
+          <mc:Choice xmlns:a14="http://schemas.microsoft.com/office/drawing/2010/main" Requires="a14">
+            <p:sp>
+              <p:nvSpPr>
+                <p:cNvPr id="34" name="TextBox 33"/>
+                <p:cNvSpPr txBox="1"/>
+                <p:nvPr/>
+              </p:nvSpPr>
+              <p:spPr>
+                <a:xfrm>
+                  <a:off x="5825999" y="5816911"/>
+                  <a:ext cx="1309238" cy="584775"/>
+                </a:xfrm>
+                <a:prstGeom prst="rect">
+                  <a:avLst/>
+                </a:prstGeom>
+                <a:noFill/>
+              </p:spPr>
+              <p:txBody>
+                <a:bodyPr wrap="none" rtlCol="0">
+                  <a:spAutoFit/>
+                </a:bodyPr>
+                <a:lstStyle/>
+                <a:p>
+                  <a:pPr/>
+                  <a14:m>
+                    <m:oMathPara xmlns:m="http://schemas.openxmlformats.org/officeDocument/2006/math">
+                      <m:oMathParaPr>
+                        <m:jc m:val="centerGroup"/>
+                      </m:oMathParaPr>
+                      <m:oMath xmlns:m="http://schemas.openxmlformats.org/officeDocument/2006/math">
+                        <m:r>
+                          <a:rPr lang="en-US" sz="3200" b="0" i="1" smtClean="0">
+                            <a:latin typeface="Cambria Math" panose="02040503050406030204" pitchFamily="18" charset="0"/>
+                          </a:rPr>
+                          <m:t>𝑘</m:t>
+                        </m:r>
+                        <m:r>
+                          <a:rPr lang="en-US" sz="3200" b="0" i="1" smtClean="0">
+                            <a:latin typeface="Cambria Math" panose="02040503050406030204" pitchFamily="18" charset="0"/>
+                          </a:rPr>
+                          <m:t>=1</m:t>
+                        </m:r>
+                      </m:oMath>
+                    </m:oMathPara>
+                  </a14:m>
+                  <a:endParaRPr lang="ru-RU" sz="3200" dirty="0"/>
+                </a:p>
+              </p:txBody>
+            </p:sp>
+          </mc:Choice>
+          <mc:Fallback>
+            <p:sp>
+              <p:nvSpPr>
+                <p:cNvPr id="34" name="TextBox 33"/>
+                <p:cNvSpPr txBox="1">
+                  <a:spLocks noRot="1" noChangeAspect="1" noMove="1" noResize="1" noEditPoints="1" noAdjustHandles="1" noChangeArrowheads="1" noChangeShapeType="1" noTextEdit="1"/>
+                </p:cNvSpPr>
+                <p:nvPr/>
+              </p:nvSpPr>
+              <p:spPr>
+                <a:xfrm>
+                  <a:off x="5825999" y="5816911"/>
+                  <a:ext cx="1309238" cy="584775"/>
+                </a:xfrm>
+                <a:prstGeom prst="rect">
+                  <a:avLst/>
+                </a:prstGeom>
+                <a:blipFill>
+                  <a:blip r:embed="rId4"/>
+                  <a:stretch>
+                    <a:fillRect/>
+                  </a:stretch>
+                </a:blipFill>
+              </p:spPr>
+              <p:txBody>
+                <a:bodyPr/>
+                <a:lstStyle/>
+                <a:p>
+                  <a:r>
+                    <a:rPr lang="ru-RU">
+                      <a:noFill/>
+                    </a:rPr>
+                    <a:t> </a:t>
+                  </a:r>
+                </a:p>
+              </p:txBody>
+            </p:sp>
+          </mc:Fallback>
+        </mc:AlternateContent>
+        <mc:AlternateContent xmlns:mc="http://schemas.openxmlformats.org/markup-compatibility/2006">
+          <mc:Choice xmlns:a14="http://schemas.microsoft.com/office/drawing/2010/main" Requires="a14">
+            <p:sp>
+              <p:nvSpPr>
+                <p:cNvPr id="35" name="TextBox 34"/>
+                <p:cNvSpPr txBox="1"/>
+                <p:nvPr/>
+              </p:nvSpPr>
+              <p:spPr>
+                <a:xfrm>
+                  <a:off x="7979196" y="5816911"/>
+                  <a:ext cx="1309238" cy="584775"/>
+                </a:xfrm>
+                <a:prstGeom prst="rect">
+                  <a:avLst/>
+                </a:prstGeom>
+                <a:noFill/>
+              </p:spPr>
+              <p:txBody>
+                <a:bodyPr wrap="none" rtlCol="0">
+                  <a:spAutoFit/>
+                </a:bodyPr>
+                <a:lstStyle/>
+                <a:p>
+                  <a:pPr/>
+                  <a14:m>
+                    <m:oMathPara xmlns:m="http://schemas.openxmlformats.org/officeDocument/2006/math">
+                      <m:oMathParaPr>
+                        <m:jc m:val="centerGroup"/>
+                      </m:oMathParaPr>
+                      <m:oMath xmlns:m="http://schemas.openxmlformats.org/officeDocument/2006/math">
+                        <m:r>
+                          <a:rPr lang="en-US" sz="3200" b="0" i="1" smtClean="0">
+                            <a:latin typeface="Cambria Math" panose="02040503050406030204" pitchFamily="18" charset="0"/>
+                          </a:rPr>
+                          <m:t>𝑘</m:t>
+                        </m:r>
+                        <m:r>
+                          <a:rPr lang="en-US" sz="3200" b="0" i="1" smtClean="0">
+                            <a:latin typeface="Cambria Math" panose="02040503050406030204" pitchFamily="18" charset="0"/>
+                          </a:rPr>
+                          <m:t>=2</m:t>
+                        </m:r>
+                      </m:oMath>
+                    </m:oMathPara>
+                  </a14:m>
+                  <a:endParaRPr lang="ru-RU" sz="3200" dirty="0"/>
+                </a:p>
+              </p:txBody>
+            </p:sp>
+          </mc:Choice>
+          <mc:Fallback>
+            <p:sp>
+              <p:nvSpPr>
+                <p:cNvPr id="35" name="TextBox 34"/>
+                <p:cNvSpPr txBox="1">
+                  <a:spLocks noRot="1" noChangeAspect="1" noMove="1" noResize="1" noEditPoints="1" noAdjustHandles="1" noChangeArrowheads="1" noChangeShapeType="1" noTextEdit="1"/>
+                </p:cNvSpPr>
+                <p:nvPr/>
+              </p:nvSpPr>
+              <p:spPr>
+                <a:xfrm>
+                  <a:off x="7979196" y="5816911"/>
+                  <a:ext cx="1309238" cy="584775"/>
+                </a:xfrm>
+                <a:prstGeom prst="rect">
+                  <a:avLst/>
+                </a:prstGeom>
+                <a:blipFill>
+                  <a:blip r:embed="rId5"/>
+                  <a:stretch>
+                    <a:fillRect/>
+                  </a:stretch>
+                </a:blipFill>
+              </p:spPr>
+              <p:txBody>
+                <a:bodyPr/>
+                <a:lstStyle/>
+                <a:p>
+                  <a:r>
+                    <a:rPr lang="ru-RU">
+                      <a:noFill/>
+                    </a:rPr>
+                    <a:t> </a:t>
+                  </a:r>
+                </a:p>
+              </p:txBody>
+            </p:sp>
+          </mc:Fallback>
+        </mc:AlternateContent>
+        <mc:AlternateContent xmlns:mc="http://schemas.openxmlformats.org/markup-compatibility/2006">
+          <mc:Choice xmlns:a14="http://schemas.microsoft.com/office/drawing/2010/main" Requires="a14">
+            <p:sp>
+              <p:nvSpPr>
+                <p:cNvPr id="36" name="TextBox 35"/>
+                <p:cNvSpPr txBox="1"/>
+                <p:nvPr/>
+              </p:nvSpPr>
+              <p:spPr>
+                <a:xfrm>
+                  <a:off x="10312838" y="5835243"/>
+                  <a:ext cx="1309238" cy="584775"/>
+                </a:xfrm>
+                <a:prstGeom prst="rect">
+                  <a:avLst/>
+                </a:prstGeom>
+                <a:noFill/>
+              </p:spPr>
+              <p:txBody>
+                <a:bodyPr wrap="none" rtlCol="0">
+                  <a:spAutoFit/>
+                </a:bodyPr>
+                <a:lstStyle/>
+                <a:p>
+                  <a:pPr/>
+                  <a14:m>
+                    <m:oMathPara xmlns:m="http://schemas.openxmlformats.org/officeDocument/2006/math">
+                      <m:oMathParaPr>
+                        <m:jc m:val="centerGroup"/>
+                      </m:oMathParaPr>
+                      <m:oMath xmlns:m="http://schemas.openxmlformats.org/officeDocument/2006/math">
+                        <m:r>
+                          <a:rPr lang="en-US" sz="3200" b="0" i="1" smtClean="0">
+                            <a:latin typeface="Cambria Math" panose="02040503050406030204" pitchFamily="18" charset="0"/>
+                          </a:rPr>
+                          <m:t>𝑘</m:t>
+                        </m:r>
+                        <m:r>
+                          <a:rPr lang="en-US" sz="3200" b="0" i="1" smtClean="0">
+                            <a:latin typeface="Cambria Math" panose="02040503050406030204" pitchFamily="18" charset="0"/>
+                          </a:rPr>
+                          <m:t>=3</m:t>
+                        </m:r>
+                      </m:oMath>
+                    </m:oMathPara>
+                  </a14:m>
+                  <a:endParaRPr lang="ru-RU" sz="3200" dirty="0"/>
+                </a:p>
+              </p:txBody>
+            </p:sp>
+          </mc:Choice>
+          <mc:Fallback>
+            <p:sp>
+              <p:nvSpPr>
+                <p:cNvPr id="36" name="TextBox 35"/>
+                <p:cNvSpPr txBox="1">
+                  <a:spLocks noRot="1" noChangeAspect="1" noMove="1" noResize="1" noEditPoints="1" noAdjustHandles="1" noChangeArrowheads="1" noChangeShapeType="1" noTextEdit="1"/>
+                </p:cNvSpPr>
+                <p:nvPr/>
+              </p:nvSpPr>
+              <p:spPr>
+                <a:xfrm>
+                  <a:off x="10312838" y="5835243"/>
+                  <a:ext cx="1309238" cy="584775"/>
+                </a:xfrm>
+                <a:prstGeom prst="rect">
+                  <a:avLst/>
+                </a:prstGeom>
+                <a:blipFill>
+                  <a:blip r:embed="rId6"/>
+                  <a:stretch>
+                    <a:fillRect/>
+                  </a:stretch>
+                </a:blipFill>
+              </p:spPr>
+              <p:txBody>
+                <a:bodyPr/>
+                <a:lstStyle/>
+                <a:p>
+                  <a:r>
+                    <a:rPr lang="ru-RU">
+                      <a:noFill/>
+                    </a:rPr>
+                    <a:t> </a:t>
+                  </a:r>
+                </a:p>
+              </p:txBody>
+            </p:sp>
+          </mc:Fallback>
+        </mc:AlternateContent>
+        <p:cxnSp>
+          <p:nvCxnSpPr>
+            <p:cNvPr id="41" name="Прямая соединительная линия 40"/>
+            <p:cNvCxnSpPr/>
+            <p:nvPr/>
+          </p:nvCxnSpPr>
+          <p:spPr>
+            <a:xfrm flipH="1">
+              <a:off x="11747778" y="4576188"/>
+              <a:ext cx="41522" cy="951876"/>
+            </a:xfrm>
+            <a:prstGeom prst="line">
+              <a:avLst/>
+            </a:prstGeom>
+            <a:ln w="25400">
               <a:solidFill>
-                <a:schemeClr val="accent1">
-                  <a:lumMod val="20000"/>
-                  <a:lumOff val="80000"/>
-                </a:schemeClr>
+                <a:srgbClr val="41719C"/>
               </a:solidFill>
-              <a:ln w="19050">
-                <a:solidFill>
-                  <a:srgbClr val="41719C"/>
-                </a:solidFill>
-                <a:prstDash val="dash"/>
-              </a:ln>
-            </p:spPr>
-            <p:style>
-              <a:lnRef idx="1">
-                <a:schemeClr val="dk1"/>
-              </a:lnRef>
-              <a:fillRef idx="0">
-                <a:schemeClr val="dk1"/>
-              </a:fillRef>
-              <a:effectRef idx="0">
-                <a:schemeClr val="dk1"/>
-              </a:effectRef>
-              <a:fontRef idx="minor">
-                <a:schemeClr val="tx1"/>
-              </a:fontRef>
-            </p:style>
-          </p:cxnSp>
-        </p:grpSp>
+            </a:ln>
+          </p:spPr>
+          <p:style>
+            <a:lnRef idx="1">
+              <a:schemeClr val="accent1"/>
+            </a:lnRef>
+            <a:fillRef idx="0">
+              <a:schemeClr val="accent1"/>
+            </a:fillRef>
+            <a:effectRef idx="0">
+              <a:schemeClr val="accent1"/>
+            </a:effectRef>
+            <a:fontRef idx="minor">
+              <a:schemeClr val="tx1"/>
+            </a:fontRef>
+          </p:style>
+        </p:cxnSp>
+        <p:cxnSp>
+          <p:nvCxnSpPr>
+            <p:cNvPr id="9" name="Прямая соединительная линия 8"/>
+            <p:cNvCxnSpPr>
+              <a:stCxn id="10" idx="2"/>
+              <a:endCxn id="4" idx="0"/>
+            </p:cNvCxnSpPr>
+            <p:nvPr/>
+          </p:nvCxnSpPr>
+          <p:spPr>
+            <a:xfrm flipV="1">
+              <a:off x="10189577" y="4600787"/>
+              <a:ext cx="1592858" cy="927277"/>
+            </a:xfrm>
+            <a:prstGeom prst="line">
+              <a:avLst/>
+            </a:prstGeom>
+            <a:solidFill>
+              <a:schemeClr val="accent1">
+                <a:lumMod val="20000"/>
+                <a:lumOff val="80000"/>
+              </a:schemeClr>
+            </a:solidFill>
+            <a:ln w="19050">
+              <a:solidFill>
+                <a:srgbClr val="41719C"/>
+              </a:solidFill>
+              <a:prstDash val="dash"/>
+            </a:ln>
+          </p:spPr>
+          <p:style>
+            <a:lnRef idx="1">
+              <a:schemeClr val="dk1"/>
+            </a:lnRef>
+            <a:fillRef idx="0">
+              <a:schemeClr val="dk1"/>
+            </a:fillRef>
+            <a:effectRef idx="0">
+              <a:schemeClr val="dk1"/>
+            </a:effectRef>
+            <a:fontRef idx="minor">
+              <a:schemeClr val="tx1"/>
+            </a:fontRef>
+          </p:style>
+        </p:cxnSp>
       </p:grpSp>
     </p:spTree>
     <p:extLst>
@@ -18120,7 +18099,7 @@
                                           </p:stCondLst>
                                         </p:cTn>
                                         <p:tgtEl>
-                                          <p:spTgt spid="8"/>
+                                          <p:spTgt spid="6"/>
                                         </p:tgtEl>
                                         <p:attrNameLst>
                                           <p:attrName>style.visibility</p:attrName>
@@ -18134,7 +18113,7 @@
                                       <p:cBhvr>
                                         <p:cTn id="17" dur="500"/>
                                         <p:tgtEl>
-                                          <p:spTgt spid="8"/>
+                                          <p:spTgt spid="6"/>
                                         </p:tgtEl>
                                       </p:cBhvr>
                                     </p:animEffect>
